--- a/Data Literacy/Day 2 Questioning Data /02-Questioning Data - Final.pptx
+++ b/Data Literacy/Day 2 Questioning Data /02-Questioning Data - Final.pptx
@@ -8,10 +8,10 @@
     <p:sldMasterId id="2147493470" r:id="rId7"/>
   </p:sldMasterIdLst>
   <p:notesMasterIdLst>
-    <p:notesMasterId r:id="rId42"/>
+    <p:notesMasterId r:id="rId41"/>
   </p:notesMasterIdLst>
   <p:handoutMasterIdLst>
-    <p:handoutMasterId r:id="rId43"/>
+    <p:handoutMasterId r:id="rId42"/>
   </p:handoutMasterIdLst>
   <p:sldIdLst>
     <p:sldId id="256" r:id="rId8"/>
@@ -37,17 +37,16 @@
     <p:sldId id="526" r:id="rId28"/>
     <p:sldId id="527" r:id="rId29"/>
     <p:sldId id="528" r:id="rId30"/>
-    <p:sldId id="533" r:id="rId31"/>
-    <p:sldId id="534" r:id="rId32"/>
-    <p:sldId id="530" r:id="rId33"/>
-    <p:sldId id="444" r:id="rId34"/>
-    <p:sldId id="495" r:id="rId35"/>
-    <p:sldId id="535" r:id="rId36"/>
-    <p:sldId id="502" r:id="rId37"/>
-    <p:sldId id="538" r:id="rId38"/>
-    <p:sldId id="536" r:id="rId39"/>
-    <p:sldId id="537" r:id="rId40"/>
-    <p:sldId id="503" r:id="rId41"/>
+    <p:sldId id="534" r:id="rId31"/>
+    <p:sldId id="530" r:id="rId32"/>
+    <p:sldId id="444" r:id="rId33"/>
+    <p:sldId id="495" r:id="rId34"/>
+    <p:sldId id="535" r:id="rId35"/>
+    <p:sldId id="502" r:id="rId36"/>
+    <p:sldId id="538" r:id="rId37"/>
+    <p:sldId id="536" r:id="rId38"/>
+    <p:sldId id="537" r:id="rId39"/>
+    <p:sldId id="503" r:id="rId40"/>
   </p:sldIdLst>
   <p:sldSz cx="9144000" cy="6858000" type="screen4x3"/>
   <p:notesSz cx="7010400" cy="9296400"/>
@@ -216,7 +215,6 @@
             <p14:sldId id="526"/>
             <p14:sldId id="527"/>
             <p14:sldId id="528"/>
-            <p14:sldId id="533"/>
             <p14:sldId id="534"/>
             <p14:sldId id="530"/>
           </p14:sldIdLst>
@@ -253,6 +251,9 @@
         </p15:guide>
       </p15:sldGuideLst>
     </p:ext>
+    <p:ext uri="{2D200454-40CA-4A62-9FC3-DE9A4176ACB9}">
+      <p15:notesGuideLst xmlns:p15="http://schemas.microsoft.com/office/powerpoint/2012/main"/>
+    </p:ext>
   </p:extLst>
 </p:presentation>
 </file>
@@ -282,120 +283,6 @@
 
 <file path=ppt/changesInfos/changesInfo1.xml><?xml version="1.0" encoding="utf-8"?>
 <pc:chgInfo xmlns:a="http://schemas.openxmlformats.org/drawingml/2006/main" xmlns:r="http://schemas.openxmlformats.org/officeDocument/2006/relationships" xmlns:ac="http://schemas.microsoft.com/office/drawing/2013/main/command" xmlns:pc="http://schemas.microsoft.com/office/powerpoint/2013/main/command">
-  <pc:docChgLst>
-    <pc:chgData name="Aleks Jovanovich" userId="S::aleksandar_jovanovich@progressive.com::6ff26df7-9ece-4cbb-9b25-991ea4a4eba2" providerId="AD" clId="Web-{423D61CE-B428-F2C8-70B3-B799758775FE}"/>
-    <pc:docChg chg="addSld modSld sldOrd modSection">
-      <pc:chgData name="Aleks Jovanovich" userId="S::aleksandar_jovanovich@progressive.com::6ff26df7-9ece-4cbb-9b25-991ea4a4eba2" providerId="AD" clId="Web-{423D61CE-B428-F2C8-70B3-B799758775FE}" dt="2024-01-26T18:44:11.135" v="23" actId="20577"/>
-      <pc:docMkLst>
-        <pc:docMk/>
-      </pc:docMkLst>
-      <pc:sldChg chg="modSp">
-        <pc:chgData name="Aleks Jovanovich" userId="S::aleksandar_jovanovich@progressive.com::6ff26df7-9ece-4cbb-9b25-991ea4a4eba2" providerId="AD" clId="Web-{423D61CE-B428-F2C8-70B3-B799758775FE}" dt="2024-01-26T18:42:29.820" v="4" actId="20577"/>
-        <pc:sldMkLst>
-          <pc:docMk/>
-          <pc:sldMk cId="88725199" sldId="495"/>
-        </pc:sldMkLst>
-        <pc:spChg chg="mod">
-          <ac:chgData name="Aleks Jovanovich" userId="S::aleksandar_jovanovich@progressive.com::6ff26df7-9ece-4cbb-9b25-991ea4a4eba2" providerId="AD" clId="Web-{423D61CE-B428-F2C8-70B3-B799758775FE}" dt="2024-01-26T18:42:29.820" v="4" actId="20577"/>
-          <ac:spMkLst>
-            <pc:docMk/>
-            <pc:sldMk cId="88725199" sldId="495"/>
-            <ac:spMk id="3" creationId="{7E4C8616-F13A-6390-9D9D-C063D6C34979}"/>
-          </ac:spMkLst>
-        </pc:spChg>
-      </pc:sldChg>
-      <pc:sldChg chg="modSp ord">
-        <pc:chgData name="Aleks Jovanovich" userId="S::aleksandar_jovanovich@progressive.com::6ff26df7-9ece-4cbb-9b25-991ea4a4eba2" providerId="AD" clId="Web-{423D61CE-B428-F2C8-70B3-B799758775FE}" dt="2024-01-26T18:43:39.056" v="15"/>
-        <pc:sldMkLst>
-          <pc:docMk/>
-          <pc:sldMk cId="260417058" sldId="502"/>
-        </pc:sldMkLst>
-        <pc:spChg chg="mod">
-          <ac:chgData name="Aleks Jovanovich" userId="S::aleksandar_jovanovich@progressive.com::6ff26df7-9ece-4cbb-9b25-991ea4a4eba2" providerId="AD" clId="Web-{423D61CE-B428-F2C8-70B3-B799758775FE}" dt="2024-01-26T18:42:47.164" v="9" actId="20577"/>
-          <ac:spMkLst>
-            <pc:docMk/>
-            <pc:sldMk cId="260417058" sldId="502"/>
-            <ac:spMk id="3" creationId="{B790E964-66C1-8511-4305-DBB304967650}"/>
-          </ac:spMkLst>
-        </pc:spChg>
-      </pc:sldChg>
-      <pc:sldChg chg="modSp">
-        <pc:chgData name="Aleks Jovanovich" userId="S::aleksandar_jovanovich@progressive.com::6ff26df7-9ece-4cbb-9b25-991ea4a4eba2" providerId="AD" clId="Web-{423D61CE-B428-F2C8-70B3-B799758775FE}" dt="2024-01-26T18:44:11.135" v="23" actId="20577"/>
-        <pc:sldMkLst>
-          <pc:docMk/>
-          <pc:sldMk cId="765348774" sldId="503"/>
-        </pc:sldMkLst>
-        <pc:spChg chg="mod">
-          <ac:chgData name="Aleks Jovanovich" userId="S::aleksandar_jovanovich@progressive.com::6ff26df7-9ece-4cbb-9b25-991ea4a4eba2" providerId="AD" clId="Web-{423D61CE-B428-F2C8-70B3-B799758775FE}" dt="2024-01-26T18:44:11.135" v="23" actId="20577"/>
-          <ac:spMkLst>
-            <pc:docMk/>
-            <pc:sldMk cId="765348774" sldId="503"/>
-            <ac:spMk id="3" creationId="{0F561791-1F1F-2135-E0F1-13A5FA1B53E7}"/>
-          </ac:spMkLst>
-        </pc:spChg>
-      </pc:sldChg>
-      <pc:sldChg chg="modSp">
-        <pc:chgData name="Aleks Jovanovich" userId="S::aleksandar_jovanovich@progressive.com::6ff26df7-9ece-4cbb-9b25-991ea4a4eba2" providerId="AD" clId="Web-{423D61CE-B428-F2C8-70B3-B799758775FE}" dt="2024-01-26T18:42:39.867" v="6" actId="20577"/>
-        <pc:sldMkLst>
-          <pc:docMk/>
-          <pc:sldMk cId="2723147795" sldId="535"/>
-        </pc:sldMkLst>
-        <pc:spChg chg="mod">
-          <ac:chgData name="Aleks Jovanovich" userId="S::aleksandar_jovanovich@progressive.com::6ff26df7-9ece-4cbb-9b25-991ea4a4eba2" providerId="AD" clId="Web-{423D61CE-B428-F2C8-70B3-B799758775FE}" dt="2024-01-26T18:42:39.867" v="6" actId="20577"/>
-          <ac:spMkLst>
-            <pc:docMk/>
-            <pc:sldMk cId="2723147795" sldId="535"/>
-            <ac:spMk id="3" creationId="{A1B2121B-B50E-49BF-33CF-BAB61AA623BF}"/>
-          </ac:spMkLst>
-        </pc:spChg>
-      </pc:sldChg>
-      <pc:sldChg chg="modSp">
-        <pc:chgData name="Aleks Jovanovich" userId="S::aleksandar_jovanovich@progressive.com::6ff26df7-9ece-4cbb-9b25-991ea4a4eba2" providerId="AD" clId="Web-{423D61CE-B428-F2C8-70B3-B799758775FE}" dt="2024-01-26T18:43:51.994" v="19" actId="20577"/>
-        <pc:sldMkLst>
-          <pc:docMk/>
-          <pc:sldMk cId="1356943498" sldId="536"/>
-        </pc:sldMkLst>
-        <pc:spChg chg="mod">
-          <ac:chgData name="Aleks Jovanovich" userId="S::aleksandar_jovanovich@progressive.com::6ff26df7-9ece-4cbb-9b25-991ea4a4eba2" providerId="AD" clId="Web-{423D61CE-B428-F2C8-70B3-B799758775FE}" dt="2024-01-26T18:43:51.994" v="19" actId="20577"/>
-          <ac:spMkLst>
-            <pc:docMk/>
-            <pc:sldMk cId="1356943498" sldId="536"/>
-            <ac:spMk id="3" creationId="{94F43DFC-C25D-E357-567D-895CA18C9226}"/>
-          </ac:spMkLst>
-        </pc:spChg>
-      </pc:sldChg>
-      <pc:sldChg chg="modSp">
-        <pc:chgData name="Aleks Jovanovich" userId="S::aleksandar_jovanovich@progressive.com::6ff26df7-9ece-4cbb-9b25-991ea4a4eba2" providerId="AD" clId="Web-{423D61CE-B428-F2C8-70B3-B799758775FE}" dt="2024-01-26T18:44:02.260" v="21" actId="20577"/>
-        <pc:sldMkLst>
-          <pc:docMk/>
-          <pc:sldMk cId="4141302450" sldId="537"/>
-        </pc:sldMkLst>
-        <pc:spChg chg="mod">
-          <ac:chgData name="Aleks Jovanovich" userId="S::aleksandar_jovanovich@progressive.com::6ff26df7-9ece-4cbb-9b25-991ea4a4eba2" providerId="AD" clId="Web-{423D61CE-B428-F2C8-70B3-B799758775FE}" dt="2024-01-26T18:44:02.260" v="21" actId="20577"/>
-          <ac:spMkLst>
-            <pc:docMk/>
-            <pc:sldMk cId="4141302450" sldId="537"/>
-            <ac:spMk id="3" creationId="{E4D45069-33C8-5A73-BAF2-67544D18D753}"/>
-          </ac:spMkLst>
-        </pc:spChg>
-      </pc:sldChg>
-      <pc:sldChg chg="modSp add replId">
-        <pc:chgData name="Aleks Jovanovich" userId="S::aleksandar_jovanovich@progressive.com::6ff26df7-9ece-4cbb-9b25-991ea4a4eba2" providerId="AD" clId="Web-{423D61CE-B428-F2C8-70B3-B799758775FE}" dt="2024-01-26T18:43:20.962" v="13" actId="20577"/>
-        <pc:sldMkLst>
-          <pc:docMk/>
-          <pc:sldMk cId="3528216444" sldId="538"/>
-        </pc:sldMkLst>
-        <pc:spChg chg="mod">
-          <ac:chgData name="Aleks Jovanovich" userId="S::aleksandar_jovanovich@progressive.com::6ff26df7-9ece-4cbb-9b25-991ea4a4eba2" providerId="AD" clId="Web-{423D61CE-B428-F2C8-70B3-B799758775FE}" dt="2024-01-26T18:43:20.962" v="13" actId="20577"/>
-          <ac:spMkLst>
-            <pc:docMk/>
-            <pc:sldMk cId="3528216444" sldId="538"/>
-            <ac:spMk id="3" creationId="{F98A4C0B-95E7-0429-253A-3987DA2E0304}"/>
-          </ac:spMkLst>
-        </pc:spChg>
-      </pc:sldChg>
-    </pc:docChg>
-  </pc:docChgLst>
   <pc:docChgLst>
     <pc:chgData name="Aleks Jovanovich" userId="S::aleksandar_jovanovich@progressive.com::6ff26df7-9ece-4cbb-9b25-991ea4a4eba2" providerId="AD" clId="Web-{1B234FCF-B7D2-EFDA-EE10-B39F9BC449B8}"/>
     <pc:docChg chg="addSld delSld modSld sldOrd modSection">
@@ -774,6 +661,120 @@
             <pc:docMk/>
             <pc:sldMk cId="4141302450" sldId="537"/>
             <ac:spMk id="3" creationId="{E4D45069-33C8-5A73-BAF2-67544D18D753}"/>
+          </ac:spMkLst>
+        </pc:spChg>
+      </pc:sldChg>
+    </pc:docChg>
+  </pc:docChgLst>
+  <pc:docChgLst>
+    <pc:chgData name="Aleks Jovanovich" userId="S::aleksandar_jovanovich@progressive.com::6ff26df7-9ece-4cbb-9b25-991ea4a4eba2" providerId="AD" clId="Web-{423D61CE-B428-F2C8-70B3-B799758775FE}"/>
+    <pc:docChg chg="addSld modSld sldOrd modSection">
+      <pc:chgData name="Aleks Jovanovich" userId="S::aleksandar_jovanovich@progressive.com::6ff26df7-9ece-4cbb-9b25-991ea4a4eba2" providerId="AD" clId="Web-{423D61CE-B428-F2C8-70B3-B799758775FE}" dt="2024-01-26T18:44:11.135" v="23" actId="20577"/>
+      <pc:docMkLst>
+        <pc:docMk/>
+      </pc:docMkLst>
+      <pc:sldChg chg="modSp">
+        <pc:chgData name="Aleks Jovanovich" userId="S::aleksandar_jovanovich@progressive.com::6ff26df7-9ece-4cbb-9b25-991ea4a4eba2" providerId="AD" clId="Web-{423D61CE-B428-F2C8-70B3-B799758775FE}" dt="2024-01-26T18:42:29.820" v="4" actId="20577"/>
+        <pc:sldMkLst>
+          <pc:docMk/>
+          <pc:sldMk cId="88725199" sldId="495"/>
+        </pc:sldMkLst>
+        <pc:spChg chg="mod">
+          <ac:chgData name="Aleks Jovanovich" userId="S::aleksandar_jovanovich@progressive.com::6ff26df7-9ece-4cbb-9b25-991ea4a4eba2" providerId="AD" clId="Web-{423D61CE-B428-F2C8-70B3-B799758775FE}" dt="2024-01-26T18:42:29.820" v="4" actId="20577"/>
+          <ac:spMkLst>
+            <pc:docMk/>
+            <pc:sldMk cId="88725199" sldId="495"/>
+            <ac:spMk id="3" creationId="{7E4C8616-F13A-6390-9D9D-C063D6C34979}"/>
+          </ac:spMkLst>
+        </pc:spChg>
+      </pc:sldChg>
+      <pc:sldChg chg="modSp ord">
+        <pc:chgData name="Aleks Jovanovich" userId="S::aleksandar_jovanovich@progressive.com::6ff26df7-9ece-4cbb-9b25-991ea4a4eba2" providerId="AD" clId="Web-{423D61CE-B428-F2C8-70B3-B799758775FE}" dt="2024-01-26T18:43:39.056" v="15"/>
+        <pc:sldMkLst>
+          <pc:docMk/>
+          <pc:sldMk cId="260417058" sldId="502"/>
+        </pc:sldMkLst>
+        <pc:spChg chg="mod">
+          <ac:chgData name="Aleks Jovanovich" userId="S::aleksandar_jovanovich@progressive.com::6ff26df7-9ece-4cbb-9b25-991ea4a4eba2" providerId="AD" clId="Web-{423D61CE-B428-F2C8-70B3-B799758775FE}" dt="2024-01-26T18:42:47.164" v="9" actId="20577"/>
+          <ac:spMkLst>
+            <pc:docMk/>
+            <pc:sldMk cId="260417058" sldId="502"/>
+            <ac:spMk id="3" creationId="{B790E964-66C1-8511-4305-DBB304967650}"/>
+          </ac:spMkLst>
+        </pc:spChg>
+      </pc:sldChg>
+      <pc:sldChg chg="modSp">
+        <pc:chgData name="Aleks Jovanovich" userId="S::aleksandar_jovanovich@progressive.com::6ff26df7-9ece-4cbb-9b25-991ea4a4eba2" providerId="AD" clId="Web-{423D61CE-B428-F2C8-70B3-B799758775FE}" dt="2024-01-26T18:44:11.135" v="23" actId="20577"/>
+        <pc:sldMkLst>
+          <pc:docMk/>
+          <pc:sldMk cId="765348774" sldId="503"/>
+        </pc:sldMkLst>
+        <pc:spChg chg="mod">
+          <ac:chgData name="Aleks Jovanovich" userId="S::aleksandar_jovanovich@progressive.com::6ff26df7-9ece-4cbb-9b25-991ea4a4eba2" providerId="AD" clId="Web-{423D61CE-B428-F2C8-70B3-B799758775FE}" dt="2024-01-26T18:44:11.135" v="23" actId="20577"/>
+          <ac:spMkLst>
+            <pc:docMk/>
+            <pc:sldMk cId="765348774" sldId="503"/>
+            <ac:spMk id="3" creationId="{0F561791-1F1F-2135-E0F1-13A5FA1B53E7}"/>
+          </ac:spMkLst>
+        </pc:spChg>
+      </pc:sldChg>
+      <pc:sldChg chg="modSp">
+        <pc:chgData name="Aleks Jovanovich" userId="S::aleksandar_jovanovich@progressive.com::6ff26df7-9ece-4cbb-9b25-991ea4a4eba2" providerId="AD" clId="Web-{423D61CE-B428-F2C8-70B3-B799758775FE}" dt="2024-01-26T18:42:39.867" v="6" actId="20577"/>
+        <pc:sldMkLst>
+          <pc:docMk/>
+          <pc:sldMk cId="2723147795" sldId="535"/>
+        </pc:sldMkLst>
+        <pc:spChg chg="mod">
+          <ac:chgData name="Aleks Jovanovich" userId="S::aleksandar_jovanovich@progressive.com::6ff26df7-9ece-4cbb-9b25-991ea4a4eba2" providerId="AD" clId="Web-{423D61CE-B428-F2C8-70B3-B799758775FE}" dt="2024-01-26T18:42:39.867" v="6" actId="20577"/>
+          <ac:spMkLst>
+            <pc:docMk/>
+            <pc:sldMk cId="2723147795" sldId="535"/>
+            <ac:spMk id="3" creationId="{A1B2121B-B50E-49BF-33CF-BAB61AA623BF}"/>
+          </ac:spMkLst>
+        </pc:spChg>
+      </pc:sldChg>
+      <pc:sldChg chg="modSp">
+        <pc:chgData name="Aleks Jovanovich" userId="S::aleksandar_jovanovich@progressive.com::6ff26df7-9ece-4cbb-9b25-991ea4a4eba2" providerId="AD" clId="Web-{423D61CE-B428-F2C8-70B3-B799758775FE}" dt="2024-01-26T18:43:51.994" v="19" actId="20577"/>
+        <pc:sldMkLst>
+          <pc:docMk/>
+          <pc:sldMk cId="1356943498" sldId="536"/>
+        </pc:sldMkLst>
+        <pc:spChg chg="mod">
+          <ac:chgData name="Aleks Jovanovich" userId="S::aleksandar_jovanovich@progressive.com::6ff26df7-9ece-4cbb-9b25-991ea4a4eba2" providerId="AD" clId="Web-{423D61CE-B428-F2C8-70B3-B799758775FE}" dt="2024-01-26T18:43:51.994" v="19" actId="20577"/>
+          <ac:spMkLst>
+            <pc:docMk/>
+            <pc:sldMk cId="1356943498" sldId="536"/>
+            <ac:spMk id="3" creationId="{94F43DFC-C25D-E357-567D-895CA18C9226}"/>
+          </ac:spMkLst>
+        </pc:spChg>
+      </pc:sldChg>
+      <pc:sldChg chg="modSp">
+        <pc:chgData name="Aleks Jovanovich" userId="S::aleksandar_jovanovich@progressive.com::6ff26df7-9ece-4cbb-9b25-991ea4a4eba2" providerId="AD" clId="Web-{423D61CE-B428-F2C8-70B3-B799758775FE}" dt="2024-01-26T18:44:02.260" v="21" actId="20577"/>
+        <pc:sldMkLst>
+          <pc:docMk/>
+          <pc:sldMk cId="4141302450" sldId="537"/>
+        </pc:sldMkLst>
+        <pc:spChg chg="mod">
+          <ac:chgData name="Aleks Jovanovich" userId="S::aleksandar_jovanovich@progressive.com::6ff26df7-9ece-4cbb-9b25-991ea4a4eba2" providerId="AD" clId="Web-{423D61CE-B428-F2C8-70B3-B799758775FE}" dt="2024-01-26T18:44:02.260" v="21" actId="20577"/>
+          <ac:spMkLst>
+            <pc:docMk/>
+            <pc:sldMk cId="4141302450" sldId="537"/>
+            <ac:spMk id="3" creationId="{E4D45069-33C8-5A73-BAF2-67544D18D753}"/>
+          </ac:spMkLst>
+        </pc:spChg>
+      </pc:sldChg>
+      <pc:sldChg chg="modSp add replId">
+        <pc:chgData name="Aleks Jovanovich" userId="S::aleksandar_jovanovich@progressive.com::6ff26df7-9ece-4cbb-9b25-991ea4a4eba2" providerId="AD" clId="Web-{423D61CE-B428-F2C8-70B3-B799758775FE}" dt="2024-01-26T18:43:20.962" v="13" actId="20577"/>
+        <pc:sldMkLst>
+          <pc:docMk/>
+          <pc:sldMk cId="3528216444" sldId="538"/>
+        </pc:sldMkLst>
+        <pc:spChg chg="mod">
+          <ac:chgData name="Aleks Jovanovich" userId="S::aleksandar_jovanovich@progressive.com::6ff26df7-9ece-4cbb-9b25-991ea4a4eba2" providerId="AD" clId="Web-{423D61CE-B428-F2C8-70B3-B799758775FE}" dt="2024-01-26T18:43:20.962" v="13" actId="20577"/>
+          <ac:spMkLst>
+            <pc:docMk/>
+            <pc:sldMk cId="3528216444" sldId="538"/>
+            <ac:spMk id="3" creationId="{F98A4C0B-95E7-0429-253A-3987DA2E0304}"/>
           </ac:spMkLst>
         </pc:spChg>
       </pc:sldChg>
@@ -2314,7 +2315,7 @@
               <a:pPr>
                 <a:defRPr/>
               </a:pPr>
-              <a:t>1/26/2024</a:t>
+              <a:t>1/29/24</a:t>
             </a:fld>
             <a:endParaRPr lang="en-US"/>
           </a:p>
@@ -2524,7 +2525,7 @@
               <a:pPr>
                 <a:defRPr/>
               </a:pPr>
-              <a:t>1/26/2024</a:t>
+              <a:t>1/29/24</a:t>
             </a:fld>
             <a:endParaRPr lang="en-US"/>
           </a:p>
@@ -3224,10 +3225,10 @@
               </a:spcAft>
             </a:pPr>
             <a:r>
-              <a:rPr lang="en-US" i="1"/>
+              <a:rPr lang="en-US" i="1" dirty="0"/>
               <a:t>Speaker Notes:</a:t>
             </a:r>
-            <a:endParaRPr lang="en-US"/>
+            <a:endParaRPr lang="en-US" dirty="0"/>
           </a:p>
           <a:p>
             <a:pPr marL="285750" indent="-285750">
@@ -3241,7 +3242,7 @@
               <a:buChar char="•"/>
             </a:pPr>
             <a:r>
-              <a:rPr lang="en-US"/>
+              <a:rPr lang="en-US" dirty="0"/>
               <a:t>This slide emphasizes the importance of understanding the data source to assess biases, strengths, and limitations.</a:t>
             </a:r>
           </a:p>
@@ -3255,10 +3256,10 @@
               </a:spcAft>
             </a:pPr>
             <a:r>
-              <a:rPr lang="en-US" b="1"/>
+              <a:rPr lang="en-US" b="1" dirty="0"/>
               <a:t>The Source is Where the Raw Data Originates</a:t>
             </a:r>
-            <a:endParaRPr lang="en-US"/>
+            <a:endParaRPr lang="en-US" dirty="0"/>
           </a:p>
           <a:p>
             <a:pPr marL="285750" indent="-285750">
@@ -3272,14 +3273,14 @@
               <a:buChar char="•"/>
             </a:pPr>
             <a:r>
-              <a:rPr lang="en-US" i="1"/>
+              <a:rPr lang="en-US" i="1" dirty="0"/>
               <a:t>Speaker Notes:</a:t>
             </a:r>
             <a:r>
-              <a:rPr lang="en-US"/>
+              <a:rPr lang="en-US" dirty="0"/>
               <a:t> The data source is the foundation of your analysis. To gain valuable insights and ensure the reliability of your findings, it's crucial to thoroughly understand the source.</a:t>
             </a:r>
-            <a:endParaRPr lang="en-US">
+            <a:endParaRPr lang="en-US" dirty="0">
               <a:ea typeface="Calibri"/>
               <a:cs typeface="Calibri"/>
             </a:endParaRPr>
@@ -3294,10 +3295,10 @@
               </a:spcAft>
             </a:pPr>
             <a:r>
-              <a:rPr lang="en-US" b="1"/>
+              <a:rPr lang="en-US" b="1" dirty="0"/>
               <a:t>Determining Data Source:</a:t>
             </a:r>
-            <a:endParaRPr lang="en-US"/>
+            <a:endParaRPr lang="en-US" dirty="0"/>
           </a:p>
           <a:p>
             <a:pPr marL="285750" indent="-285750">
@@ -3311,14 +3312,14 @@
               <a:buChar char="•"/>
             </a:pPr>
             <a:r>
-              <a:rPr lang="en-US" i="1"/>
+              <a:rPr lang="en-US" i="1" dirty="0"/>
               <a:t>Speaker Notes:</a:t>
             </a:r>
             <a:r>
-              <a:rPr lang="en-US"/>
+              <a:rPr lang="en-US" dirty="0"/>
               <a:t> Start by determining the origin of the data. Consider the following possibilities:</a:t>
             </a:r>
-            <a:endParaRPr lang="en-US">
+            <a:endParaRPr lang="en-US" dirty="0">
               <a:ea typeface="Calibri"/>
               <a:cs typeface="Calibri"/>
             </a:endParaRPr>
@@ -3335,10 +3336,10 @@
               <a:buChar char="•"/>
             </a:pPr>
             <a:r>
-              <a:rPr lang="en-US" b="1"/>
+              <a:rPr lang="en-US" b="1" dirty="0"/>
               <a:t>From an Experiment or Academic Research Study:</a:t>
             </a:r>
-            <a:endParaRPr lang="en-US"/>
+            <a:endParaRPr lang="en-US" dirty="0"/>
           </a:p>
           <a:p>
             <a:pPr marL="285750" lvl="1" indent="-285750">
@@ -3346,14 +3347,14 @@
               <a:buChar char="•"/>
             </a:pPr>
             <a:r>
-              <a:rPr lang="en-US" i="1"/>
+              <a:rPr lang="en-US" i="1" dirty="0"/>
               <a:t>Speaker Notes:</a:t>
             </a:r>
             <a:r>
-              <a:rPr lang="en-US"/>
+              <a:rPr lang="en-US" dirty="0"/>
               <a:t> If the data is derived from an experiment or academic research study, delve into the details:</a:t>
             </a:r>
-            <a:endParaRPr lang="en-US">
+            <a:endParaRPr lang="en-US" dirty="0">
               <a:ea typeface="Calibri"/>
               <a:cs typeface="Calibri"/>
             </a:endParaRPr>
@@ -3364,7 +3365,7 @@
               <a:buChar char="•"/>
             </a:pPr>
             <a:r>
-              <a:rPr lang="en-US"/>
+              <a:rPr lang="en-US" dirty="0"/>
               <a:t>Review the methodology and parameters of the experiment.</a:t>
             </a:r>
           </a:p>
@@ -3374,7 +3375,7 @@
               <a:buChar char="•"/>
             </a:pPr>
             <a:r>
-              <a:rPr lang="en-US"/>
+              <a:rPr lang="en-US" dirty="0"/>
               <a:t>Understand the controls and variables in place.</a:t>
             </a:r>
           </a:p>
@@ -3384,7 +3385,7 @@
               <a:buChar char="•"/>
             </a:pPr>
             <a:r>
-              <a:rPr lang="en-US"/>
+              <a:rPr lang="en-US" dirty="0"/>
               <a:t>Examine the sample size for representativeness.</a:t>
             </a:r>
           </a:p>
@@ -3394,7 +3395,7 @@
               <a:buChar char="•"/>
             </a:pPr>
             <a:r>
-              <a:rPr lang="en-US"/>
+              <a:rPr lang="en-US" dirty="0"/>
               <a:t>Confirm the hypotheses tested and their implications.</a:t>
             </a:r>
           </a:p>
@@ -3404,7 +3405,7 @@
               <a:buChar char="•"/>
             </a:pPr>
             <a:r>
-              <a:rPr lang="en-US"/>
+              <a:rPr lang="en-US" dirty="0"/>
               <a:t>Be aware of potential issues like reproducibility or randomness.</a:t>
             </a:r>
           </a:p>
@@ -3420,10 +3421,10 @@
               <a:buChar char="•"/>
             </a:pPr>
             <a:r>
-              <a:rPr lang="en-US" b="1"/>
+              <a:rPr lang="en-US" b="1" dirty="0"/>
               <a:t>From a Database:</a:t>
             </a:r>
-            <a:endParaRPr lang="en-US"/>
+            <a:endParaRPr lang="en-US" dirty="0"/>
           </a:p>
           <a:p>
             <a:pPr marL="285750" lvl="1" indent="-285750">
@@ -3431,11 +3432,11 @@
               <a:buChar char="•"/>
             </a:pPr>
             <a:r>
-              <a:rPr lang="en-US" i="1"/>
+              <a:rPr lang="en-US" i="1" dirty="0"/>
               <a:t>Speaker Notes:</a:t>
             </a:r>
             <a:r>
-              <a:rPr lang="en-US"/>
+              <a:rPr lang="en-US" dirty="0"/>
               <a:t> When the data comes from a database, these aspects are significant:</a:t>
             </a:r>
           </a:p>
@@ -3445,7 +3446,7 @@
               <a:buChar char="•"/>
             </a:pPr>
             <a:r>
-              <a:rPr lang="en-US"/>
+              <a:rPr lang="en-US" dirty="0"/>
               <a:t>Investigate the data measurement and recording procedures.</a:t>
             </a:r>
           </a:p>
@@ -3455,7 +3456,7 @@
               <a:buChar char="•"/>
             </a:pPr>
             <a:r>
-              <a:rPr lang="en-US"/>
+              <a:rPr lang="en-US" dirty="0"/>
               <a:t>Determine the frequency of data updates or entries.</a:t>
             </a:r>
           </a:p>
@@ -3465,7 +3466,7 @@
               <a:buChar char="•"/>
             </a:pPr>
             <a:r>
-              <a:rPr lang="en-US"/>
+              <a:rPr lang="en-US" dirty="0"/>
               <a:t>Consider any incentives for institutions to influence reported metrics.</a:t>
             </a:r>
           </a:p>
@@ -3475,7 +3476,7 @@
               <a:buChar char="•"/>
             </a:pPr>
             <a:r>
-              <a:rPr lang="en-US"/>
+              <a:rPr lang="en-US" dirty="0"/>
               <a:t>Understand the primary purpose of collecting the data.</a:t>
             </a:r>
           </a:p>
@@ -3491,10 +3492,10 @@
               <a:buChar char="•"/>
             </a:pPr>
             <a:r>
-              <a:rPr lang="en-US" b="1"/>
+              <a:rPr lang="en-US" b="1" dirty="0"/>
               <a:t>From an Industry Trade Association Report:</a:t>
             </a:r>
-            <a:endParaRPr lang="en-US"/>
+            <a:endParaRPr lang="en-US" dirty="0"/>
           </a:p>
           <a:p>
             <a:pPr marL="285750" lvl="1" indent="-285750">
@@ -3502,11 +3503,11 @@
               <a:buChar char="•"/>
             </a:pPr>
             <a:r>
-              <a:rPr lang="en-US" i="1"/>
+              <a:rPr lang="en-US" i="1" dirty="0"/>
               <a:t>Speaker Notes:</a:t>
             </a:r>
             <a:r>
-              <a:rPr lang="en-US"/>
+              <a:rPr lang="en-US" dirty="0"/>
               <a:t> If the data is sourced from an industry trade association report, assess:</a:t>
             </a:r>
           </a:p>
@@ -3516,7 +3517,7 @@
               <a:buChar char="•"/>
             </a:pPr>
             <a:r>
-              <a:rPr lang="en-US"/>
+              <a:rPr lang="en-US" dirty="0"/>
               <a:t>The reliability and credibility of the association.</a:t>
             </a:r>
           </a:p>
@@ -3526,7 +3527,7 @@
               <a:buChar char="•"/>
             </a:pPr>
             <a:r>
-              <a:rPr lang="en-US"/>
+              <a:rPr lang="en-US" dirty="0"/>
               <a:t>The methodology used to compile and present the data.</a:t>
             </a:r>
           </a:p>
@@ -3536,7 +3537,7 @@
               <a:buChar char="•"/>
             </a:pPr>
             <a:r>
-              <a:rPr lang="en-US"/>
+              <a:rPr lang="en-US" dirty="0"/>
               <a:t>The relevance of the data to your analysis.</a:t>
             </a:r>
           </a:p>
@@ -3552,10 +3553,10 @@
               <a:buChar char="•"/>
             </a:pPr>
             <a:r>
-              <a:rPr lang="en-US" b="1"/>
+              <a:rPr lang="en-US" b="1" dirty="0"/>
               <a:t>From a Survey:</a:t>
             </a:r>
-            <a:endParaRPr lang="en-US"/>
+            <a:endParaRPr lang="en-US" dirty="0"/>
           </a:p>
           <a:p>
             <a:pPr marL="285750" lvl="1" indent="-285750">
@@ -3563,11 +3564,11 @@
               <a:buChar char="•"/>
             </a:pPr>
             <a:r>
-              <a:rPr lang="en-US" i="1"/>
+              <a:rPr lang="en-US" i="1" dirty="0"/>
               <a:t>Speaker Notes:</a:t>
             </a:r>
             <a:r>
-              <a:rPr lang="en-US"/>
+              <a:rPr lang="en-US" dirty="0"/>
               <a:t> In the case of survey data, scrutinize:</a:t>
             </a:r>
           </a:p>
@@ -3577,7 +3578,7 @@
               <a:buChar char="•"/>
             </a:pPr>
             <a:r>
-              <a:rPr lang="en-US"/>
+              <a:rPr lang="en-US" dirty="0"/>
               <a:t>The survey methodology, including sampling techniques.</a:t>
             </a:r>
           </a:p>
@@ -3587,7 +3588,7 @@
               <a:buChar char="•"/>
             </a:pPr>
             <a:r>
-              <a:rPr lang="en-US"/>
+              <a:rPr lang="en-US" dirty="0"/>
               <a:t>The survey's response rate and representativeness.</a:t>
             </a:r>
           </a:p>
@@ -3597,7 +3598,7 @@
               <a:buChar char="•"/>
             </a:pPr>
             <a:r>
-              <a:rPr lang="en-US"/>
+              <a:rPr lang="en-US" dirty="0"/>
               <a:t>The survey questions and how they were structured.</a:t>
             </a:r>
           </a:p>
@@ -3607,7 +3608,7 @@
               <a:buChar char="•"/>
             </a:pPr>
             <a:r>
-              <a:rPr lang="en-US"/>
+              <a:rPr lang="en-US" dirty="0"/>
               <a:t>Any potential bias in survey design or administration.</a:t>
             </a:r>
           </a:p>
@@ -3623,16 +3624,16 @@
               <a:buChar char="•"/>
             </a:pPr>
             <a:r>
-              <a:rPr lang="en-US" i="1"/>
+              <a:rPr lang="en-US" i="1" dirty="0"/>
               <a:t>Additional Note:</a:t>
             </a:r>
             <a:r>
-              <a:rPr lang="en-US"/>
+              <a:rPr lang="en-US" dirty="0"/>
               <a:t> Understanding the data source is the initial and essential step to ensure the integrity of your analysis. It helps identify potential biases, strengths, and limitations, enabling you to make informed decisions based on the data's reliability and context.</a:t>
             </a:r>
           </a:p>
           <a:p>
-            <a:endParaRPr lang="en-US">
+            <a:endParaRPr lang="en-US" dirty="0">
               <a:ea typeface="Calibri"/>
               <a:cs typeface="Calibri"/>
             </a:endParaRPr>
@@ -3975,10 +3976,10 @@
               <a:defRPr/>
             </a:pPr>
             <a:r>
-              <a:rPr lang="en-US" i="1"/>
+              <a:rPr lang="en-US" i="1" dirty="0"/>
               <a:t>Speaker Notes:</a:t>
             </a:r>
-            <a:endParaRPr lang="en-US"/>
+            <a:endParaRPr lang="en-US" dirty="0"/>
           </a:p>
           <a:p>
             <a:pPr marL="171450" indent="-171450">
@@ -3987,7 +3988,7 @@
               <a:defRPr/>
             </a:pPr>
             <a:r>
-              <a:rPr lang="en-US"/>
+              <a:rPr lang="en-US" dirty="0"/>
               <a:t>This slide emphasizes the concept of actionability in data and outlines the attributes to evaluate for determining whether data can be applied effectively to inform decisions and drive real-world outcomes.</a:t>
             </a:r>
           </a:p>
@@ -3996,10 +3997,10 @@
               <a:defRPr/>
             </a:pPr>
             <a:r>
-              <a:rPr lang="en-US" b="1"/>
+              <a:rPr lang="en-US" b="1" dirty="0"/>
               <a:t>Actionability Aims to Answer: Can This Data Be Directly Applied to Inform Meaningful Decisions and Drive Real-World Outcomes?</a:t>
             </a:r>
-            <a:endParaRPr lang="en-US"/>
+            <a:endParaRPr lang="en-US" dirty="0"/>
           </a:p>
           <a:p>
             <a:pPr marL="171450" indent="-171450">
@@ -4008,11 +4009,11 @@
               <a:defRPr/>
             </a:pPr>
             <a:r>
-              <a:rPr lang="en-US" i="1"/>
+              <a:rPr lang="en-US" i="1" dirty="0"/>
               <a:t>Speaker Notes:</a:t>
             </a:r>
             <a:r>
-              <a:rPr lang="en-US"/>
+              <a:rPr lang="en-US" dirty="0"/>
               <a:t> Actionability is the key criterion to assess whether data can be put to practical use, influencing meaningful decisions and real-world outcomes.</a:t>
             </a:r>
           </a:p>
@@ -4021,20 +4022,20 @@
               <a:defRPr/>
             </a:pPr>
             <a:r>
-              <a:rPr lang="en-US" b="1"/>
+              <a:rPr lang="en-US" b="1" dirty="0"/>
               <a:t>Attributes to Evaluate Include:</a:t>
             </a:r>
-            <a:endParaRPr lang="en-US"/>
+            <a:endParaRPr lang="en-US" dirty="0"/>
           </a:p>
           <a:p>
             <a:pPr>
               <a:defRPr/>
             </a:pPr>
             <a:r>
-              <a:rPr lang="en-US" b="1"/>
+              <a:rPr lang="en-US" b="1" dirty="0"/>
               <a:t>Clarity of Actions:</a:t>
             </a:r>
-            <a:endParaRPr lang="en-US"/>
+            <a:endParaRPr lang="en-US" dirty="0"/>
           </a:p>
           <a:p>
             <a:pPr marL="628650" lvl="1" indent="-171450">
@@ -4043,11 +4044,11 @@
               <a:defRPr/>
             </a:pPr>
             <a:r>
-              <a:rPr lang="en-US" i="1"/>
+              <a:rPr lang="en-US" i="1" dirty="0"/>
               <a:t>Speaker Notes:</a:t>
             </a:r>
             <a:r>
-              <a:rPr lang="en-US"/>
+              <a:rPr lang="en-US" dirty="0"/>
               <a:t> When evaluating actionability, consider the clarity of actions derived from the analysis:</a:t>
             </a:r>
           </a:p>
@@ -4058,17 +4059,17 @@
               <a:defRPr/>
             </a:pPr>
             <a:r>
-              <a:rPr lang="en-US"/>
+              <a:rPr lang="en-US" dirty="0"/>
               <a:t>Does the analysis provide clear strategic, tactical, or operational guidance that can </a:t>
             </a:r>
             <a:r>
-              <a:rPr lang="en-US" b="0" i="0">
+              <a:rPr lang="en-US" b="0" i="0" dirty="0">
                 <a:effectLst/>
               </a:rPr>
               <a:t>be </a:t>
             </a:r>
             <a:r>
-              <a:rPr lang="en-US"/>
+              <a:rPr lang="en-US" dirty="0"/>
               <a:t>directly acted upon?</a:t>
             </a:r>
           </a:p>
@@ -4079,10 +4080,10 @@
               <a:defRPr/>
             </a:pPr>
             <a:r>
-              <a:rPr lang="en-US" b="1"/>
+              <a:rPr lang="en-US" b="1" dirty="0"/>
               <a:t>Gaps Limiting Actionability:</a:t>
             </a:r>
-            <a:endParaRPr lang="en-US"/>
+            <a:endParaRPr lang="en-US" dirty="0"/>
           </a:p>
           <a:p>
             <a:pPr marL="628650" lvl="1" indent="-171450">
@@ -4091,11 +4092,11 @@
               <a:defRPr/>
             </a:pPr>
             <a:r>
-              <a:rPr lang="en-US" i="1"/>
+              <a:rPr lang="en-US" i="1" dirty="0"/>
               <a:t>Speaker Notes:</a:t>
             </a:r>
             <a:r>
-              <a:rPr lang="en-US"/>
+              <a:rPr lang="en-US" dirty="0"/>
               <a:t> Identify any gaps that may limit the actionability of the data:</a:t>
             </a:r>
           </a:p>
@@ -4106,7 +4107,7 @@
               <a:defRPr/>
             </a:pPr>
             <a:r>
-              <a:rPr lang="en-US"/>
+              <a:rPr lang="en-US" dirty="0"/>
               <a:t>Is additional context needed before conclusions can be made to ensure that decisions are well-informed?</a:t>
             </a:r>
           </a:p>
@@ -4117,16 +4118,16 @@
               <a:defRPr/>
             </a:pPr>
             <a:r>
-              <a:rPr lang="en-US" i="1"/>
+              <a:rPr lang="en-US" i="1" dirty="0"/>
               <a:t>Additional Note:</a:t>
             </a:r>
             <a:r>
-              <a:rPr lang="en-US"/>
+              <a:rPr lang="en-US" dirty="0"/>
               <a:t> Evaluating these attributes is essential to determine whether the data can be applied effectively to drive decisions and real-world outcomes. Clarity of actions and addressing gaps in context are critical for actionable data.</a:t>
             </a:r>
           </a:p>
           <a:p>
-            <a:endParaRPr lang="en-US" i="1">
+            <a:endParaRPr lang="en-US" i="1" dirty="0">
               <a:ea typeface="Calibri"/>
               <a:cs typeface="Calibri"/>
             </a:endParaRPr>
@@ -7511,13 +7512,7 @@
   <p:cSld>
     <p:spTree>
       <p:nvGrpSpPr>
-        <p:cNvPr id="1" name="">
-          <a:extLst>
-            <a:ext uri="{FF2B5EF4-FFF2-40B4-BE49-F238E27FC236}">
-              <a16:creationId xmlns:a16="http://schemas.microsoft.com/office/drawing/2014/main" id="{5822C10C-21B1-948F-EA11-CAB352DDDBDD}"/>
-            </a:ext>
-          </a:extLst>
-        </p:cNvPr>
+        <p:cNvPr id="1" name=""/>
         <p:cNvGrpSpPr/>
         <p:nvPr/>
       </p:nvGrpSpPr>
@@ -7531,13 +7526,7 @@
       </p:grpSpPr>
       <p:sp>
         <p:nvSpPr>
-          <p:cNvPr id="2" name="Slide Image Placeholder 1">
-            <a:extLst>
-              <a:ext uri="{FF2B5EF4-FFF2-40B4-BE49-F238E27FC236}">
-                <a16:creationId xmlns:a16="http://schemas.microsoft.com/office/drawing/2014/main" id="{0E6F334A-BA30-B3BF-304E-C76E92D8E1E2}"/>
-              </a:ext>
-            </a:extLst>
-          </p:cNvPr>
+          <p:cNvPr id="2" name="Slide Image Placeholder 1"/>
           <p:cNvSpPr>
             <a:spLocks noGrp="1" noRot="1" noChangeAspect="1"/>
           </p:cNvSpPr>
@@ -7549,13 +7538,7 @@
       </p:sp>
       <p:sp>
         <p:nvSpPr>
-          <p:cNvPr id="3" name="Notes Placeholder 2">
-            <a:extLst>
-              <a:ext uri="{FF2B5EF4-FFF2-40B4-BE49-F238E27FC236}">
-                <a16:creationId xmlns:a16="http://schemas.microsoft.com/office/drawing/2014/main" id="{61CA63A4-01D8-CB6C-B7FF-988DD1C18652}"/>
-              </a:ext>
-            </a:extLst>
-          </p:cNvPr>
+          <p:cNvPr id="3" name="Notes Placeholder 2"/>
           <p:cNvSpPr>
             <a:spLocks noGrp="1"/>
           </p:cNvSpPr>
@@ -7568,14 +7551,6 @@
           <a:bodyPr/>
           <a:lstStyle/>
           <a:p>
-            <a:pPr>
-              <a:spcBef>
-                <a:spcPts val="0"/>
-              </a:spcBef>
-              <a:spcAft>
-                <a:spcPts val="0"/>
-              </a:spcAft>
-            </a:pPr>
             <a:r>
               <a:rPr lang="en-US" i="1"/>
               <a:t>Speaker Notes:</a:t>
@@ -7583,47 +7558,24 @@
             <a:endParaRPr lang="en-US"/>
           </a:p>
           <a:p>
-            <a:pPr marL="285750" indent="-285750">
-              <a:spcBef>
-                <a:spcPts val="0"/>
-              </a:spcBef>
-              <a:spcAft>
-                <a:spcPts val="0"/>
-              </a:spcAft>
+            <a:pPr marL="171450" indent="-171450">
               <a:buFont typeface="Arial"/>
               <a:buChar char="•"/>
             </a:pPr>
             <a:r>
               <a:rPr lang="en-US"/>
-              <a:t>This slide highlights the practical approach of using correlation as a starting point in data analysis and explains how it can lead to investigating causation through controlled experiments.</a:t>
-            </a:r>
-            <a:endParaRPr lang="en-US">
-              <a:cs typeface="Calibri"/>
-            </a:endParaRPr>
-          </a:p>
-          <a:p>
-            <a:pPr>
-              <a:spcBef>
-                <a:spcPts val="0"/>
-              </a:spcBef>
-              <a:spcAft>
-                <a:spcPts val="0"/>
-              </a:spcAft>
-            </a:pPr>
+              <a:t>This slide outlines the criteria needed to establish causation in data analysis and provides simplified terms to understand these criteria.</a:t>
+            </a:r>
+          </a:p>
+          <a:p>
             <a:r>
               <a:rPr lang="en-US" b="1"/>
-              <a:t>Using Correlation as a Starting Point:</a:t>
+              <a:t>Proving Causation:</a:t>
             </a:r>
             <a:endParaRPr lang="en-US"/>
           </a:p>
           <a:p>
-            <a:pPr marL="285750" indent="-285750">
-              <a:spcBef>
-                <a:spcPts val="0"/>
-              </a:spcBef>
-              <a:spcAft>
-                <a:spcPts val="0"/>
-              </a:spcAft>
+            <a:pPr marL="171450" indent="-171450">
               <a:buFont typeface="Arial"/>
               <a:buChar char="•"/>
             </a:pPr>
@@ -7633,35 +7585,60 @@
             </a:r>
             <a:r>
               <a:rPr lang="en-US"/>
-              <a:t> Correlation can serve as an initial indicator that two variables may be connected. To explore causation, controlled experiments are conducted, where changes in one variable (A) are introduced to observe if they lead to corresponding changes in another variable (B). Over time, this process can provide evidence of causation.</a:t>
-            </a:r>
-            <a:endParaRPr lang="en-US">
-              <a:cs typeface="Calibri"/>
-            </a:endParaRPr>
+              <a:t> To prove causation, three key criteria must be met:</a:t>
+            </a:r>
           </a:p>
           <a:p>
             <a:pPr>
-              <a:spcBef>
-                <a:spcPts val="0"/>
-              </a:spcBef>
-              <a:spcAft>
-                <a:spcPts val="0"/>
-              </a:spcAft>
+              <a:buFont typeface="Arial"/>
+              <a:buChar char="•"/>
             </a:pPr>
             <a:r>
               <a:rPr lang="en-US" b="1"/>
-              <a:t>The Value of Correlation:</a:t>
+              <a:t>Strong Effects:</a:t>
+            </a:r>
+            <a:r>
+              <a:rPr lang="en-US"/>
+              <a:t> Changes in variable A should have a significant impact on variable B. Weak correlations are not sufficient to establish causation.</a:t>
+            </a:r>
+          </a:p>
+          <a:p>
+            <a:pPr>
+              <a:buFont typeface="Arial"/>
+              <a:buChar char="•"/>
+            </a:pPr>
+            <a:r>
+              <a:rPr lang="en-US" b="1"/>
+              <a:t>Consistency:</a:t>
+            </a:r>
+            <a:r>
+              <a:rPr lang="en-US"/>
+              <a:t> Causation should consistently hold true over repeated trials and observations, rather than being sporadic or random.</a:t>
+            </a:r>
+          </a:p>
+          <a:p>
+            <a:pPr>
+              <a:buFont typeface="Arial"/>
+              <a:buChar char="•"/>
+            </a:pPr>
+            <a:r>
+              <a:rPr lang="en-US" b="1"/>
+              <a:t>Controlled Experiments:</a:t>
+            </a:r>
+            <a:r>
+              <a:rPr lang="en-US"/>
+              <a:t> To directly test causal hypotheses, controlled experiments are essential. These experiments involve the use of control groups, placebos, and accounting for other influencing factors.</a:t>
+            </a:r>
+          </a:p>
+          <a:p>
+            <a:r>
+              <a:rPr lang="en-US" b="1"/>
+              <a:t>In Simpler Terms:</a:t>
             </a:r>
             <a:endParaRPr lang="en-US"/>
           </a:p>
           <a:p>
-            <a:pPr marL="285750" indent="-285750">
-              <a:spcBef>
-                <a:spcPts val="0"/>
-              </a:spcBef>
-              <a:spcAft>
-                <a:spcPts val="0"/>
-              </a:spcAft>
+            <a:pPr marL="171450" indent="-171450">
               <a:buFont typeface="Arial"/>
               <a:buChar char="•"/>
             </a:pPr>
@@ -7671,20 +7648,11 @@
             </a:r>
             <a:r>
               <a:rPr lang="en-US"/>
-              <a:t> Even if full causation hasn't been proven yet, discovering correlations remains valuable. Correlations offer insights and provide a starting point for further study, allowing us to delve deeper into potential connections.</a:t>
-            </a:r>
-            <a:endParaRPr lang="en-US">
-              <a:cs typeface="Calibri"/>
-            </a:endParaRPr>
-          </a:p>
-          <a:p>
-            <a:pPr marL="285750" indent="-285750">
-              <a:spcBef>
-                <a:spcPts val="0"/>
-              </a:spcBef>
-              <a:spcAft>
-                <a:spcPts val="0"/>
-              </a:spcAft>
+              <a:t> In simpler terms, proving causation requires three elements: strong effects, consistency over time, and well-controlled experiments. These criteria ensure that the causal relationship is robust and reliable.</a:t>
+            </a:r>
+          </a:p>
+          <a:p>
+            <a:pPr marL="171450" indent="-171450">
               <a:buFont typeface="Arial"/>
               <a:buChar char="•"/>
             </a:pPr>
@@ -7694,14 +7662,19 @@
             </a:r>
             <a:r>
               <a:rPr lang="en-US"/>
-              <a:t> This slide emphasizes the iterative nature of data analysis, where correlation serves as a stepping stone toward understanding causation and driving meaningful insights.</a:t>
-            </a:r>
-            <a:endParaRPr lang="en-US">
-              <a:cs typeface="Calibri"/>
-            </a:endParaRPr>
-          </a:p>
-          <a:p>
-            <a:endParaRPr lang="en-US">
+              <a:t> Understanding these criteria helps data analysts and researchers approach causation with rigor and clarity, ensuring that their findings are based on sound evidence.</a:t>
+            </a:r>
+          </a:p>
+          <a:p>
+            <a:pPr>
+              <a:spcBef>
+                <a:spcPts val="0"/>
+              </a:spcBef>
+              <a:spcAft>
+                <a:spcPts val="0"/>
+              </a:spcAft>
+            </a:pPr>
+            <a:endParaRPr lang="en-US" i="1">
               <a:cs typeface="Calibri"/>
             </a:endParaRPr>
           </a:p>
@@ -7709,13 +7682,7 @@
       </p:sp>
       <p:sp>
         <p:nvSpPr>
-          <p:cNvPr id="4" name="Slide Number Placeholder 3">
-            <a:extLst>
-              <a:ext uri="{FF2B5EF4-FFF2-40B4-BE49-F238E27FC236}">
-                <a16:creationId xmlns:a16="http://schemas.microsoft.com/office/drawing/2014/main" id="{B404BA1D-CC05-DB7D-93E6-743878AD87D6}"/>
-              </a:ext>
-            </a:extLst>
-          </p:cNvPr>
+          <p:cNvPr id="4" name="Slide Number Placeholder 3"/>
           <p:cNvSpPr>
             <a:spLocks noGrp="1"/>
           </p:cNvSpPr>
@@ -7745,7 +7712,7 @@
     </p:spTree>
     <p:extLst>
       <p:ext uri="{BB962C8B-B14F-4D97-AF65-F5344CB8AC3E}">
-        <p14:creationId xmlns:p14="http://schemas.microsoft.com/office/powerpoint/2010/main" val="1080709258"/>
+        <p14:creationId xmlns:p14="http://schemas.microsoft.com/office/powerpoint/2010/main" val="394284077"/>
       </p:ext>
     </p:extLst>
   </p:cSld>
@@ -7799,108 +7766,102 @@
           <a:bodyPr/>
           <a:lstStyle/>
           <a:p>
+            <a:pPr>
+              <a:spcBef>
+                <a:spcPts val="0"/>
+              </a:spcBef>
+              <a:spcAft>
+                <a:spcPts val="0"/>
+              </a:spcAft>
+            </a:pPr>
+            <a:r>
+              <a:rPr lang="en-US" i="1" err="1"/>
+              <a:t>peaker</a:t>
+            </a:r>
+            <a:r>
+              <a:rPr lang="en-US" i="1"/>
+              <a:t> Notes:</a:t>
+            </a:r>
+            <a:endParaRPr lang="en-US"/>
+          </a:p>
+          <a:p>
+            <a:pPr marL="285750" indent="-285750">
+              <a:spcBef>
+                <a:spcPts val="0"/>
+              </a:spcBef>
+              <a:spcAft>
+                <a:spcPts val="0"/>
+              </a:spcAft>
+              <a:buFont typeface="Arial"/>
+              <a:buChar char="•"/>
+            </a:pPr>
+            <a:r>
+              <a:rPr lang="en-US"/>
+              <a:t>This slide emphasizes the distinction between correlation and causation in data analysis, highlighting that while correlation can provide insights, proving causation demands a more comprehensive approach.</a:t>
+            </a:r>
+            <a:endParaRPr lang="en-US">
+              <a:cs typeface="Calibri"/>
+            </a:endParaRPr>
+          </a:p>
+          <a:p>
+            <a:pPr>
+              <a:spcBef>
+                <a:spcPts val="0"/>
+              </a:spcBef>
+              <a:spcAft>
+                <a:spcPts val="0"/>
+              </a:spcAft>
+            </a:pPr>
+            <a:endParaRPr lang="en-US" b="1">
+              <a:cs typeface="Calibri"/>
+            </a:endParaRPr>
+          </a:p>
+          <a:p>
+            <a:pPr>
+              <a:spcBef>
+                <a:spcPts val="0"/>
+              </a:spcBef>
+              <a:spcAft>
+                <a:spcPts val="0"/>
+              </a:spcAft>
+            </a:pPr>
+            <a:r>
+              <a:rPr lang="en-US" b="1"/>
+              <a:t>The Limitation of Correlation:</a:t>
+            </a:r>
+            <a:endParaRPr lang="en-US"/>
+          </a:p>
+          <a:p>
+            <a:pPr marL="285750" indent="-285750">
+              <a:spcBef>
+                <a:spcPts val="0"/>
+              </a:spcBef>
+              <a:spcAft>
+                <a:spcPts val="0"/>
+              </a:spcAft>
+              <a:buFont typeface="Arial"/>
+              <a:buChar char="•"/>
+            </a:pPr>
             <a:r>
               <a:rPr lang="en-US" i="1"/>
               <a:t>Speaker Notes:</a:t>
             </a:r>
-            <a:endParaRPr lang="en-US"/>
-          </a:p>
-          <a:p>
-            <a:pPr marL="171450" indent="-171450">
-              <a:buFont typeface="Arial"/>
-              <a:buChar char="•"/>
-            </a:pPr>
             <a:r>
               <a:rPr lang="en-US"/>
-              <a:t>This slide outlines the criteria needed to establish causation in data analysis and provides simplified terms to understand these criteria.</a:t>
-            </a:r>
-          </a:p>
-          <a:p>
-            <a:r>
-              <a:rPr lang="en-US" b="1"/>
-              <a:t>Proving Causation:</a:t>
-            </a:r>
-            <a:endParaRPr lang="en-US"/>
-          </a:p>
-          <a:p>
-            <a:pPr marL="171450" indent="-171450">
-              <a:buFont typeface="Arial"/>
-              <a:buChar char="•"/>
-            </a:pPr>
-            <a:r>
-              <a:rPr lang="en-US" i="1"/>
-              <a:t>Speaker Notes:</a:t>
-            </a:r>
-            <a:r>
-              <a:rPr lang="en-US"/>
-              <a:t> To prove causation, three key criteria must be met:</a:t>
-            </a:r>
-          </a:p>
-          <a:p>
-            <a:pPr>
-              <a:buFont typeface="Arial"/>
-              <a:buChar char="•"/>
-            </a:pPr>
-            <a:r>
-              <a:rPr lang="en-US" b="1"/>
-              <a:t>Strong Effects:</a:t>
-            </a:r>
-            <a:r>
-              <a:rPr lang="en-US"/>
-              <a:t> Changes in variable A should have a significant impact on variable B. Weak correlations are not sufficient to establish causation.</a:t>
-            </a:r>
-          </a:p>
-          <a:p>
-            <a:pPr>
-              <a:buFont typeface="Arial"/>
-              <a:buChar char="•"/>
-            </a:pPr>
-            <a:r>
-              <a:rPr lang="en-US" b="1"/>
-              <a:t>Consistency:</a:t>
-            </a:r>
-            <a:r>
-              <a:rPr lang="en-US"/>
-              <a:t> Causation should consistently hold true over repeated trials and observations, rather than being sporadic or random.</a:t>
-            </a:r>
-          </a:p>
-          <a:p>
-            <a:pPr>
-              <a:buFont typeface="Arial"/>
-              <a:buChar char="•"/>
-            </a:pPr>
-            <a:r>
-              <a:rPr lang="en-US" b="1"/>
-              <a:t>Controlled Experiments:</a:t>
-            </a:r>
-            <a:r>
-              <a:rPr lang="en-US"/>
-              <a:t> To directly test causal hypotheses, controlled experiments are essential. These experiments involve the use of control groups, placebos, and accounting for other influencing factors.</a:t>
-            </a:r>
-          </a:p>
-          <a:p>
-            <a:r>
-              <a:rPr lang="en-US" b="1"/>
-              <a:t>In Simpler Terms:</a:t>
-            </a:r>
-            <a:endParaRPr lang="en-US"/>
-          </a:p>
-          <a:p>
-            <a:pPr marL="171450" indent="-171450">
-              <a:buFont typeface="Arial"/>
-              <a:buChar char="•"/>
-            </a:pPr>
-            <a:r>
-              <a:rPr lang="en-US" i="1"/>
-              <a:t>Speaker Notes:</a:t>
-            </a:r>
-            <a:r>
-              <a:rPr lang="en-US"/>
-              <a:t> In simpler terms, proving causation requires three elements: strong effects, consistency over time, and well-controlled experiments. These criteria ensure that the causal relationship is robust and reliable.</a:t>
-            </a:r>
-          </a:p>
-          <a:p>
-            <a:pPr marL="171450" indent="-171450">
+              <a:t> Correlation can offer valuable insights and suggest potential causal relationships. Still, it does not provide conclusive evidence of causation. To establish causation, a more rigorous and systematic approach is necessary.</a:t>
+            </a:r>
+            <a:endParaRPr lang="en-US">
+              <a:cs typeface="Calibri"/>
+            </a:endParaRPr>
+          </a:p>
+          <a:p>
+            <a:pPr marL="285750" indent="-285750">
+              <a:spcBef>
+                <a:spcPts val="0"/>
+              </a:spcBef>
+              <a:spcAft>
+                <a:spcPts val="0"/>
+              </a:spcAft>
               <a:buFont typeface="Arial"/>
               <a:buChar char="•"/>
             </a:pPr>
@@ -7910,19 +7871,14 @@
             </a:r>
             <a:r>
               <a:rPr lang="en-US"/>
-              <a:t> Understanding these criteria helps data analysts and researchers approach causation with rigor and clarity, ensuring that their findings are based on sound evidence.</a:t>
-            </a:r>
-          </a:p>
-          <a:p>
-            <a:pPr>
-              <a:spcBef>
-                <a:spcPts val="0"/>
-              </a:spcBef>
-              <a:spcAft>
-                <a:spcPts val="0"/>
-              </a:spcAft>
-            </a:pPr>
-            <a:endParaRPr lang="en-US" i="1">
+              <a:t> This slide underscores the importance of critical thinking and methodological rigor in data analysis, guiding analysts to exercise caution when making causal claims based solely on observed correlations.</a:t>
+            </a:r>
+            <a:endParaRPr lang="en-US">
+              <a:cs typeface="Calibri"/>
+            </a:endParaRPr>
+          </a:p>
+          <a:p>
+            <a:endParaRPr lang="en-US">
               <a:cs typeface="Calibri"/>
             </a:endParaRPr>
           </a:p>
@@ -7960,7 +7916,7 @@
     </p:spTree>
     <p:extLst>
       <p:ext uri="{BB962C8B-B14F-4D97-AF65-F5344CB8AC3E}">
-        <p14:creationId xmlns:p14="http://schemas.microsoft.com/office/powerpoint/2010/main" val="394284077"/>
+        <p14:creationId xmlns:p14="http://schemas.microsoft.com/office/powerpoint/2010/main" val="2999131555"/>
       </p:ext>
     </p:extLst>
   </p:cSld>
@@ -8023,12 +7979,8 @@
               </a:spcAft>
             </a:pPr>
             <a:r>
-              <a:rPr lang="en-US" i="1" err="1"/>
-              <a:t>peaker</a:t>
-            </a:r>
-            <a:r>
               <a:rPr lang="en-US" i="1"/>
-              <a:t> Notes:</a:t>
+              <a:t>Speaker Notes:</a:t>
             </a:r>
             <a:endParaRPr lang="en-US"/>
           </a:p>
@@ -8045,7 +7997,42 @@
             </a:pPr>
             <a:r>
               <a:rPr lang="en-US"/>
-              <a:t>This slide emphasizes the distinction between correlation and causation in data analysis, highlighting that while correlation can provide insights, proving causation demands a more comprehensive approach.</a:t>
+              <a:t>This slide summarizes the key takeaways related to data quality, correlation, and causation in data analysis.</a:t>
+            </a:r>
+          </a:p>
+          <a:p>
+            <a:pPr>
+              <a:spcBef>
+                <a:spcPts val="0"/>
+              </a:spcBef>
+              <a:spcAft>
+                <a:spcPts val="0"/>
+              </a:spcAft>
+            </a:pPr>
+            <a:r>
+              <a:rPr lang="en-US" b="1"/>
+              <a:t>In Summary:</a:t>
+            </a:r>
+            <a:endParaRPr lang="en-US"/>
+          </a:p>
+          <a:p>
+            <a:pPr marL="285750" indent="-285750">
+              <a:spcBef>
+                <a:spcPts val="0"/>
+              </a:spcBef>
+              <a:spcAft>
+                <a:spcPts val="0"/>
+              </a:spcAft>
+              <a:buFont typeface="Arial"/>
+              <a:buChar char="•"/>
+            </a:pPr>
+            <a:r>
+              <a:rPr lang="en-US" i="1"/>
+              <a:t>Speaker Notes:</a:t>
+            </a:r>
+            <a:r>
+              <a:rPr lang="en-US"/>
+              <a:t> Here are the essential points to remember:</a:t>
             </a:r>
             <a:endParaRPr lang="en-US">
               <a:cs typeface="Calibri"/>
@@ -8059,50 +8046,62 @@
               <a:spcAft>
                 <a:spcPts val="0"/>
               </a:spcAft>
-            </a:pPr>
-            <a:endParaRPr lang="en-US" b="1">
-              <a:cs typeface="Calibri"/>
-            </a:endParaRPr>
-          </a:p>
-          <a:p>
-            <a:pPr>
-              <a:spcBef>
-                <a:spcPts val="0"/>
-              </a:spcBef>
-              <a:spcAft>
-                <a:spcPts val="0"/>
-              </a:spcAft>
+              <a:buFont typeface="Arial"/>
+              <a:buChar char="•"/>
             </a:pPr>
             <a:r>
               <a:rPr lang="en-US" b="1"/>
-              <a:t>The Limitation of Correlation:</a:t>
-            </a:r>
-            <a:endParaRPr lang="en-US"/>
-          </a:p>
-          <a:p>
-            <a:pPr marL="285750" indent="-285750">
-              <a:spcBef>
-                <a:spcPts val="0"/>
-              </a:spcBef>
-              <a:spcAft>
-                <a:spcPts val="0"/>
-              </a:spcAft>
-              <a:buFont typeface="Arial"/>
-              <a:buChar char="•"/>
-            </a:pPr>
-            <a:r>
-              <a:rPr lang="en-US" i="1"/>
-              <a:t>Speaker Notes:</a:t>
+              <a:t>Assess Data Quality:</a:t>
             </a:r>
             <a:r>
               <a:rPr lang="en-US"/>
-              <a:t> Correlation can offer valuable insights and suggest potential causal relationships. Still, it does not provide conclusive evidence of causation. To establish causation, a more rigorous and systematic approach is necessary.</a:t>
+              <a:t> Begin any data analysis project by thoroughly evaluating data quality, including its accuracy, relevance, and completeness.</a:t>
             </a:r>
             <a:endParaRPr lang="en-US">
               <a:cs typeface="Calibri"/>
             </a:endParaRPr>
           </a:p>
           <a:p>
+            <a:pPr>
+              <a:spcBef>
+                <a:spcPts val="0"/>
+              </a:spcBef>
+              <a:spcAft>
+                <a:spcPts val="0"/>
+              </a:spcAft>
+              <a:buFont typeface="Arial"/>
+              <a:buChar char="•"/>
+            </a:pPr>
+            <a:r>
+              <a:rPr lang="en-US" b="1"/>
+              <a:t>Distinguish Between Correlations and Causations:</a:t>
+            </a:r>
+            <a:r>
+              <a:rPr lang="en-US"/>
+              <a:t> Recognize the distinction between correlations, which indicate statistical relationships, and causations, which require rigorous proof through experimentation.</a:t>
+            </a:r>
+          </a:p>
+          <a:p>
+            <a:pPr>
+              <a:spcBef>
+                <a:spcPts val="0"/>
+              </a:spcBef>
+              <a:spcAft>
+                <a:spcPts val="0"/>
+              </a:spcAft>
+              <a:buFont typeface="Arial"/>
+              <a:buChar char="•"/>
+            </a:pPr>
+            <a:r>
+              <a:rPr lang="en-US" b="1"/>
+              <a:t>Confirm Causation:</a:t>
+            </a:r>
+            <a:r>
+              <a:rPr lang="en-US"/>
+              <a:t> To establish causation, conduct well-designed experiments rather than making assumptions based solely on observed correlations.</a:t>
+            </a:r>
+          </a:p>
+          <a:p>
             <a:pPr marL="285750" indent="-285750">
               <a:spcBef>
                 <a:spcPts val="0"/>
@@ -8119,11 +8118,8 @@
             </a:r>
             <a:r>
               <a:rPr lang="en-US"/>
-              <a:t> This slide underscores the importance of critical thinking and methodological rigor in data analysis, guiding analysts to exercise caution when making causal claims based solely on observed correlations.</a:t>
-            </a:r>
-            <a:endParaRPr lang="en-US">
-              <a:cs typeface="Calibri"/>
-            </a:endParaRPr>
+              <a:t> This summary slide serves as a quick reference for the fundamental principles in data analysis, emphasizing the importance of critical evaluation and evidence-based conclusions.</a:t>
+            </a:r>
           </a:p>
           <a:p>
             <a:endParaRPr lang="en-US">
@@ -8164,7 +8160,7 @@
     </p:spTree>
     <p:extLst>
       <p:ext uri="{BB962C8B-B14F-4D97-AF65-F5344CB8AC3E}">
-        <p14:creationId xmlns:p14="http://schemas.microsoft.com/office/powerpoint/2010/main" val="2999131555"/>
+        <p14:creationId xmlns:p14="http://schemas.microsoft.com/office/powerpoint/2010/main" val="2531423049"/>
       </p:ext>
     </p:extLst>
   </p:cSld>
@@ -8218,69 +8214,25 @@
           <a:bodyPr/>
           <a:lstStyle/>
           <a:p>
+            <a:pPr marL="171450" indent="-171450">
+              <a:buFont typeface="Arial"/>
+              <a:buChar char="•"/>
+              <a:defRPr/>
+            </a:pPr>
+            <a:r>
+              <a:rPr lang="en-US"/>
+              <a:t>Welcome to the "Questioning Data Exercise." Today, we'll focus on developing critical thinking skills.</a:t>
+            </a:r>
+          </a:p>
+          <a:p>
             <a:pPr>
-              <a:spcBef>
-                <a:spcPts val="0"/>
-              </a:spcBef>
-              <a:spcAft>
-                <a:spcPts val="0"/>
-              </a:spcAft>
-            </a:pPr>
-            <a:r>
-              <a:rPr lang="en-US" i="1"/>
+              <a:buFont typeface="Arial"/>
+              <a:buChar char="•"/>
+              <a:defRPr/>
+            </a:pPr>
+            <a:r>
+              <a:rPr lang="en-US" b="1"/>
               <a:t>Speaker Notes:</a:t>
-            </a:r>
-            <a:endParaRPr lang="en-US"/>
-          </a:p>
-          <a:p>
-            <a:pPr marL="285750" indent="-285750">
-              <a:spcBef>
-                <a:spcPts val="0"/>
-              </a:spcBef>
-              <a:spcAft>
-                <a:spcPts val="0"/>
-              </a:spcAft>
-              <a:buFont typeface="Arial"/>
-              <a:buChar char="•"/>
-            </a:pPr>
-            <a:r>
-              <a:rPr lang="en-US"/>
-              <a:t>This slide summarizes the key takeaways related to data quality, correlation, and causation in data analysis.</a:t>
-            </a:r>
-          </a:p>
-          <a:p>
-            <a:pPr>
-              <a:spcBef>
-                <a:spcPts val="0"/>
-              </a:spcBef>
-              <a:spcAft>
-                <a:spcPts val="0"/>
-              </a:spcAft>
-            </a:pPr>
-            <a:r>
-              <a:rPr lang="en-US" b="1"/>
-              <a:t>In Summary:</a:t>
-            </a:r>
-            <a:endParaRPr lang="en-US"/>
-          </a:p>
-          <a:p>
-            <a:pPr marL="285750" indent="-285750">
-              <a:spcBef>
-                <a:spcPts val="0"/>
-              </a:spcBef>
-              <a:spcAft>
-                <a:spcPts val="0"/>
-              </a:spcAft>
-              <a:buFont typeface="Arial"/>
-              <a:buChar char="•"/>
-            </a:pPr>
-            <a:r>
-              <a:rPr lang="en-US" i="1"/>
-              <a:t>Speaker Notes:</a:t>
-            </a:r>
-            <a:r>
-              <a:rPr lang="en-US"/>
-              <a:t> Here are the essential points to remember:</a:t>
             </a:r>
             <a:endParaRPr lang="en-US">
               <a:cs typeface="Calibri"/>
@@ -8288,22 +8240,13 @@
           </a:p>
           <a:p>
             <a:pPr>
-              <a:spcBef>
-                <a:spcPts val="0"/>
-              </a:spcBef>
-              <a:spcAft>
-                <a:spcPts val="0"/>
-              </a:spcAft>
               <a:buFont typeface="Arial"/>
               <a:buChar char="•"/>
-            </a:pPr>
-            <a:r>
-              <a:rPr lang="en-US" b="1"/>
-              <a:t>Assess Data Quality:</a:t>
-            </a:r>
+              <a:defRPr/>
+            </a:pPr>
             <a:r>
               <a:rPr lang="en-US"/>
-              <a:t> Begin any data analysis project by thoroughly evaluating data quality, including its accuracy, relevance, and completeness.</a:t>
+              <a:t>Welcome once again, and let's dive into the introduction of our exercise, "Questioning Data - Developing Data Literacy."</a:t>
             </a:r>
             <a:endParaRPr lang="en-US">
               <a:cs typeface="Calibri"/>
@@ -8311,63 +8254,60 @@
           </a:p>
           <a:p>
             <a:pPr>
-              <a:spcBef>
-                <a:spcPts val="0"/>
-              </a:spcBef>
-              <a:spcAft>
-                <a:spcPts val="0"/>
-              </a:spcAft>
               <a:buFont typeface="Arial"/>
               <a:buChar char="•"/>
-            </a:pPr>
-            <a:r>
-              <a:rPr lang="en-US" b="1"/>
-              <a:t>Distinguish Between Correlations and Causations:</a:t>
-            </a:r>
+              <a:defRPr/>
+            </a:pPr>
             <a:r>
               <a:rPr lang="en-US"/>
-              <a:t> Recognize the distinction between correlations, which indicate statistical relationships, and causations, which require rigorous proof through experimentation.</a:t>
-            </a:r>
+              <a:t>In today's data-driven world, the ability to critically evaluate and question data is a crucial skill. Whether you're a student, professional, or simply interested in understanding data better, this exercise will be valuable for you.</a:t>
+            </a:r>
+            <a:endParaRPr lang="en-US">
+              <a:cs typeface="Calibri"/>
+            </a:endParaRPr>
           </a:p>
           <a:p>
             <a:pPr>
-              <a:spcBef>
-                <a:spcPts val="0"/>
-              </a:spcBef>
-              <a:spcAft>
-                <a:spcPts val="0"/>
-              </a:spcAft>
               <a:buFont typeface="Arial"/>
               <a:buChar char="•"/>
-            </a:pPr>
-            <a:r>
-              <a:rPr lang="en-US" b="1"/>
-              <a:t>Confirm Causation:</a:t>
-            </a:r>
+              <a:defRPr/>
+            </a:pPr>
             <a:r>
               <a:rPr lang="en-US"/>
-              <a:t> To establish causation, conduct well-designed experiments rather than making assumptions based solely on observed correlations.</a:t>
-            </a:r>
-          </a:p>
-          <a:p>
-            <a:pPr marL="285750" indent="-285750">
-              <a:spcBef>
-                <a:spcPts val="0"/>
-              </a:spcBef>
-              <a:spcAft>
-                <a:spcPts val="0"/>
-              </a:spcAft>
+              <a:t>Our main objectives today are to explore how to question data effectively, understand the significance of data quality, and learn the difference between correlation and causation.</a:t>
+            </a:r>
+            <a:endParaRPr lang="en-US">
+              <a:cs typeface="Calibri"/>
+            </a:endParaRPr>
+          </a:p>
+          <a:p>
+            <a:pPr>
               <a:buFont typeface="Arial"/>
               <a:buChar char="•"/>
-            </a:pPr>
-            <a:r>
-              <a:rPr lang="en-US" i="1"/>
-              <a:t>Additional Note:</a:t>
-            </a:r>
-            <a:r>
-              <a:rPr lang="en-US"/>
-              <a:t> This summary slide serves as a quick reference for the fundamental principles in data analysis, emphasizing the importance of critical evaluation and evidence-based conclusions.</a:t>
-            </a:r>
+              <a:defRPr/>
+            </a:pPr>
+            <a:r>
+              <a:rPr lang="en-US">
+                <a:cs typeface="Calibri"/>
+              </a:rPr>
+              <a:t>  The exercise will be interactive and hands-on, allowing participants to apply what they learn.</a:t>
+            </a:r>
+            <a:endParaRPr lang="en-US"/>
+          </a:p>
+          <a:p>
+            <a:pPr marL="171450" indent="-171450">
+              <a:buFont typeface="Arial"/>
+              <a:buChar char="•"/>
+              <a:defRPr/>
+            </a:pPr>
+            <a:endParaRPr lang="en-US">
+              <a:cs typeface="Calibri"/>
+            </a:endParaRPr>
+          </a:p>
+          <a:p>
+            <a:endParaRPr lang="en-US">
+              <a:cs typeface="Calibri"/>
+            </a:endParaRPr>
           </a:p>
           <a:p>
             <a:endParaRPr lang="en-US">
@@ -8395,199 +8335,11 @@
               <a:defRPr/>
             </a:pPr>
             <a:fld id="{D0B7D74D-C969-4920-A7A6-E44C909EE3F2}" type="slidenum">
-              <a:rPr lang="en-US"/>
+              <a:rPr lang="en-US" smtClean="0"/>
               <a:pPr>
                 <a:defRPr/>
               </a:pPr>
               <a:t>27</a:t>
-            </a:fld>
-            <a:endParaRPr lang="en-US"/>
-          </a:p>
-        </p:txBody>
-      </p:sp>
-    </p:spTree>
-    <p:extLst>
-      <p:ext uri="{BB962C8B-B14F-4D97-AF65-F5344CB8AC3E}">
-        <p14:creationId xmlns:p14="http://schemas.microsoft.com/office/powerpoint/2010/main" val="2531423049"/>
-      </p:ext>
-    </p:extLst>
-  </p:cSld>
-  <p:clrMapOvr>
-    <a:masterClrMapping/>
-  </p:clrMapOvr>
-</p:notes>
-</file>
-
-<file path=ppt/notesSlides/notesSlide28.xml><?xml version="1.0" encoding="utf-8"?>
-<p:notes xmlns:a="http://schemas.openxmlformats.org/drawingml/2006/main" xmlns:r="http://schemas.openxmlformats.org/officeDocument/2006/relationships" xmlns:p="http://schemas.openxmlformats.org/presentationml/2006/main">
-  <p:cSld>
-    <p:spTree>
-      <p:nvGrpSpPr>
-        <p:cNvPr id="1" name=""/>
-        <p:cNvGrpSpPr/>
-        <p:nvPr/>
-      </p:nvGrpSpPr>
-      <p:grpSpPr>
-        <a:xfrm>
-          <a:off x="0" y="0"/>
-          <a:ext cx="0" cy="0"/>
-          <a:chOff x="0" y="0"/>
-          <a:chExt cx="0" cy="0"/>
-        </a:xfrm>
-      </p:grpSpPr>
-      <p:sp>
-        <p:nvSpPr>
-          <p:cNvPr id="2" name="Slide Image Placeholder 1"/>
-          <p:cNvSpPr>
-            <a:spLocks noGrp="1" noRot="1" noChangeAspect="1"/>
-          </p:cNvSpPr>
-          <p:nvPr>
-            <p:ph type="sldImg"/>
-          </p:nvPr>
-        </p:nvSpPr>
-        <p:spPr/>
-      </p:sp>
-      <p:sp>
-        <p:nvSpPr>
-          <p:cNvPr id="3" name="Notes Placeholder 2"/>
-          <p:cNvSpPr>
-            <a:spLocks noGrp="1"/>
-          </p:cNvSpPr>
-          <p:nvPr>
-            <p:ph type="body" idx="1"/>
-          </p:nvPr>
-        </p:nvSpPr>
-        <p:spPr/>
-        <p:txBody>
-          <a:bodyPr/>
-          <a:lstStyle/>
-          <a:p>
-            <a:pPr marL="171450" indent="-171450">
-              <a:buFont typeface="Arial"/>
-              <a:buChar char="•"/>
-              <a:defRPr/>
-            </a:pPr>
-            <a:r>
-              <a:rPr lang="en-US"/>
-              <a:t>Welcome to the "Questioning Data Exercise." Today, we'll focus on developing critical thinking skills.</a:t>
-            </a:r>
-          </a:p>
-          <a:p>
-            <a:pPr>
-              <a:buFont typeface="Arial"/>
-              <a:buChar char="•"/>
-              <a:defRPr/>
-            </a:pPr>
-            <a:r>
-              <a:rPr lang="en-US" b="1"/>
-              <a:t>Speaker Notes:</a:t>
-            </a:r>
-            <a:endParaRPr lang="en-US">
-              <a:cs typeface="Calibri"/>
-            </a:endParaRPr>
-          </a:p>
-          <a:p>
-            <a:pPr>
-              <a:buFont typeface="Arial"/>
-              <a:buChar char="•"/>
-              <a:defRPr/>
-            </a:pPr>
-            <a:r>
-              <a:rPr lang="en-US"/>
-              <a:t>Welcome once again, and let's dive into the introduction of our exercise, "Questioning Data - Developing Data Literacy."</a:t>
-            </a:r>
-            <a:endParaRPr lang="en-US">
-              <a:cs typeface="Calibri"/>
-            </a:endParaRPr>
-          </a:p>
-          <a:p>
-            <a:pPr>
-              <a:buFont typeface="Arial"/>
-              <a:buChar char="•"/>
-              <a:defRPr/>
-            </a:pPr>
-            <a:r>
-              <a:rPr lang="en-US"/>
-              <a:t>In today's data-driven world, the ability to critically evaluate and question data is a crucial skill. Whether you're a student, professional, or simply interested in understanding data better, this exercise will be valuable for you.</a:t>
-            </a:r>
-            <a:endParaRPr lang="en-US">
-              <a:cs typeface="Calibri"/>
-            </a:endParaRPr>
-          </a:p>
-          <a:p>
-            <a:pPr>
-              <a:buFont typeface="Arial"/>
-              <a:buChar char="•"/>
-              <a:defRPr/>
-            </a:pPr>
-            <a:r>
-              <a:rPr lang="en-US"/>
-              <a:t>Our main objectives today are to explore how to question data effectively, understand the significance of data quality, and learn the difference between correlation and causation.</a:t>
-            </a:r>
-            <a:endParaRPr lang="en-US">
-              <a:cs typeface="Calibri"/>
-            </a:endParaRPr>
-          </a:p>
-          <a:p>
-            <a:pPr>
-              <a:buFont typeface="Arial"/>
-              <a:buChar char="•"/>
-              <a:defRPr/>
-            </a:pPr>
-            <a:r>
-              <a:rPr lang="en-US">
-                <a:cs typeface="Calibri"/>
-              </a:rPr>
-              <a:t>  The exercise will be interactive and hands-on, allowing participants to apply what they learn.</a:t>
-            </a:r>
-            <a:endParaRPr lang="en-US"/>
-          </a:p>
-          <a:p>
-            <a:pPr marL="171450" indent="-171450">
-              <a:buFont typeface="Arial"/>
-              <a:buChar char="•"/>
-              <a:defRPr/>
-            </a:pPr>
-            <a:endParaRPr lang="en-US">
-              <a:cs typeface="Calibri"/>
-            </a:endParaRPr>
-          </a:p>
-          <a:p>
-            <a:endParaRPr lang="en-US">
-              <a:cs typeface="Calibri"/>
-            </a:endParaRPr>
-          </a:p>
-          <a:p>
-            <a:endParaRPr lang="en-US">
-              <a:cs typeface="Calibri"/>
-            </a:endParaRPr>
-          </a:p>
-        </p:txBody>
-      </p:sp>
-      <p:sp>
-        <p:nvSpPr>
-          <p:cNvPr id="4" name="Slide Number Placeholder 3"/>
-          <p:cNvSpPr>
-            <a:spLocks noGrp="1"/>
-          </p:cNvSpPr>
-          <p:nvPr>
-            <p:ph type="sldNum" sz="quarter" idx="5"/>
-          </p:nvPr>
-        </p:nvSpPr>
-        <p:spPr/>
-        <p:txBody>
-          <a:bodyPr/>
-          <a:lstStyle/>
-          <a:p>
-            <a:pPr>
-              <a:defRPr/>
-            </a:pPr>
-            <a:fld id="{D0B7D74D-C969-4920-A7A6-E44C909EE3F2}" type="slidenum">
-              <a:rPr lang="en-US" smtClean="0"/>
-              <a:pPr>
-                <a:defRPr/>
-              </a:pPr>
-              <a:t>28</a:t>
             </a:fld>
             <a:endParaRPr lang="en-US"/>
           </a:p>
@@ -8606,7 +8358,7 @@
 </p:notes>
 </file>
 
-<file path=ppt/notesSlides/notesSlide29.xml><?xml version="1.0" encoding="utf-8"?>
+<file path=ppt/notesSlides/notesSlide28.xml><?xml version="1.0" encoding="utf-8"?>
 <p:notes xmlns:a="http://schemas.openxmlformats.org/drawingml/2006/main" xmlns:r="http://schemas.openxmlformats.org/officeDocument/2006/relationships" xmlns:p="http://schemas.openxmlformats.org/presentationml/2006/main">
   <p:cSld>
     <p:spTree>
@@ -8741,7 +8493,7 @@
               <a:pPr>
                 <a:defRPr/>
               </a:pPr>
-              <a:t>29</a:t>
+              <a:t>28</a:t>
             </a:fld>
             <a:endParaRPr lang="en-US"/>
           </a:p>
@@ -8760,285 +8512,7 @@
 </p:notes>
 </file>
 
-<file path=ppt/notesSlides/notesSlide3.xml><?xml version="1.0" encoding="utf-8"?>
-<p:notes xmlns:a="http://schemas.openxmlformats.org/drawingml/2006/main" xmlns:r="http://schemas.openxmlformats.org/officeDocument/2006/relationships" xmlns:p="http://schemas.openxmlformats.org/presentationml/2006/main">
-  <p:cSld>
-    <p:spTree>
-      <p:nvGrpSpPr>
-        <p:cNvPr id="1" name=""/>
-        <p:cNvGrpSpPr/>
-        <p:nvPr/>
-      </p:nvGrpSpPr>
-      <p:grpSpPr>
-        <a:xfrm>
-          <a:off x="0" y="0"/>
-          <a:ext cx="0" cy="0"/>
-          <a:chOff x="0" y="0"/>
-          <a:chExt cx="0" cy="0"/>
-        </a:xfrm>
-      </p:grpSpPr>
-      <p:sp>
-        <p:nvSpPr>
-          <p:cNvPr id="2" name="Slide Image Placeholder 1"/>
-          <p:cNvSpPr>
-            <a:spLocks noGrp="1" noRot="1" noChangeAspect="1"/>
-          </p:cNvSpPr>
-          <p:nvPr>
-            <p:ph type="sldImg"/>
-          </p:nvPr>
-        </p:nvSpPr>
-        <p:spPr/>
-      </p:sp>
-      <p:sp>
-        <p:nvSpPr>
-          <p:cNvPr id="3" name="Notes Placeholder 2"/>
-          <p:cNvSpPr>
-            <a:spLocks noGrp="1"/>
-          </p:cNvSpPr>
-          <p:nvPr>
-            <p:ph type="body" idx="1"/>
-          </p:nvPr>
-        </p:nvSpPr>
-        <p:spPr/>
-        <p:txBody>
-          <a:bodyPr/>
-          <a:lstStyle/>
-          <a:p>
-            <a:pPr marL="0" indent="0">
-              <a:spcBef>
-                <a:spcPts val="0"/>
-              </a:spcBef>
-              <a:spcAft>
-                <a:spcPts val="0"/>
-              </a:spcAft>
-              <a:buFont typeface="Arial"/>
-              <a:buNone/>
-            </a:pPr>
-            <a:r>
-              <a:rPr lang="en-US" dirty="0"/>
-              <a:t>This slide highlights the positive outcomes and skills that can be developed through mastering data literacy.</a:t>
-            </a:r>
-          </a:p>
-          <a:p>
-            <a:pPr marL="0" indent="0">
-              <a:spcBef>
-                <a:spcPts val="0"/>
-              </a:spcBef>
-              <a:spcAft>
-                <a:spcPts val="0"/>
-              </a:spcAft>
-              <a:buFont typeface="Arial"/>
-              <a:buNone/>
-            </a:pPr>
-            <a:endParaRPr lang="en-US" dirty="0"/>
-          </a:p>
-          <a:p>
-            <a:pPr marL="0" marR="0" lvl="0" indent="0" algn="l" defTabSz="914400" rtl="0" eaLnBrk="0" fontAlgn="base" latinLnBrk="0" hangingPunct="0">
-              <a:lnSpc>
-                <a:spcPct val="100000"/>
-              </a:lnSpc>
-              <a:spcBef>
-                <a:spcPts val="0"/>
-              </a:spcBef>
-              <a:spcAft>
-                <a:spcPts val="0"/>
-              </a:spcAft>
-              <a:buClrTx/>
-              <a:buSzTx/>
-              <a:buFont typeface="Arial"/>
-              <a:buNone/>
-              <a:tabLst/>
-              <a:defRPr/>
-            </a:pPr>
-            <a:r>
-              <a:rPr lang="en-US" i="1" dirty="0"/>
-              <a:t>Speaker Notes:</a:t>
-            </a:r>
-            <a:endParaRPr lang="en-US" dirty="0"/>
-          </a:p>
-          <a:p>
-            <a:pPr marL="0" indent="0">
-              <a:spcBef>
-                <a:spcPts val="0"/>
-              </a:spcBef>
-              <a:spcAft>
-                <a:spcPts val="0"/>
-              </a:spcAft>
-              <a:buFont typeface="Arial"/>
-              <a:buNone/>
-            </a:pPr>
-            <a:endParaRPr lang="en-US" dirty="0"/>
-          </a:p>
-          <a:p>
-            <a:pPr marL="171450" indent="-171450">
-              <a:spcBef>
-                <a:spcPts val="0"/>
-              </a:spcBef>
-              <a:spcAft>
-                <a:spcPts val="0"/>
-              </a:spcAft>
-              <a:buFont typeface="Arial" panose="020B0604020202020204" pitchFamily="34" charset="0"/>
-              <a:buChar char="•"/>
-            </a:pPr>
-            <a:r>
-              <a:rPr lang="en-US" b="1" dirty="0"/>
-              <a:t>Mastering These Areas Will Help Build Good Instincts For:</a:t>
-            </a:r>
-            <a:endParaRPr lang="en-US" dirty="0"/>
-          </a:p>
-          <a:p>
-            <a:pPr marL="0" lvl="0" indent="0">
-              <a:spcBef>
-                <a:spcPts val="0"/>
-              </a:spcBef>
-              <a:spcAft>
-                <a:spcPts val="0"/>
-              </a:spcAft>
-              <a:buFont typeface="Arial"/>
-              <a:buNone/>
-            </a:pPr>
-            <a:r>
-              <a:rPr lang="en-US" i="1" dirty="0"/>
-              <a:t>	- Speaker Notes:</a:t>
-            </a:r>
-            <a:r>
-              <a:rPr lang="en-US" dirty="0"/>
-              <a:t> Gaining proficiency in the areas mentioned earlier will lead to the development of good instincts for several critical aspects, including:</a:t>
-            </a:r>
-          </a:p>
-          <a:p>
-            <a:pPr marL="171450" indent="-171450">
-              <a:spcBef>
-                <a:spcPts val="0"/>
-              </a:spcBef>
-              <a:spcAft>
-                <a:spcPts val="0"/>
-              </a:spcAft>
-              <a:buFont typeface="Arial" panose="020B0604020202020204" pitchFamily="34" charset="0"/>
-              <a:buChar char="•"/>
-            </a:pPr>
-            <a:r>
-              <a:rPr lang="en-US" b="1" dirty="0"/>
-              <a:t>Questioning Data and Drawing Out Insights:</a:t>
-            </a:r>
-            <a:endParaRPr lang="en-US" dirty="0"/>
-          </a:p>
-          <a:p>
-            <a:pPr marL="0" lvl="1" indent="0">
-              <a:buFont typeface="Arial"/>
-              <a:buNone/>
-            </a:pPr>
-            <a:r>
-              <a:rPr lang="en-US" i="1" dirty="0"/>
-              <a:t>Speaker Notes:</a:t>
-            </a:r>
-            <a:r>
-              <a:rPr lang="en-US" dirty="0"/>
-              <a:t> You'll become skilled at questioning data and extracting valuable insights from it. This ability enables more informed decision-making.</a:t>
-            </a:r>
-          </a:p>
-          <a:p>
-            <a:pPr marL="171450" indent="-171450">
-              <a:spcBef>
-                <a:spcPts val="0"/>
-              </a:spcBef>
-              <a:spcAft>
-                <a:spcPts val="0"/>
-              </a:spcAft>
-              <a:buFont typeface="Arial" panose="020B0604020202020204" pitchFamily="34" charset="0"/>
-              <a:buChar char="•"/>
-            </a:pPr>
-            <a:r>
-              <a:rPr lang="en-US" b="1" dirty="0"/>
-              <a:t>Using Information Judiciously:</a:t>
-            </a:r>
-            <a:endParaRPr lang="en-US" dirty="0"/>
-          </a:p>
-          <a:p>
-            <a:pPr marL="0" lvl="1" indent="0">
-              <a:buFont typeface="Arial"/>
-              <a:buNone/>
-            </a:pPr>
-            <a:r>
-              <a:rPr lang="en-US" i="1" dirty="0"/>
-              <a:t>Speaker Notes:</a:t>
-            </a:r>
-            <a:r>
-              <a:rPr lang="en-US" dirty="0"/>
-              <a:t> You'll learn to use information judiciously, ensuring that data is applied appropriately and effectively in various contexts.</a:t>
-            </a:r>
-          </a:p>
-          <a:p>
-            <a:pPr marL="0" indent="0">
-              <a:spcBef>
-                <a:spcPts val="0"/>
-              </a:spcBef>
-              <a:spcAft>
-                <a:spcPts val="0"/>
-              </a:spcAft>
-              <a:buFont typeface="Arial"/>
-              <a:buNone/>
-            </a:pPr>
-            <a:r>
-              <a:rPr lang="en-US" i="1" dirty="0"/>
-              <a:t>Additional Note:</a:t>
-            </a:r>
-            <a:r>
-              <a:rPr lang="en-US" dirty="0"/>
-              <a:t> The primary aim of mastering data literacy is to foster curiosity and provide you with the tools needed to assess the validity and evidence-based nature of conclusions drawn from data. This empowers you to make sound judgments and informed choices based on data-driven insights.</a:t>
-            </a:r>
-          </a:p>
-          <a:p>
-            <a:endParaRPr lang="en-US" dirty="0">
-              <a:ea typeface="Calibri"/>
-              <a:cs typeface="Calibri"/>
-            </a:endParaRPr>
-          </a:p>
-        </p:txBody>
-      </p:sp>
-      <p:sp>
-        <p:nvSpPr>
-          <p:cNvPr id="4" name="Slide Number Placeholder 3"/>
-          <p:cNvSpPr>
-            <a:spLocks noGrp="1"/>
-          </p:cNvSpPr>
-          <p:nvPr>
-            <p:ph type="sldNum" sz="quarter" idx="5"/>
-          </p:nvPr>
-        </p:nvSpPr>
-        <p:spPr/>
-        <p:txBody>
-          <a:bodyPr/>
-          <a:lstStyle/>
-          <a:p>
-            <a:pPr>
-              <a:defRPr/>
-            </a:pPr>
-            <a:fld id="{D0B7D74D-C969-4920-A7A6-E44C909EE3F2}" type="slidenum">
-              <a:rPr lang="en-US"/>
-              <a:pPr>
-                <a:defRPr/>
-              </a:pPr>
-              <a:t>3</a:t>
-            </a:fld>
-            <a:endParaRPr lang="en-US"/>
-          </a:p>
-        </p:txBody>
-      </p:sp>
-    </p:spTree>
-    <p:extLst>
-      <p:ext uri="{BB962C8B-B14F-4D97-AF65-F5344CB8AC3E}">
-        <p14:creationId xmlns:p14="http://schemas.microsoft.com/office/powerpoint/2010/main" val="723099373"/>
-      </p:ext>
-    </p:extLst>
-  </p:cSld>
-  <p:clrMapOvr>
-    <a:masterClrMapping/>
-  </p:clrMapOvr>
-</p:notes>
-</file>
-
-<file path=ppt/notesSlides/notesSlide30.xml><?xml version="1.0" encoding="utf-8"?>
+<file path=ppt/notesSlides/notesSlide29.xml><?xml version="1.0" encoding="utf-8"?>
 <p:notes xmlns:a="http://schemas.openxmlformats.org/drawingml/2006/main" xmlns:r="http://schemas.openxmlformats.org/officeDocument/2006/relationships" xmlns:p="http://schemas.openxmlformats.org/presentationml/2006/main">
   <p:cSld>
     <p:spTree>
@@ -9143,7 +8617,7 @@
               <a:pPr>
                 <a:defRPr/>
               </a:pPr>
-              <a:t>30</a:t>
+              <a:t>29</a:t>
             </a:fld>
             <a:endParaRPr lang="en-US"/>
           </a:p>
@@ -9162,7 +8636,285 @@
 </p:notes>
 </file>
 
-<file path=ppt/notesSlides/notesSlide31.xml><?xml version="1.0" encoding="utf-8"?>
+<file path=ppt/notesSlides/notesSlide3.xml><?xml version="1.0" encoding="utf-8"?>
+<p:notes xmlns:a="http://schemas.openxmlformats.org/drawingml/2006/main" xmlns:r="http://schemas.openxmlformats.org/officeDocument/2006/relationships" xmlns:p="http://schemas.openxmlformats.org/presentationml/2006/main">
+  <p:cSld>
+    <p:spTree>
+      <p:nvGrpSpPr>
+        <p:cNvPr id="1" name=""/>
+        <p:cNvGrpSpPr/>
+        <p:nvPr/>
+      </p:nvGrpSpPr>
+      <p:grpSpPr>
+        <a:xfrm>
+          <a:off x="0" y="0"/>
+          <a:ext cx="0" cy="0"/>
+          <a:chOff x="0" y="0"/>
+          <a:chExt cx="0" cy="0"/>
+        </a:xfrm>
+      </p:grpSpPr>
+      <p:sp>
+        <p:nvSpPr>
+          <p:cNvPr id="2" name="Slide Image Placeholder 1"/>
+          <p:cNvSpPr>
+            <a:spLocks noGrp="1" noRot="1" noChangeAspect="1"/>
+          </p:cNvSpPr>
+          <p:nvPr>
+            <p:ph type="sldImg"/>
+          </p:nvPr>
+        </p:nvSpPr>
+        <p:spPr/>
+      </p:sp>
+      <p:sp>
+        <p:nvSpPr>
+          <p:cNvPr id="3" name="Notes Placeholder 2"/>
+          <p:cNvSpPr>
+            <a:spLocks noGrp="1"/>
+          </p:cNvSpPr>
+          <p:nvPr>
+            <p:ph type="body" idx="1"/>
+          </p:nvPr>
+        </p:nvSpPr>
+        <p:spPr/>
+        <p:txBody>
+          <a:bodyPr/>
+          <a:lstStyle/>
+          <a:p>
+            <a:pPr marL="0" indent="0">
+              <a:spcBef>
+                <a:spcPts val="0"/>
+              </a:spcBef>
+              <a:spcAft>
+                <a:spcPts val="0"/>
+              </a:spcAft>
+              <a:buFont typeface="Arial"/>
+              <a:buNone/>
+            </a:pPr>
+            <a:r>
+              <a:rPr lang="en-US" dirty="0"/>
+              <a:t>This slide highlights the positive outcomes and skills that can be developed through mastering data literacy.</a:t>
+            </a:r>
+          </a:p>
+          <a:p>
+            <a:pPr marL="0" indent="0">
+              <a:spcBef>
+                <a:spcPts val="0"/>
+              </a:spcBef>
+              <a:spcAft>
+                <a:spcPts val="0"/>
+              </a:spcAft>
+              <a:buFont typeface="Arial"/>
+              <a:buNone/>
+            </a:pPr>
+            <a:endParaRPr lang="en-US" dirty="0"/>
+          </a:p>
+          <a:p>
+            <a:pPr marL="0" marR="0" lvl="0" indent="0" algn="l" defTabSz="914400" rtl="0" eaLnBrk="0" fontAlgn="base" latinLnBrk="0" hangingPunct="0">
+              <a:lnSpc>
+                <a:spcPct val="100000"/>
+              </a:lnSpc>
+              <a:spcBef>
+                <a:spcPts val="0"/>
+              </a:spcBef>
+              <a:spcAft>
+                <a:spcPts val="0"/>
+              </a:spcAft>
+              <a:buClrTx/>
+              <a:buSzTx/>
+              <a:buFont typeface="Arial"/>
+              <a:buNone/>
+              <a:tabLst/>
+              <a:defRPr/>
+            </a:pPr>
+            <a:r>
+              <a:rPr lang="en-US" i="1" dirty="0"/>
+              <a:t>Speaker Notes:</a:t>
+            </a:r>
+            <a:endParaRPr lang="en-US" dirty="0"/>
+          </a:p>
+          <a:p>
+            <a:pPr marL="0" indent="0">
+              <a:spcBef>
+                <a:spcPts val="0"/>
+              </a:spcBef>
+              <a:spcAft>
+                <a:spcPts val="0"/>
+              </a:spcAft>
+              <a:buFont typeface="Arial"/>
+              <a:buNone/>
+            </a:pPr>
+            <a:endParaRPr lang="en-US" dirty="0"/>
+          </a:p>
+          <a:p>
+            <a:pPr marL="171450" indent="-171450">
+              <a:spcBef>
+                <a:spcPts val="0"/>
+              </a:spcBef>
+              <a:spcAft>
+                <a:spcPts val="0"/>
+              </a:spcAft>
+              <a:buFont typeface="Arial" panose="020B0604020202020204" pitchFamily="34" charset="0"/>
+              <a:buChar char="•"/>
+            </a:pPr>
+            <a:r>
+              <a:rPr lang="en-US" b="1" dirty="0"/>
+              <a:t>Mastering These Areas Will Help Build Good Instincts For:</a:t>
+            </a:r>
+            <a:endParaRPr lang="en-US" dirty="0"/>
+          </a:p>
+          <a:p>
+            <a:pPr marL="0" lvl="0" indent="0">
+              <a:spcBef>
+                <a:spcPts val="0"/>
+              </a:spcBef>
+              <a:spcAft>
+                <a:spcPts val="0"/>
+              </a:spcAft>
+              <a:buFont typeface="Arial"/>
+              <a:buNone/>
+            </a:pPr>
+            <a:r>
+              <a:rPr lang="en-US" i="1" dirty="0"/>
+              <a:t>	- Speaker Notes:</a:t>
+            </a:r>
+            <a:r>
+              <a:rPr lang="en-US" dirty="0"/>
+              <a:t> Gaining proficiency in the areas mentioned earlier will lead to the development of good instincts for several critical aspects, including:</a:t>
+            </a:r>
+          </a:p>
+          <a:p>
+            <a:pPr marL="171450" indent="-171450">
+              <a:spcBef>
+                <a:spcPts val="0"/>
+              </a:spcBef>
+              <a:spcAft>
+                <a:spcPts val="0"/>
+              </a:spcAft>
+              <a:buFont typeface="Arial" panose="020B0604020202020204" pitchFamily="34" charset="0"/>
+              <a:buChar char="•"/>
+            </a:pPr>
+            <a:r>
+              <a:rPr lang="en-US" b="1" dirty="0"/>
+              <a:t>Questioning Data and Drawing Out Insights:</a:t>
+            </a:r>
+            <a:endParaRPr lang="en-US" dirty="0"/>
+          </a:p>
+          <a:p>
+            <a:pPr marL="0" lvl="1" indent="0">
+              <a:buFont typeface="Arial"/>
+              <a:buNone/>
+            </a:pPr>
+            <a:r>
+              <a:rPr lang="en-US" i="1" dirty="0"/>
+              <a:t>Speaker Notes:</a:t>
+            </a:r>
+            <a:r>
+              <a:rPr lang="en-US" dirty="0"/>
+              <a:t> You'll become skilled at questioning data and extracting valuable insights from it. This ability enables more informed decision-making.</a:t>
+            </a:r>
+          </a:p>
+          <a:p>
+            <a:pPr marL="171450" indent="-171450">
+              <a:spcBef>
+                <a:spcPts val="0"/>
+              </a:spcBef>
+              <a:spcAft>
+                <a:spcPts val="0"/>
+              </a:spcAft>
+              <a:buFont typeface="Arial" panose="020B0604020202020204" pitchFamily="34" charset="0"/>
+              <a:buChar char="•"/>
+            </a:pPr>
+            <a:r>
+              <a:rPr lang="en-US" b="1" dirty="0"/>
+              <a:t>Using Information Judiciously:</a:t>
+            </a:r>
+            <a:endParaRPr lang="en-US" dirty="0"/>
+          </a:p>
+          <a:p>
+            <a:pPr marL="0" lvl="1" indent="0">
+              <a:buFont typeface="Arial"/>
+              <a:buNone/>
+            </a:pPr>
+            <a:r>
+              <a:rPr lang="en-US" i="1" dirty="0"/>
+              <a:t>Speaker Notes:</a:t>
+            </a:r>
+            <a:r>
+              <a:rPr lang="en-US" dirty="0"/>
+              <a:t> You'll learn to use information judiciously, ensuring that data is applied appropriately and effectively in various contexts.</a:t>
+            </a:r>
+          </a:p>
+          <a:p>
+            <a:pPr marL="0" indent="0">
+              <a:spcBef>
+                <a:spcPts val="0"/>
+              </a:spcBef>
+              <a:spcAft>
+                <a:spcPts val="0"/>
+              </a:spcAft>
+              <a:buFont typeface="Arial"/>
+              <a:buNone/>
+            </a:pPr>
+            <a:r>
+              <a:rPr lang="en-US" i="1" dirty="0"/>
+              <a:t>Additional Note:</a:t>
+            </a:r>
+            <a:r>
+              <a:rPr lang="en-US" dirty="0"/>
+              <a:t> The primary aim of mastering data literacy is to foster curiosity and provide you with the tools needed to assess the validity and evidence-based nature of conclusions drawn from data. This empowers you to make sound judgments and informed choices based on data-driven insights.</a:t>
+            </a:r>
+          </a:p>
+          <a:p>
+            <a:endParaRPr lang="en-US" dirty="0">
+              <a:ea typeface="Calibri"/>
+              <a:cs typeface="Calibri"/>
+            </a:endParaRPr>
+          </a:p>
+        </p:txBody>
+      </p:sp>
+      <p:sp>
+        <p:nvSpPr>
+          <p:cNvPr id="4" name="Slide Number Placeholder 3"/>
+          <p:cNvSpPr>
+            <a:spLocks noGrp="1"/>
+          </p:cNvSpPr>
+          <p:nvPr>
+            <p:ph type="sldNum" sz="quarter" idx="5"/>
+          </p:nvPr>
+        </p:nvSpPr>
+        <p:spPr/>
+        <p:txBody>
+          <a:bodyPr/>
+          <a:lstStyle/>
+          <a:p>
+            <a:pPr>
+              <a:defRPr/>
+            </a:pPr>
+            <a:fld id="{D0B7D74D-C969-4920-A7A6-E44C909EE3F2}" type="slidenum">
+              <a:rPr lang="en-US"/>
+              <a:pPr>
+                <a:defRPr/>
+              </a:pPr>
+              <a:t>3</a:t>
+            </a:fld>
+            <a:endParaRPr lang="en-US"/>
+          </a:p>
+        </p:txBody>
+      </p:sp>
+    </p:spTree>
+    <p:extLst>
+      <p:ext uri="{BB962C8B-B14F-4D97-AF65-F5344CB8AC3E}">
+        <p14:creationId xmlns:p14="http://schemas.microsoft.com/office/powerpoint/2010/main" val="723099373"/>
+      </p:ext>
+    </p:extLst>
+  </p:cSld>
+  <p:clrMapOvr>
+    <a:masterClrMapping/>
+  </p:clrMapOvr>
+</p:notes>
+</file>
+
+<file path=ppt/notesSlides/notesSlide30.xml><?xml version="1.0" encoding="utf-8"?>
 <p:notes xmlns:a="http://schemas.openxmlformats.org/drawingml/2006/main" xmlns:r="http://schemas.openxmlformats.org/officeDocument/2006/relationships" xmlns:p="http://schemas.openxmlformats.org/presentationml/2006/main">
   <p:cSld>
     <p:spTree>
@@ -9297,7 +9049,7 @@
               <a:pPr>
                 <a:defRPr/>
               </a:pPr>
-              <a:t>31</a:t>
+              <a:t>30</a:t>
             </a:fld>
             <a:endParaRPr lang="en-US"/>
           </a:p>
@@ -9316,7 +9068,7 @@
 </p:notes>
 </file>
 
-<file path=ppt/notesSlides/notesSlide32.xml><?xml version="1.0" encoding="utf-8"?>
+<file path=ppt/notesSlides/notesSlide31.xml><?xml version="1.0" encoding="utf-8"?>
 <p:notes xmlns:a="http://schemas.openxmlformats.org/drawingml/2006/main" xmlns:r="http://schemas.openxmlformats.org/officeDocument/2006/relationships" xmlns:p="http://schemas.openxmlformats.org/presentationml/2006/main">
   <p:cSld>
     <p:spTree>
@@ -9421,7 +9173,7 @@
               <a:pPr>
                 <a:defRPr/>
               </a:pPr>
-              <a:t>32</a:t>
+              <a:t>31</a:t>
             </a:fld>
             <a:endParaRPr lang="en-US"/>
           </a:p>
@@ -9440,7 +9192,7 @@
 </p:notes>
 </file>
 
-<file path=ppt/notesSlides/notesSlide33.xml><?xml version="1.0" encoding="utf-8"?>
+<file path=ppt/notesSlides/notesSlide32.xml><?xml version="1.0" encoding="utf-8"?>
 <p:notes xmlns:a="http://schemas.openxmlformats.org/drawingml/2006/main" xmlns:r="http://schemas.openxmlformats.org/officeDocument/2006/relationships" xmlns:p="http://schemas.openxmlformats.org/presentationml/2006/main">
   <p:cSld>
     <p:spTree>
@@ -9545,7 +9297,7 @@
               <a:pPr>
                 <a:defRPr/>
               </a:pPr>
-              <a:t>33</a:t>
+              <a:t>32</a:t>
             </a:fld>
             <a:endParaRPr lang="en-US"/>
           </a:p>
@@ -9564,7 +9316,7 @@
 </p:notes>
 </file>
 
-<file path=ppt/notesSlides/notesSlide34.xml><?xml version="1.0" encoding="utf-8"?>
+<file path=ppt/notesSlides/notesSlide33.xml><?xml version="1.0" encoding="utf-8"?>
 <p:notes xmlns:a="http://schemas.openxmlformats.org/drawingml/2006/main" xmlns:r="http://schemas.openxmlformats.org/officeDocument/2006/relationships" xmlns:p="http://schemas.openxmlformats.org/presentationml/2006/main">
   <p:cSld>
     <p:spTree>
@@ -9669,7 +9421,7 @@
               <a:pPr>
                 <a:defRPr/>
               </a:pPr>
-              <a:t>34</a:t>
+              <a:t>33</a:t>
             </a:fld>
             <a:endParaRPr lang="en-US"/>
           </a:p>
@@ -10607,10 +10359,10 @@
               </a:spcAft>
             </a:pPr>
             <a:r>
-              <a:rPr lang="en-US" i="1"/>
+              <a:rPr lang="en-US" i="1" dirty="0"/>
               <a:t>Speaker Notes:</a:t>
             </a:r>
-            <a:endParaRPr lang="en-US"/>
+            <a:endParaRPr lang="en-US" dirty="0"/>
           </a:p>
           <a:p>
             <a:pPr marL="285750" indent="-285750">
@@ -10624,7 +10376,7 @@
               <a:buChar char="•"/>
             </a:pPr>
             <a:r>
-              <a:rPr lang="en-US"/>
+              <a:rPr lang="en-US" dirty="0"/>
               <a:t>This slide introduces the concept of data relevance attributes, emphasizing their role in assessing the applicability and statistical connection of data to desired analysis outcomes.</a:t>
             </a:r>
           </a:p>
@@ -10638,10 +10390,10 @@
               </a:spcAft>
             </a:pPr>
             <a:r>
-              <a:rPr lang="en-US" b="1"/>
+              <a:rPr lang="en-US" b="1" dirty="0"/>
               <a:t>Relevance Means Data That Is Applicable and Statistically Connected to Desired Analysis Outcomes:</a:t>
             </a:r>
-            <a:endParaRPr lang="en-US"/>
+            <a:endParaRPr lang="en-US" dirty="0"/>
           </a:p>
           <a:p>
             <a:pPr marL="285750" indent="-285750">
@@ -10655,11 +10407,11 @@
               <a:buChar char="•"/>
             </a:pPr>
             <a:r>
-              <a:rPr lang="en-US" i="1"/>
+              <a:rPr lang="en-US" i="1" dirty="0"/>
               <a:t>Speaker Notes:</a:t>
             </a:r>
             <a:r>
-              <a:rPr lang="en-US"/>
+              <a:rPr lang="en-US" dirty="0"/>
               <a:t> Relevance in data analysis signifies that the data used is applicable and exhibits a statistical connection to the desired outcomes of the analysis.</a:t>
             </a:r>
           </a:p>
@@ -10673,10 +10425,10 @@
               </a:spcAft>
             </a:pPr>
             <a:r>
-              <a:rPr lang="en-US" b="1"/>
+              <a:rPr lang="en-US" b="1" dirty="0"/>
               <a:t>Attributes to Evaluate Include:</a:t>
             </a:r>
-            <a:endParaRPr lang="en-US"/>
+            <a:endParaRPr lang="en-US" dirty="0"/>
           </a:p>
           <a:p>
             <a:pPr>
@@ -10688,21 +10440,21 @@
               </a:spcAft>
             </a:pPr>
             <a:r>
-              <a:rPr lang="en-US" b="1"/>
+              <a:rPr lang="en-US" b="1" dirty="0"/>
               <a:t>Aligns to Analysis Goals:</a:t>
             </a:r>
-            <a:endParaRPr lang="en-US"/>
+            <a:endParaRPr lang="en-US" dirty="0"/>
           </a:p>
           <a:p>
             <a:pPr marL="342900" lvl="1" indent="-342900">
               <a:buChar char="•"/>
             </a:pPr>
             <a:r>
-              <a:rPr lang="en-US" i="1"/>
+              <a:rPr lang="en-US" i="1" dirty="0"/>
               <a:t>Speaker Notes:</a:t>
             </a:r>
             <a:r>
-              <a:rPr lang="en-US"/>
+              <a:rPr lang="en-US" dirty="0"/>
               <a:t> The data should align with the analysis goals. It's essential to determine whether the metrics and variables clearly map to answering the intended questions and objectives.</a:t>
             </a:r>
           </a:p>
@@ -10717,21 +10469,21 @@
               <a:buChar char="•"/>
             </a:pPr>
             <a:r>
-              <a:rPr lang="en-US" b="1"/>
+              <a:rPr lang="en-US" b="1" dirty="0"/>
               <a:t>Appropriate Level of Granularity:</a:t>
             </a:r>
-            <a:endParaRPr lang="en-US"/>
+            <a:endParaRPr lang="en-US" dirty="0"/>
           </a:p>
           <a:p>
             <a:pPr marL="342900" lvl="1" indent="-342900">
               <a:buChar char="•"/>
             </a:pPr>
             <a:r>
-              <a:rPr lang="en-US" i="1"/>
+              <a:rPr lang="en-US" i="1" dirty="0"/>
               <a:t>Speaker Notes:</a:t>
             </a:r>
             <a:r>
-              <a:rPr lang="en-US"/>
+              <a:rPr lang="en-US" dirty="0"/>
               <a:t> Assess whether the data provides an appropriate level of granularity. Determine whether the detail and segmentation are suitable for the analysis or if they are too coarse or granular for the intended purpose.</a:t>
             </a:r>
           </a:p>
@@ -10746,21 +10498,21 @@
               <a:buChar char="•"/>
             </a:pPr>
             <a:r>
-              <a:rPr lang="en-US" b="1"/>
+              <a:rPr lang="en-US" b="1" dirty="0"/>
               <a:t>Direct or Proxy Relationship:</a:t>
             </a:r>
-            <a:endParaRPr lang="en-US"/>
+            <a:endParaRPr lang="en-US" dirty="0"/>
           </a:p>
           <a:p>
             <a:pPr marL="342900" lvl="1" indent="-342900">
               <a:buChar char="•"/>
             </a:pPr>
             <a:r>
-              <a:rPr lang="en-US" i="1"/>
+              <a:rPr lang="en-US" i="1" dirty="0"/>
               <a:t>Speaker Notes:</a:t>
             </a:r>
             <a:r>
-              <a:rPr lang="en-US"/>
+              <a:rPr lang="en-US" dirty="0"/>
               <a:t> Consider whether the desired output is directly observable or if it needs to be inferred or approximated through proxy variables. Understanding the relationship between the data and the desired outcomes is vital.</a:t>
             </a:r>
           </a:p>
@@ -10776,16 +10528,16 @@
               <a:buChar char="•"/>
             </a:pPr>
             <a:r>
-              <a:rPr lang="en-US" i="1"/>
+              <a:rPr lang="en-US" i="1" dirty="0"/>
               <a:t>Additional Note:</a:t>
             </a:r>
             <a:r>
-              <a:rPr lang="en-US"/>
+              <a:rPr lang="en-US" dirty="0"/>
               <a:t> Evaluating these data relevance attributes is essential to ensure that the data used in analysis is not only applicable but also statistically meaningful and aligned with the analysis goals, leading to more meaningful insights and conclusions.</a:t>
             </a:r>
           </a:p>
           <a:p>
-            <a:endParaRPr lang="en-US">
+            <a:endParaRPr lang="en-US" dirty="0">
               <a:ea typeface="Calibri"/>
               <a:cs typeface="Calibri"/>
             </a:endParaRPr>
@@ -16162,11 +15914,11 @@
           <a:lstStyle/>
           <a:p>
             <a:r>
-              <a:rPr lang="en-US" b="1"/>
+              <a:rPr lang="en-US" b="1" dirty="0"/>
               <a:t>Questioning the Data:</a:t>
             </a:r>
             <a:r>
-              <a:rPr lang="en-US"/>
+              <a:rPr lang="en-US" dirty="0"/>
               <a:t> Source</a:t>
             </a:r>
           </a:p>
@@ -16656,25 +16408,25 @@
           <a:lstStyle/>
           <a:p>
             <a:r>
-              <a:rPr lang="en-US" b="0" i="0">
+              <a:rPr lang="en-US" b="0" i="0" dirty="0">
                 <a:latin typeface="-apple-system"/>
                 <a:ea typeface="MS PGothic"/>
               </a:rPr>
               <a:t>Timeliness addresses whether the info accurately depicts the current or reasonably recent state of what is being analyzed.</a:t>
             </a:r>
             <a:r>
-              <a:rPr lang="en-US">
+              <a:rPr lang="en-US" dirty="0">
                 <a:latin typeface="-apple-system"/>
                 <a:ea typeface="MS PGothic"/>
               </a:rPr>
               <a:t> </a:t>
             </a:r>
-            <a:endParaRPr lang="en-US" b="0" i="0">
+            <a:endParaRPr lang="en-US" b="0" i="0" dirty="0">
               <a:latin typeface="-apple-system"/>
             </a:endParaRPr>
           </a:p>
           <a:p>
-            <a:endParaRPr lang="en-US">
+            <a:endParaRPr lang="en-US" dirty="0">
               <a:latin typeface="-apple-system"/>
               <a:ea typeface="MS PGothic"/>
             </a:endParaRPr>
@@ -16689,13 +16441,13 @@
               </a:spcAft>
             </a:pPr>
             <a:r>
-              <a:rPr lang="en-US" b="1">
+              <a:rPr lang="en-US" b="1" dirty="0">
                 <a:ea typeface="+mn-lt"/>
                 <a:cs typeface="+mn-lt"/>
               </a:rPr>
               <a:t>Attributes to evaluate include:</a:t>
             </a:r>
-            <a:endParaRPr lang="en-US">
+            <a:endParaRPr lang="en-US" dirty="0">
               <a:ea typeface="MS PGothic"/>
               <a:cs typeface="+mn-lt"/>
             </a:endParaRPr>
@@ -16710,7 +16462,7 @@
               </a:spcAft>
             </a:pPr>
             <a:r>
-              <a:rPr lang="en-US" b="1">
+              <a:rPr lang="en-US" b="1" dirty="0">
                 <a:latin typeface="Arial"/>
                 <a:ea typeface="MS PGothic"/>
                 <a:cs typeface="Arial"/>
@@ -16718,7 +16470,7 @@
               <a:t>Recency:</a:t>
             </a:r>
             <a:r>
-              <a:rPr lang="en-US">
+              <a:rPr lang="en-US" dirty="0">
                 <a:latin typeface="Arial"/>
                 <a:ea typeface="MS PGothic"/>
                 <a:cs typeface="Arial"/>
@@ -16729,7 +16481,7 @@
           <a:p>
             <a:pPr lvl="1"/>
             <a:r>
-              <a:rPr lang="en-US" b="1">
+              <a:rPr lang="en-US" b="1" dirty="0">
                 <a:latin typeface="Arial"/>
                 <a:ea typeface="MS PGothic"/>
                 <a:cs typeface="Arial"/>
@@ -16737,14 +16489,14 @@
               <a:t>Sufficiency:</a:t>
             </a:r>
             <a:r>
-              <a:rPr lang="en-US">
+              <a:rPr lang="en-US" dirty="0">
                 <a:latin typeface="Arial"/>
                 <a:ea typeface="MS PGothic"/>
                 <a:cs typeface="Arial"/>
               </a:rPr>
               <a:t> Is there enough up-to-date data captured frequently enough to detect meaningful patterns for the analysis goals? </a:t>
             </a:r>
-            <a:endParaRPr lang="en-US"/>
+            <a:endParaRPr lang="en-US" dirty="0"/>
           </a:p>
           <a:p>
             <a:pPr lvl="1">
@@ -16756,7 +16508,7 @@
               </a:spcAft>
             </a:pPr>
             <a:r>
-              <a:rPr lang="en-US" b="1">
+              <a:rPr lang="en-US" b="1" dirty="0">
                 <a:latin typeface="Arial"/>
                 <a:ea typeface="MS PGothic"/>
                 <a:cs typeface="Arial"/>
@@ -16764,18 +16516,18 @@
               <a:t>Anchoring:</a:t>
             </a:r>
             <a:r>
-              <a:rPr lang="en-US">
+              <a:rPr lang="en-US" dirty="0">
                 <a:latin typeface="Arial"/>
                 <a:ea typeface="MS PGothic"/>
                 <a:cs typeface="Arial"/>
               </a:rPr>
               <a:t> Just because a data set includes some recent data, does not mean it should be trusted fully. </a:t>
             </a:r>
-            <a:endParaRPr lang="en-US"/>
+            <a:endParaRPr lang="en-US" dirty="0"/>
           </a:p>
           <a:p>
             <a:pPr lvl="1"/>
-            <a:endParaRPr lang="en-US" b="1">
+            <a:endParaRPr lang="en-US" b="1" dirty="0">
               <a:cs typeface="Arial"/>
             </a:endParaRPr>
           </a:p>
@@ -16783,7 +16535,7 @@
             <a:pPr marL="0" indent="0">
               <a:buNone/>
             </a:pPr>
-            <a:endParaRPr lang="en-US" b="0" i="0"/>
+            <a:endParaRPr lang="en-US" b="0" i="0" dirty="0"/>
           </a:p>
         </p:txBody>
       </p:sp>
@@ -17094,7 +16846,7 @@
               </a:spcAft>
             </a:pPr>
             <a:r>
-              <a:rPr lang="en-US">
+              <a:rPr lang="en-US" dirty="0">
                 <a:latin typeface="Arial"/>
                 <a:ea typeface="MS PGothic"/>
                 <a:cs typeface="Arial"/>
@@ -17114,7 +16866,7 @@
                 <a:spcPts val="600"/>
               </a:spcAft>
             </a:pPr>
-            <a:endParaRPr lang="en-US">
+            <a:endParaRPr lang="en-US" dirty="0">
               <a:cs typeface="Arial"/>
             </a:endParaRPr>
           </a:p>
@@ -17128,14 +16880,14 @@
               </a:spcAft>
             </a:pPr>
             <a:r>
-              <a:rPr lang="en-US" b="0" i="0">
+              <a:rPr lang="en-US" b="0" i="0" dirty="0">
                 <a:effectLst/>
                 <a:latin typeface="-apple-system"/>
                 <a:ea typeface="MS PGothic"/>
               </a:rPr>
               <a:t>Attributes to evaluate include:</a:t>
             </a:r>
-            <a:endParaRPr lang="en-US">
+            <a:endParaRPr lang="en-US" dirty="0">
               <a:ea typeface="MS PGothic"/>
             </a:endParaRPr>
           </a:p>
@@ -17149,7 +16901,7 @@
               </a:spcAft>
             </a:pPr>
             <a:r>
-              <a:rPr lang="en-US" b="1" i="0">
+              <a:rPr lang="en-US" b="1" i="0" dirty="0">
                 <a:effectLst/>
                 <a:latin typeface="-apple-system"/>
                 <a:ea typeface="MS PGothic"/>
@@ -17157,21 +16909,21 @@
               <a:t>Clarity of Actions:</a:t>
             </a:r>
             <a:r>
-              <a:rPr lang="en-US" b="1">
+              <a:rPr lang="en-US" b="1" dirty="0">
                 <a:latin typeface="-apple-system"/>
                 <a:ea typeface="MS PGothic"/>
               </a:rPr>
               <a:t> </a:t>
             </a:r>
             <a:r>
-              <a:rPr lang="en-US" b="0" i="0">
+              <a:rPr lang="en-US" b="0" i="0" dirty="0">
                 <a:effectLst/>
                 <a:latin typeface="-apple-system"/>
                 <a:ea typeface="MS PGothic"/>
               </a:rPr>
               <a:t>Does analysis provide clear strategic, tactical or operational guidance?</a:t>
             </a:r>
-            <a:endParaRPr lang="en-US" sz="1800" b="0" i="0">
+            <a:endParaRPr lang="en-US" sz="1800" b="0" i="0" dirty="0">
               <a:effectLst/>
               <a:latin typeface="-apple-system"/>
               <a:ea typeface="MS PGothic"/>
@@ -17187,7 +16939,7 @@
               </a:spcAft>
             </a:pPr>
             <a:r>
-              <a:rPr lang="en-US" b="1" i="0">
+              <a:rPr lang="en-US" b="1" i="0" dirty="0">
                 <a:effectLst/>
                 <a:latin typeface="-apple-system"/>
                 <a:ea typeface="MS PGothic"/>
@@ -17195,14 +16947,14 @@
               <a:t>Gaps Limiting Actionability:</a:t>
             </a:r>
             <a:r>
-              <a:rPr lang="en-US" b="1">
+              <a:rPr lang="en-US" b="1" dirty="0">
                 <a:latin typeface="-apple-system"/>
                 <a:ea typeface="MS PGothic"/>
               </a:rPr>
               <a:t> </a:t>
             </a:r>
             <a:r>
-              <a:rPr lang="en-US" b="0" i="0">
+              <a:rPr lang="en-US" b="0" i="0" dirty="0">
                 <a:effectLst/>
                 <a:latin typeface="-apple-system"/>
                 <a:ea typeface="MS PGothic"/>
@@ -17210,13 +16962,13 @@
               <a:t>Is additional context needed before conclusions can be made?</a:t>
             </a:r>
             <a:r>
-              <a:rPr lang="en-US">
+              <a:rPr lang="en-US" dirty="0">
                 <a:latin typeface="-apple-system"/>
                 <a:ea typeface="MS PGothic"/>
               </a:rPr>
               <a:t> </a:t>
             </a:r>
-            <a:endParaRPr lang="en-US" sz="1800" b="0" i="0">
+            <a:endParaRPr lang="en-US" sz="1800" b="0" i="0" dirty="0">
               <a:effectLst/>
               <a:latin typeface="-apple-system"/>
             </a:endParaRPr>
@@ -17230,7 +16982,7 @@
                 <a:spcPts val="600"/>
               </a:spcAft>
             </a:pPr>
-            <a:endParaRPr lang="en-US" b="0" i="0">
+            <a:endParaRPr lang="en-US" b="0" i="0" dirty="0">
               <a:effectLst/>
               <a:latin typeface="-apple-system"/>
             </a:endParaRPr>
@@ -17246,9 +16998,9 @@
               <a:buNone/>
             </a:pPr>
             <a:br>
-              <a:rPr lang="en-US"/>
+              <a:rPr lang="en-US" dirty="0"/>
             </a:br>
-            <a:endParaRPr lang="en-US" b="0" i="0">
+            <a:endParaRPr lang="en-US" b="0" i="0" dirty="0">
               <a:effectLst/>
               <a:latin typeface="-apple-system"/>
             </a:endParaRPr>
@@ -17559,7 +17311,7 @@
               </a:spcAft>
             </a:pPr>
             <a:r>
-              <a:rPr lang="en-US" b="0" i="0">
+              <a:rPr lang="en-US" b="0" i="0" dirty="0">
                 <a:effectLst/>
                 <a:latin typeface="-apple-system"/>
                 <a:ea typeface="MS PGothic"/>
@@ -17567,14 +17319,14 @@
               <a:t>Evaluating </a:t>
             </a:r>
             <a:r>
-              <a:rPr lang="en-US">
+              <a:rPr lang="en-US" dirty="0">
                 <a:latin typeface="-apple-system"/>
                 <a:ea typeface="MS PGothic"/>
               </a:rPr>
               <a:t>Filters Applied </a:t>
             </a:r>
             <a:r>
-              <a:rPr lang="en-US" b="0" i="0">
+              <a:rPr lang="en-US" b="0" i="0" dirty="0">
                 <a:effectLst/>
                 <a:latin typeface="-apple-system"/>
                 <a:ea typeface="MS PGothic"/>
@@ -17582,14 +17334,14 @@
               <a:t>to </a:t>
             </a:r>
             <a:r>
-              <a:rPr lang="en-US">
+              <a:rPr lang="en-US" dirty="0">
                 <a:latin typeface="-apple-system"/>
                 <a:ea typeface="MS PGothic"/>
               </a:rPr>
               <a:t>Data </a:t>
             </a:r>
             <a:r>
-              <a:rPr lang="en-US" b="0" i="0">
+              <a:rPr lang="en-US" b="0" i="0" dirty="0">
                 <a:effectLst/>
                 <a:latin typeface="-apple-system"/>
                 <a:ea typeface="MS PGothic"/>
@@ -17597,14 +17349,14 @@
               <a:t>is </a:t>
             </a:r>
             <a:r>
-              <a:rPr lang="en-US">
+              <a:rPr lang="en-US" dirty="0">
                 <a:latin typeface="-apple-system"/>
                 <a:ea typeface="MS PGothic"/>
               </a:rPr>
               <a:t>Critical </a:t>
             </a:r>
             <a:r>
-              <a:rPr lang="en-US" b="0" i="0">
+              <a:rPr lang="en-US" b="0" i="0" dirty="0">
                 <a:effectLst/>
                 <a:latin typeface="-apple-system"/>
                 <a:ea typeface="MS PGothic"/>
@@ -17612,14 +17364,14 @@
               <a:t>for </a:t>
             </a:r>
             <a:r>
-              <a:rPr lang="en-US">
+              <a:rPr lang="en-US" dirty="0">
                 <a:latin typeface="-apple-system"/>
                 <a:ea typeface="MS PGothic"/>
               </a:rPr>
               <a:t>Ensuring Transparency </a:t>
             </a:r>
             <a:r>
-              <a:rPr lang="en-US" b="0" i="0">
+              <a:rPr lang="en-US" b="0" i="0" dirty="0">
                 <a:effectLst/>
                 <a:latin typeface="-apple-system"/>
                 <a:ea typeface="MS PGothic"/>
@@ -17627,13 +17379,13 @@
               <a:t>and </a:t>
             </a:r>
             <a:r>
-              <a:rPr lang="en-US">
+              <a:rPr lang="en-US" dirty="0">
                 <a:latin typeface="-apple-system"/>
                 <a:ea typeface="MS PGothic"/>
               </a:rPr>
               <a:t>Awareness</a:t>
             </a:r>
-            <a:endParaRPr lang="en-US">
+            <a:endParaRPr lang="en-US" dirty="0">
               <a:latin typeface="-apple-system"/>
             </a:endParaRPr>
           </a:p>
@@ -17646,7 +17398,7 @@
                 <a:spcPts val="600"/>
               </a:spcAft>
             </a:pPr>
-            <a:endParaRPr lang="en-US">
+            <a:endParaRPr lang="en-US" dirty="0">
               <a:latin typeface="-apple-system"/>
               <a:ea typeface="MS PGothic"/>
             </a:endParaRPr>
@@ -17661,7 +17413,7 @@
               </a:spcAft>
             </a:pPr>
             <a:r>
-              <a:rPr lang="en-US" b="0" i="0">
+              <a:rPr lang="en-US" b="0" i="0" dirty="0">
                 <a:effectLst/>
                 <a:latin typeface="-apple-system"/>
                 <a:ea typeface="MS PGothic"/>
@@ -17669,13 +17421,13 @@
               <a:t>Attributes to evaluate include:</a:t>
             </a:r>
             <a:r>
-              <a:rPr lang="en-US">
+              <a:rPr lang="en-US" dirty="0">
                 <a:latin typeface="-apple-system"/>
                 <a:ea typeface="MS PGothic"/>
               </a:rPr>
               <a:t> </a:t>
             </a:r>
-            <a:endParaRPr lang="en-US" b="0" i="0">
+            <a:endParaRPr lang="en-US" b="0" i="0" dirty="0">
               <a:effectLst/>
               <a:latin typeface="-apple-system"/>
             </a:endParaRPr>
@@ -17690,7 +17442,7 @@
               </a:spcAft>
             </a:pPr>
             <a:r>
-              <a:rPr lang="en-US" b="1" i="0">
+              <a:rPr lang="en-US" b="1" i="0" dirty="0">
                 <a:effectLst/>
                 <a:latin typeface="-apple-system"/>
                 <a:ea typeface="MS PGothic"/>
@@ -17698,14 +17450,14 @@
               <a:t>Exclusions</a:t>
             </a:r>
             <a:r>
-              <a:rPr lang="en-US" b="1">
+              <a:rPr lang="en-US" b="1" dirty="0">
                 <a:latin typeface="-apple-system"/>
                 <a:ea typeface="MS PGothic"/>
               </a:rPr>
               <a:t>:</a:t>
             </a:r>
             <a:r>
-              <a:rPr lang="en-US" b="0" i="0">
+              <a:rPr lang="en-US" b="0" i="0" dirty="0">
                 <a:effectLst/>
                 <a:latin typeface="-apple-system"/>
                 <a:ea typeface="MS PGothic"/>
@@ -17713,7 +17465,7 @@
               <a:t> Were certain time periods, geographies, populations, or other groups excluded? Are there selection biases based on what was omitted</a:t>
             </a:r>
             <a:r>
-              <a:rPr lang="en-US">
+              <a:rPr lang="en-US" dirty="0">
                 <a:latin typeface="-apple-system"/>
                 <a:ea typeface="MS PGothic"/>
               </a:rPr>
@@ -17730,14 +17482,14 @@
               </a:spcAft>
             </a:pPr>
             <a:r>
-              <a:rPr lang="en-US" b="1">
+              <a:rPr lang="en-US" b="1" dirty="0">
                 <a:latin typeface="-apple-system"/>
                 <a:ea typeface="MS PGothic"/>
               </a:rPr>
               <a:t>Smoothing:</a:t>
             </a:r>
             <a:r>
-              <a:rPr lang="en-US">
+              <a:rPr lang="en-US" dirty="0">
                 <a:latin typeface="-apple-system"/>
                 <a:ea typeface="MS PGothic"/>
               </a:rPr>
@@ -17754,7 +17506,7 @@
               </a:spcAft>
             </a:pPr>
             <a:r>
-              <a:rPr lang="en-US" b="1" i="0">
+              <a:rPr lang="en-US" b="1" i="0" dirty="0">
                 <a:effectLst/>
                 <a:latin typeface="-apple-system"/>
                 <a:ea typeface="MS PGothic"/>
@@ -17762,14 +17514,14 @@
               <a:t>Sampling</a:t>
             </a:r>
             <a:r>
-              <a:rPr lang="en-US" b="1">
+              <a:rPr lang="en-US" b="1" dirty="0">
                 <a:latin typeface="-apple-system"/>
                 <a:ea typeface="MS PGothic"/>
               </a:rPr>
               <a:t>:</a:t>
             </a:r>
             <a:r>
-              <a:rPr lang="en-US" b="0" i="0">
+              <a:rPr lang="en-US" b="0" i="0" dirty="0">
                 <a:effectLst/>
                 <a:latin typeface="-apple-system"/>
                 <a:ea typeface="MS PGothic"/>
@@ -17779,7 +17531,7 @@
           </a:p>
           <a:p>
             <a:pPr lvl="2"/>
-            <a:endParaRPr lang="en-US" b="0" i="0">
+            <a:endParaRPr lang="en-US" b="0" i="0" dirty="0">
               <a:solidFill>
                 <a:srgbClr val="1C1917"/>
               </a:solidFill>
@@ -18093,7 +17845,7 @@
               </a:spcAft>
             </a:pPr>
             <a:r>
-              <a:rPr lang="en-US" b="0" i="0">
+              <a:rPr lang="en-US" b="0" i="0" dirty="0">
                 <a:effectLst/>
                 <a:latin typeface="-apple-system"/>
                 <a:ea typeface="MS PGothic"/>
@@ -18101,13 +17853,13 @@
               <a:t>Missing data refers to gaps where expected data values are not present.</a:t>
             </a:r>
             <a:r>
-              <a:rPr lang="en-US">
+              <a:rPr lang="en-US" dirty="0">
                 <a:latin typeface="-apple-system"/>
                 <a:ea typeface="MS PGothic"/>
               </a:rPr>
               <a:t> </a:t>
             </a:r>
-            <a:endParaRPr lang="en-US"/>
+            <a:endParaRPr lang="en-US" dirty="0"/>
           </a:p>
           <a:p>
             <a:pPr>
@@ -18118,7 +17870,7 @@
                 <a:spcPts val="600"/>
               </a:spcAft>
             </a:pPr>
-            <a:endParaRPr lang="en-US" b="0" i="0">
+            <a:endParaRPr lang="en-US" b="0" i="0" dirty="0">
               <a:effectLst/>
               <a:latin typeface="-apple-system"/>
             </a:endParaRPr>
@@ -18133,7 +17885,7 @@
               </a:spcAft>
             </a:pPr>
             <a:r>
-              <a:rPr lang="en-US" b="0" i="0">
+              <a:rPr lang="en-US" b="0" i="0" dirty="0">
                 <a:effectLst/>
                 <a:latin typeface="-apple-system"/>
                 <a:ea typeface="MS PGothic"/>
@@ -18151,7 +17903,7 @@
               </a:spcAft>
             </a:pPr>
             <a:r>
-              <a:rPr lang="en-US" b="1" i="0">
+              <a:rPr lang="en-US" b="1" i="0" dirty="0">
                 <a:effectLst/>
                 <a:latin typeface="-apple-system"/>
                 <a:ea typeface="MS PGothic"/>
@@ -18159,21 +17911,21 @@
               <a:t>Profile frequency and </a:t>
             </a:r>
             <a:r>
-              <a:rPr lang="en-US" b="1">
+              <a:rPr lang="en-US" b="1" dirty="0">
                 <a:latin typeface="-apple-system"/>
                 <a:ea typeface="MS PGothic"/>
               </a:rPr>
               <a:t>causes:</a:t>
             </a:r>
             <a:r>
-              <a:rPr lang="en-US">
+              <a:rPr lang="en-US" dirty="0">
                 <a:latin typeface="-apple-system"/>
                 <a:ea typeface="MS PGothic"/>
               </a:rPr>
               <a:t> is</a:t>
             </a:r>
             <a:r>
-              <a:rPr lang="en-US" b="0" i="0">
+              <a:rPr lang="en-US" b="0" i="0" dirty="0">
                 <a:effectLst/>
                 <a:latin typeface="-apple-system"/>
                 <a:ea typeface="MS PGothic"/>
@@ -18191,7 +17943,7 @@
               </a:spcAft>
             </a:pPr>
             <a:r>
-              <a:rPr lang="en-US" b="1" i="0">
+              <a:rPr lang="en-US" b="1" i="0" dirty="0">
                 <a:effectLst/>
                 <a:latin typeface="-apple-system"/>
                 <a:ea typeface="MS PGothic"/>
@@ -18199,14 +17951,14 @@
               <a:t>Estimate impact</a:t>
             </a:r>
             <a:r>
-              <a:rPr lang="en-US" b="1">
+              <a:rPr lang="en-US" b="1" dirty="0">
                 <a:latin typeface="-apple-system"/>
                 <a:ea typeface="MS PGothic"/>
               </a:rPr>
               <a:t>:</a:t>
             </a:r>
             <a:r>
-              <a:rPr lang="en-US" b="0" i="0">
+              <a:rPr lang="en-US" b="0" i="0" dirty="0">
                 <a:effectLst/>
                 <a:latin typeface="-apple-system"/>
                 <a:ea typeface="MS PGothic"/>
@@ -18224,7 +17976,7 @@
               </a:spcAft>
             </a:pPr>
             <a:r>
-              <a:rPr lang="en-US" b="1" i="0">
+              <a:rPr lang="en-US" b="1" i="0" dirty="0">
                 <a:effectLst/>
                 <a:latin typeface="-apple-system"/>
                 <a:ea typeface="MS PGothic"/>
@@ -18232,21 +17984,21 @@
               <a:t>Account for in </a:t>
             </a:r>
             <a:r>
-              <a:rPr lang="en-US" b="1">
+              <a:rPr lang="en-US" b="1" dirty="0">
                 <a:latin typeface="-apple-system"/>
                 <a:ea typeface="MS PGothic"/>
               </a:rPr>
               <a:t>analysis: </a:t>
             </a:r>
             <a:r>
-              <a:rPr lang="en-US">
+              <a:rPr lang="en-US" dirty="0">
                 <a:latin typeface="-apple-system"/>
                 <a:ea typeface="MS PGothic"/>
               </a:rPr>
               <a:t>where</a:t>
             </a:r>
             <a:r>
-              <a:rPr lang="en-US" b="0" i="0">
+              <a:rPr lang="en-US" b="0" i="0" dirty="0">
                 <a:effectLst/>
                 <a:latin typeface="-apple-system"/>
                 <a:ea typeface="MS PGothic"/>
@@ -18515,11 +18267,11 @@
           <a:lstStyle/>
           <a:p>
             <a:r>
-              <a:rPr lang="en-US" b="1"/>
+              <a:rPr lang="en-US" b="1" dirty="0"/>
               <a:t>Questioning the Data:</a:t>
             </a:r>
             <a:r>
-              <a:rPr lang="en-US"/>
+              <a:rPr lang="en-US" dirty="0"/>
               <a:t> Scales, Ranges, and Categories</a:t>
             </a:r>
           </a:p>
@@ -18560,13 +18312,13 @@
               </a:spcAft>
             </a:pPr>
             <a:r>
-              <a:rPr lang="en-US">
+              <a:rPr lang="en-US" dirty="0">
                 <a:latin typeface="-apple-system"/>
                 <a:ea typeface="MS PGothic"/>
               </a:rPr>
               <a:t>Questioning the data in terms of scales, ranges, and categories means checking three things:</a:t>
             </a:r>
-            <a:endParaRPr lang="en-US"/>
+            <a:endParaRPr lang="en-US" dirty="0"/>
           </a:p>
           <a:p>
             <a:pPr lvl="1">
@@ -18580,20 +18332,20 @@
               <a:buChar char="o"/>
             </a:pPr>
             <a:r>
-              <a:rPr lang="en-US" b="1">
+              <a:rPr lang="en-US" b="1" dirty="0">
                 <a:latin typeface="-apple-system"/>
                 <a:ea typeface="MS PGothic"/>
               </a:rPr>
               <a:t>Scales: </a:t>
             </a:r>
             <a:r>
-              <a:rPr lang="en-US">
+              <a:rPr lang="en-US" dirty="0">
                 <a:latin typeface="-apple-system"/>
                 <a:ea typeface="MS PGothic"/>
               </a:rPr>
               <a:t>Understand how data is measured. Is it just names (like colors) or does it have a ranking (like satisfaction levels)? Knowing this helps with analysis.</a:t>
             </a:r>
-            <a:endParaRPr lang="en-US"/>
+            <a:endParaRPr lang="en-US" dirty="0"/>
           </a:p>
           <a:p>
             <a:pPr lvl="1">
@@ -18607,20 +18359,20 @@
               <a:buChar char="o"/>
             </a:pPr>
             <a:r>
-              <a:rPr lang="en-US" b="1">
+              <a:rPr lang="en-US" b="1" dirty="0">
                 <a:latin typeface="-apple-system"/>
                 <a:ea typeface="MS PGothic"/>
               </a:rPr>
               <a:t>Ranges: </a:t>
             </a:r>
             <a:r>
-              <a:rPr lang="en-US">
+              <a:rPr lang="en-US" dirty="0">
                 <a:latin typeface="-apple-system"/>
                 <a:ea typeface="MS PGothic"/>
               </a:rPr>
               <a:t>Look at how numbers in the data are spread out. Are there any unusual or very different numbers? This can affect the results.</a:t>
             </a:r>
-            <a:endParaRPr lang="en-US"/>
+            <a:endParaRPr lang="en-US" dirty="0"/>
           </a:p>
           <a:p>
             <a:pPr lvl="1">
@@ -18634,20 +18386,20 @@
               <a:buChar char="o"/>
             </a:pPr>
             <a:r>
-              <a:rPr lang="en-US" b="1">
+              <a:rPr lang="en-US" b="1" dirty="0">
                 <a:latin typeface="-apple-system"/>
                 <a:ea typeface="MS PGothic"/>
               </a:rPr>
               <a:t>Categories:</a:t>
             </a:r>
             <a:r>
-              <a:rPr lang="en-US">
+              <a:rPr lang="en-US" dirty="0">
                 <a:latin typeface="-apple-system"/>
                 <a:ea typeface="MS PGothic"/>
               </a:rPr>
               <a:t> Make sure things are sorted into clear groups, and each item belongs to only one group. If there's overlap or confusion, it can make the data messy.</a:t>
             </a:r>
-            <a:endParaRPr lang="en-US"/>
+            <a:endParaRPr lang="en-US" dirty="0"/>
           </a:p>
           <a:p>
             <a:pPr lvl="1">
@@ -18660,7 +18412,7 @@
               <a:buFont typeface="Courier New" panose="020B0604020202020204" pitchFamily="34" charset="0"/>
               <a:buChar char="o"/>
             </a:pPr>
-            <a:endParaRPr lang="en-US">
+            <a:endParaRPr lang="en-US" dirty="0">
               <a:latin typeface="-apple-system"/>
               <a:ea typeface="MS PGothic"/>
             </a:endParaRPr>
@@ -18674,7 +18426,7 @@
                 <a:spcPts val="600"/>
               </a:spcAft>
             </a:pPr>
-            <a:endParaRPr lang="en-US"/>
+            <a:endParaRPr lang="en-US" dirty="0"/>
           </a:p>
         </p:txBody>
       </p:sp>
@@ -18937,11 +18689,11 @@
           <a:lstStyle/>
           <a:p>
             <a:r>
-              <a:rPr lang="en-US" b="1"/>
+              <a:rPr lang="en-US" b="1" dirty="0"/>
               <a:t>Questioning the Data:</a:t>
             </a:r>
             <a:r>
-              <a:rPr lang="en-US"/>
+              <a:rPr lang="en-US" dirty="0"/>
               <a:t> Scales, Ranges, and Categories</a:t>
             </a:r>
           </a:p>
@@ -18982,7 +18734,7 @@
               </a:spcAft>
             </a:pPr>
             <a:r>
-              <a:rPr lang="en-US" b="0" i="0">
+              <a:rPr lang="en-US" b="0" i="0" dirty="0">
                 <a:effectLst/>
                 <a:latin typeface="-apple-system"/>
               </a:rPr>
@@ -18999,7 +18751,7 @@
               </a:spcAft>
             </a:pPr>
             <a:r>
-              <a:rPr lang="en-US" b="0" i="0">
+              <a:rPr lang="en-US" b="0" i="0" dirty="0">
                 <a:effectLst/>
                 <a:latin typeface="-apple-system"/>
               </a:rPr>
@@ -19016,7 +18768,7 @@
               </a:spcAft>
             </a:pPr>
             <a:r>
-              <a:rPr lang="en-US" b="0" i="0">
+              <a:rPr lang="en-US" b="0" i="0" dirty="0">
                 <a:effectLst/>
                 <a:latin typeface="-apple-system"/>
               </a:rPr>
@@ -19033,7 +18785,7 @@
               </a:spcAft>
             </a:pPr>
             <a:r>
-              <a:rPr lang="en-US" b="0" i="0">
+              <a:rPr lang="en-US" b="0" i="0" dirty="0">
                 <a:effectLst/>
                 <a:latin typeface="-apple-system"/>
               </a:rPr>
@@ -19050,7 +18802,7 @@
               </a:spcAft>
             </a:pPr>
             <a:r>
-              <a:rPr lang="en-US" b="0" i="0">
+              <a:rPr lang="en-US" b="0" i="0" dirty="0">
                 <a:effectLst/>
                 <a:latin typeface="-apple-system"/>
               </a:rPr>
@@ -19058,7 +18810,7 @@
             </a:r>
           </a:p>
           <a:p>
-            <a:endParaRPr lang="en-US" b="0" i="0">
+            <a:endParaRPr lang="en-US" b="0" i="0" dirty="0">
               <a:solidFill>
                 <a:srgbClr val="1C1917"/>
               </a:solidFill>
@@ -19364,7 +19116,7 @@
           <a:lstStyle/>
           <a:p>
             <a:r>
-              <a:rPr lang="en-US" b="0" i="0">
+              <a:rPr lang="en-US" b="0" i="0" dirty="0">
                 <a:effectLst/>
                 <a:latin typeface="-apple-system"/>
               </a:rPr>
@@ -19374,7 +19126,7 @@
           <a:p>
             <a:pPr lvl="1"/>
             <a:r>
-              <a:rPr lang="en-US" b="0" i="0">
+              <a:rPr lang="en-US" b="0" i="0" dirty="0">
                 <a:effectLst/>
                 <a:latin typeface="-apple-system"/>
               </a:rPr>
@@ -19384,7 +19136,7 @@
           <a:p>
             <a:pPr lvl="1"/>
             <a:r>
-              <a:rPr lang="en-US" b="0" i="0">
+              <a:rPr lang="en-US" b="0" i="0" dirty="0">
                 <a:effectLst/>
                 <a:latin typeface="-apple-system"/>
               </a:rPr>
@@ -19394,7 +19146,7 @@
           <a:p>
             <a:pPr lvl="1"/>
             <a:r>
-              <a:rPr lang="en-US" b="0" i="0">
+              <a:rPr lang="en-US" b="0" i="0" dirty="0">
                 <a:effectLst/>
                 <a:latin typeface="-apple-system"/>
               </a:rPr>
@@ -19404,7 +19156,7 @@
           <a:p>
             <a:pPr lvl="1"/>
             <a:r>
-              <a:rPr lang="en-US" b="0" i="0">
+              <a:rPr lang="en-US" b="0" i="0" dirty="0">
                 <a:effectLst/>
                 <a:latin typeface="-apple-system"/>
               </a:rPr>
@@ -19414,7 +19166,7 @@
           <a:p>
             <a:pPr lvl="1"/>
             <a:r>
-              <a:rPr lang="en-US" b="0" i="0">
+              <a:rPr lang="en-US" b="0" i="0" dirty="0">
                 <a:effectLst/>
                 <a:latin typeface="-apple-system"/>
               </a:rPr>
@@ -19727,14 +19479,14 @@
               </a:spcAft>
             </a:pPr>
             <a:r>
-              <a:rPr lang="en-US">
+              <a:rPr lang="en-US" dirty="0">
                 <a:latin typeface="-apple-system"/>
                 <a:ea typeface="MS PGothic"/>
               </a:rPr>
               <a:t>Before you start looking for connections between things in your data (like finding relationships or patterns), it's important to really understand </a:t>
             </a:r>
             <a:r>
-              <a:rPr lang="en-US" b="0" i="0">
+              <a:rPr lang="en-US" b="0" i="0" dirty="0">
                 <a:effectLst/>
                 <a:latin typeface="-apple-system"/>
                 <a:ea typeface="MS PGothic"/>
@@ -19742,13 +19494,13 @@
               <a:t>the </a:t>
             </a:r>
             <a:r>
-              <a:rPr lang="en-US">
+              <a:rPr lang="en-US" dirty="0">
                 <a:latin typeface="-apple-system"/>
                 <a:ea typeface="MS PGothic"/>
               </a:rPr>
               <a:t>data itself.</a:t>
             </a:r>
-            <a:endParaRPr lang="en-US">
+            <a:endParaRPr lang="en-US" dirty="0">
               <a:ea typeface="MS PGothic"/>
             </a:endParaRPr>
           </a:p>
@@ -19762,7 +19514,7 @@
               </a:spcAft>
               <a:buNone/>
             </a:pPr>
-            <a:endParaRPr lang="en-US">
+            <a:endParaRPr lang="en-US" dirty="0">
               <a:latin typeface="-apple-system"/>
               <a:ea typeface="MS PGothic"/>
             </a:endParaRPr>
@@ -19777,13 +19529,13 @@
               </a:spcAft>
             </a:pPr>
             <a:r>
-              <a:rPr lang="en-US">
+              <a:rPr lang="en-US" dirty="0">
                 <a:latin typeface="-apple-system"/>
                 <a:ea typeface="MS PGothic"/>
               </a:rPr>
               <a:t>Exploring Relationships:</a:t>
             </a:r>
-            <a:endParaRPr lang="en-US">
+            <a:endParaRPr lang="en-US" dirty="0">
               <a:ea typeface="MS PGothic"/>
             </a:endParaRPr>
           </a:p>
@@ -19797,7 +19549,7 @@
               </a:spcAft>
             </a:pPr>
             <a:r>
-              <a:rPr lang="en-US" b="0" i="0">
+              <a:rPr lang="en-US" b="0" i="0" dirty="0">
                 <a:effectLst/>
                 <a:latin typeface="-apple-system"/>
                 <a:ea typeface="MS PGothic"/>
@@ -19805,14 +19557,14 @@
               <a:t>Once </a:t>
             </a:r>
             <a:r>
-              <a:rPr lang="en-US">
+              <a:rPr lang="en-US" dirty="0">
                 <a:latin typeface="-apple-system"/>
                 <a:ea typeface="MS PGothic"/>
               </a:rPr>
               <a:t>you've made sure your </a:t>
             </a:r>
             <a:r>
-              <a:rPr lang="en-US" b="0" i="0">
+              <a:rPr lang="en-US" b="0" i="0" dirty="0">
                 <a:effectLst/>
                 <a:latin typeface="-apple-system"/>
                 <a:ea typeface="MS PGothic"/>
@@ -19820,14 +19572,14 @@
               <a:t>data </a:t>
             </a:r>
             <a:r>
-              <a:rPr lang="en-US">
+              <a:rPr lang="en-US" dirty="0">
                 <a:latin typeface="-apple-system"/>
                 <a:ea typeface="MS PGothic"/>
               </a:rPr>
               <a:t>is good and fits what you want to study</a:t>
             </a:r>
             <a:r>
-              <a:rPr lang="en-US" b="0" i="0">
+              <a:rPr lang="en-US" b="0" i="0" dirty="0">
                 <a:effectLst/>
                 <a:latin typeface="-apple-system"/>
                 <a:ea typeface="MS PGothic"/>
@@ -19835,14 +19587,14 @@
               <a:t>, </a:t>
             </a:r>
             <a:r>
-              <a:rPr lang="en-US">
+              <a:rPr lang="en-US" dirty="0">
                 <a:latin typeface="-apple-system"/>
                 <a:ea typeface="MS PGothic"/>
               </a:rPr>
               <a:t>you can start looking for connections or patterns in </a:t>
             </a:r>
             <a:r>
-              <a:rPr lang="en-US" b="0" i="0">
+              <a:rPr lang="en-US" b="0" i="0" dirty="0">
                 <a:effectLst/>
                 <a:latin typeface="-apple-system"/>
                 <a:ea typeface="MS PGothic"/>
@@ -19850,13 +19602,13 @@
               <a:t>the </a:t>
             </a:r>
             <a:r>
-              <a:rPr lang="en-US">
+              <a:rPr lang="en-US" dirty="0">
                 <a:latin typeface="-apple-system"/>
                 <a:ea typeface="MS PGothic"/>
               </a:rPr>
               <a:t>data.</a:t>
             </a:r>
-            <a:endParaRPr lang="en-US">
+            <a:endParaRPr lang="en-US" dirty="0">
               <a:ea typeface="MS PGothic"/>
             </a:endParaRPr>
           </a:p>
@@ -19870,14 +19622,14 @@
               </a:spcAft>
             </a:pPr>
             <a:r>
-              <a:rPr lang="en-US">
+              <a:rPr lang="en-US" dirty="0">
                 <a:latin typeface="-apple-system"/>
                 <a:ea typeface="MS PGothic"/>
               </a:rPr>
               <a:t>This is like going on a treasure hunt in your data </a:t>
             </a:r>
             <a:r>
-              <a:rPr lang="en-US" b="0" i="0">
+              <a:rPr lang="en-US" b="0" i="0" dirty="0">
                 <a:effectLst/>
                 <a:latin typeface="-apple-system"/>
                 <a:ea typeface="MS PGothic"/>
@@ -19885,21 +19637,21 @@
               <a:t>to </a:t>
             </a:r>
             <a:r>
-              <a:rPr lang="en-US">
+              <a:rPr lang="en-US" dirty="0">
                 <a:latin typeface="-apple-system"/>
                 <a:ea typeface="MS PGothic"/>
               </a:rPr>
               <a:t>discover interesting relationships between different things you're studying</a:t>
             </a:r>
             <a:r>
-              <a:rPr lang="en-US" b="0" i="0">
+              <a:rPr lang="en-US" b="0" i="0" dirty="0">
                 <a:effectLst/>
                 <a:latin typeface="-apple-system"/>
                 <a:ea typeface="MS PGothic"/>
               </a:rPr>
               <a:t>.</a:t>
             </a:r>
-            <a:endParaRPr lang="en-US">
+            <a:endParaRPr lang="en-US" dirty="0">
               <a:ea typeface="MS PGothic"/>
             </a:endParaRPr>
           </a:p>
@@ -19912,7 +19664,7 @@
                 <a:spcPts val="600"/>
               </a:spcAft>
             </a:pPr>
-            <a:endParaRPr lang="en-US" b="0" i="0">
+            <a:endParaRPr lang="en-US" b="0" i="0" dirty="0">
               <a:effectLst/>
               <a:latin typeface="-apple-system"/>
             </a:endParaRPr>
@@ -19926,7 +19678,7 @@
                 <a:spcPts val="600"/>
               </a:spcAft>
             </a:pPr>
-            <a:endParaRPr lang="en-US" b="0" i="0">
+            <a:endParaRPr lang="en-US" b="0" i="0" dirty="0">
               <a:effectLst/>
               <a:latin typeface="-apple-system"/>
             </a:endParaRPr>
@@ -20237,7 +19989,7 @@
               </a:spcAft>
             </a:pPr>
             <a:r>
-              <a:rPr lang="en-US" b="0" i="0">
+              <a:rPr lang="en-US" b="0" i="0" dirty="0">
                 <a:effectLst/>
                 <a:latin typeface="-apple-system"/>
               </a:rPr>
@@ -20254,7 +20006,7 @@
               </a:spcAft>
             </a:pPr>
             <a:r>
-              <a:rPr lang="en-US" b="0" i="0">
+              <a:rPr lang="en-US" b="0" i="0" dirty="0">
                 <a:effectLst/>
                 <a:latin typeface="-apple-system"/>
               </a:rPr>
@@ -20271,7 +20023,7 @@
               </a:spcAft>
             </a:pPr>
             <a:r>
-              <a:rPr lang="en-US" b="0" i="0">
+              <a:rPr lang="en-US" b="0" i="0" dirty="0">
                 <a:effectLst/>
                 <a:latin typeface="-apple-system"/>
               </a:rPr>
@@ -20288,7 +20040,7 @@
               </a:spcAft>
             </a:pPr>
             <a:r>
-              <a:rPr lang="en-US" b="0" i="0">
+              <a:rPr lang="en-US" b="0" i="0" dirty="0">
                 <a:effectLst/>
                 <a:latin typeface="-apple-system"/>
               </a:rPr>
@@ -21168,7 +20920,7 @@
               </a:spcAft>
             </a:pPr>
             <a:r>
-              <a:rPr lang="en-US" b="0" i="0">
+              <a:rPr lang="en-US" b="0" i="0" dirty="0">
                 <a:effectLst/>
                 <a:latin typeface="-apple-system"/>
                 <a:ea typeface="MS PGothic"/>
@@ -21176,13 +20928,13 @@
               <a:t>Attributes to evaluate include:</a:t>
             </a:r>
             <a:r>
-              <a:rPr lang="en-US">
+              <a:rPr lang="en-US" dirty="0">
                 <a:latin typeface="-apple-system"/>
                 <a:ea typeface="MS PGothic"/>
               </a:rPr>
               <a:t> </a:t>
             </a:r>
-            <a:endParaRPr lang="en-US" b="0" i="0">
+            <a:endParaRPr lang="en-US" b="0" i="0" dirty="0">
               <a:effectLst/>
               <a:latin typeface="-apple-system"/>
             </a:endParaRPr>
@@ -21197,13 +20949,13 @@
               </a:spcAft>
             </a:pPr>
             <a:r>
-              <a:rPr lang="en-US">
+              <a:rPr lang="en-US" dirty="0">
                 <a:latin typeface="-apple-system"/>
                 <a:ea typeface="MS PGothic"/>
               </a:rPr>
               <a:t>Adequate Data Sampling</a:t>
             </a:r>
-            <a:endParaRPr lang="en-US" b="0" i="0">
+            <a:endParaRPr lang="en-US" b="0" i="0" dirty="0">
               <a:effectLst/>
               <a:latin typeface="-apple-system"/>
             </a:endParaRPr>
@@ -21218,7 +20970,7 @@
               </a:spcAft>
             </a:pPr>
             <a:r>
-              <a:rPr lang="en-US">
+              <a:rPr lang="en-US" dirty="0">
                 <a:latin typeface="Arial"/>
                 <a:ea typeface="MS PGothic"/>
                 <a:cs typeface="Arial"/>
@@ -21235,7 +20987,7 @@
                 <a:spcPts val="600"/>
               </a:spcAft>
             </a:pPr>
-            <a:endParaRPr lang="en-US" sz="600">
+            <a:endParaRPr lang="en-US" sz="600" dirty="0">
               <a:latin typeface="-apple-system"/>
               <a:ea typeface="MS PGothic"/>
             </a:endParaRPr>
@@ -21250,13 +21002,13 @@
               </a:spcAft>
             </a:pPr>
             <a:r>
-              <a:rPr lang="en-US">
+              <a:rPr lang="en-US" dirty="0">
                 <a:latin typeface="-apple-system"/>
                 <a:ea typeface="MS PGothic"/>
               </a:rPr>
               <a:t>Confounding Variables</a:t>
             </a:r>
-            <a:endParaRPr lang="en-US">
+            <a:endParaRPr lang="en-US" dirty="0">
               <a:latin typeface="-apple-system"/>
             </a:endParaRPr>
           </a:p>
@@ -21270,13 +21022,13 @@
               </a:spcAft>
             </a:pPr>
             <a:r>
-              <a:rPr lang="en-US">
+              <a:rPr lang="en-US" dirty="0">
                 <a:ea typeface="+mn-lt"/>
                 <a:cs typeface="+mn-lt"/>
               </a:rPr>
               <a:t>Could a third confounding variable be driving observed correlation between the two variables? </a:t>
             </a:r>
-            <a:endParaRPr lang="en-US" sz="600">
+            <a:endParaRPr lang="en-US" sz="600" dirty="0">
               <a:latin typeface="-apple-system"/>
               <a:ea typeface="MS PGothic"/>
             </a:endParaRPr>
@@ -21290,7 +21042,7 @@
                 <a:spcPts val="600"/>
               </a:spcAft>
             </a:pPr>
-            <a:endParaRPr lang="en-US">
+            <a:endParaRPr lang="en-US" dirty="0">
               <a:latin typeface="Arial"/>
               <a:ea typeface="MS PGothic"/>
               <a:cs typeface="Arial"/>
@@ -21306,7 +21058,7 @@
               </a:spcAft>
             </a:pPr>
             <a:r>
-              <a:rPr lang="en-US">
+              <a:rPr lang="en-US" dirty="0">
                 <a:latin typeface="-apple-system"/>
                 <a:ea typeface="MS PGothic"/>
               </a:rPr>
@@ -21323,13 +21075,13 @@
               </a:spcAft>
             </a:pPr>
             <a:r>
-              <a:rPr lang="en-US">
+              <a:rPr lang="en-US" dirty="0">
                 <a:ea typeface="+mn-lt"/>
                 <a:cs typeface="+mn-lt"/>
               </a:rPr>
               <a:t>Does scale, normalization or categorization of data skew identification of correlation strength inaccurately?</a:t>
             </a:r>
-            <a:endParaRPr lang="en-US" sz="600">
+            <a:endParaRPr lang="en-US" sz="600" dirty="0">
               <a:latin typeface="-apple-system"/>
               <a:ea typeface="MS PGothic"/>
             </a:endParaRPr>
@@ -21343,7 +21095,7 @@
                 <a:spcPts val="600"/>
               </a:spcAft>
             </a:pPr>
-            <a:endParaRPr lang="en-US">
+            <a:endParaRPr lang="en-US" dirty="0">
               <a:latin typeface="-apple-system"/>
               <a:ea typeface="MS PGothic"/>
             </a:endParaRPr>
@@ -21358,7 +21110,7 @@
               </a:spcAft>
               <a:buNone/>
             </a:pPr>
-            <a:endParaRPr lang="en-US">
+            <a:endParaRPr lang="en-US" dirty="0">
               <a:latin typeface="-apple-system"/>
             </a:endParaRPr>
           </a:p>
@@ -21366,7 +21118,7 @@
             <a:pPr marL="457200" lvl="1" indent="0">
               <a:buNone/>
             </a:pPr>
-            <a:endParaRPr lang="en-US" b="0" i="0">
+            <a:endParaRPr lang="en-US" b="0" i="0" dirty="0">
               <a:solidFill>
                 <a:srgbClr val="1C1917"/>
               </a:solidFill>
@@ -21676,7 +21428,7 @@
               </a:spcAft>
             </a:pPr>
             <a:r>
-              <a:rPr lang="en-US" b="0" i="0">
+              <a:rPr lang="en-US" b="0" i="0" dirty="0">
                 <a:effectLst/>
                 <a:latin typeface="-apple-system"/>
                 <a:ea typeface="MS PGothic"/>
@@ -21694,7 +21446,7 @@
               </a:spcAft>
             </a:pPr>
             <a:r>
-              <a:rPr lang="en-US" b="0" i="0">
+              <a:rPr lang="en-US" b="0" i="0" dirty="0">
                 <a:effectLst/>
                 <a:latin typeface="-apple-system"/>
                 <a:ea typeface="MS PGothic"/>
@@ -21712,7 +21464,7 @@
               </a:spcAft>
             </a:pPr>
             <a:r>
-              <a:rPr lang="en-US" b="0" i="0">
+              <a:rPr lang="en-US" b="0" i="0" dirty="0">
                 <a:effectLst/>
                 <a:latin typeface="-apple-system"/>
                 <a:ea typeface="MS PGothic"/>
@@ -21730,14 +21482,14 @@
               </a:spcAft>
             </a:pPr>
             <a:r>
-              <a:rPr lang="en-US">
+              <a:rPr lang="en-US" dirty="0">
                 <a:latin typeface="-apple-system"/>
                 <a:ea typeface="MS PGothic"/>
               </a:rPr>
               <a:t>R</a:t>
             </a:r>
             <a:r>
-              <a:rPr lang="en-US" b="0" i="0">
+              <a:rPr lang="en-US" b="0" i="0" dirty="0">
                 <a:effectLst/>
                 <a:latin typeface="-apple-system"/>
                 <a:ea typeface="MS PGothic"/>
@@ -21745,7 +21497,7 @@
               <a:t>esearch may reveal that rates of ice cream consumption are highly correlated with frequent beach attendance.</a:t>
             </a:r>
             <a:r>
-              <a:rPr lang="en-US">
+              <a:rPr lang="en-US" dirty="0">
                 <a:latin typeface="-apple-system"/>
                 <a:ea typeface="MS PGothic"/>
               </a:rPr>
@@ -21762,13 +21514,13 @@
               </a:spcAft>
             </a:pPr>
             <a:r>
-              <a:rPr lang="en-US">
+              <a:rPr lang="en-US" dirty="0">
                 <a:latin typeface="-apple-system"/>
                 <a:ea typeface="MS PGothic"/>
               </a:rPr>
               <a:t>Role of weather</a:t>
             </a:r>
-            <a:endParaRPr lang="en-US" b="0" i="0">
+            <a:endParaRPr lang="en-US" b="0" i="0" dirty="0">
               <a:effectLst/>
               <a:latin typeface="-apple-system"/>
             </a:endParaRPr>
@@ -21783,7 +21535,7 @@
               </a:spcAft>
             </a:pPr>
             <a:r>
-              <a:rPr lang="en-US">
+              <a:rPr lang="en-US" dirty="0">
                 <a:latin typeface="-apple-system"/>
                 <a:ea typeface="MS PGothic"/>
               </a:rPr>
@@ -21799,7 +21551,7 @@
                 <a:spcPts val="600"/>
               </a:spcAft>
             </a:pPr>
-            <a:endParaRPr lang="en-US">
+            <a:endParaRPr lang="en-US" dirty="0">
               <a:latin typeface="-apple-system"/>
             </a:endParaRPr>
           </a:p>
@@ -22105,14 +21857,14 @@
               </a:spcAft>
             </a:pPr>
             <a:r>
-              <a:rPr lang="en-US">
+              <a:rPr lang="en-US" dirty="0">
                 <a:latin typeface="-apple-system"/>
                 <a:ea typeface="MS PGothic"/>
                 <a:cs typeface="+mn-lt"/>
               </a:rPr>
               <a:t>Finding Real Causes:</a:t>
             </a:r>
-            <a:endParaRPr lang="en-US">
+            <a:endParaRPr lang="en-US" dirty="0">
               <a:latin typeface="Arial"/>
               <a:ea typeface="MS PGothic"/>
               <a:cs typeface="+mn-lt"/>
@@ -22128,7 +21880,7 @@
               </a:spcAft>
             </a:pPr>
             <a:r>
-              <a:rPr lang="en-US">
+              <a:rPr lang="en-US" dirty="0">
                 <a:latin typeface="-apple-system"/>
                 <a:ea typeface="MS PGothic"/>
                 <a:cs typeface="+mn-lt"/>
@@ -22136,7 +21888,7 @@
               <a:t>To be sure that one thing causes another, you need to do more than just see a connection (</a:t>
             </a:r>
             <a:r>
-              <a:rPr lang="en-US" b="0" i="0">
+              <a:rPr lang="en-US" b="0" i="0" dirty="0">
                 <a:effectLst/>
                 <a:latin typeface="-apple-system"/>
                 <a:ea typeface="MS PGothic"/>
@@ -22145,14 +21897,14 @@
               <a:t>correlation</a:t>
             </a:r>
             <a:r>
-              <a:rPr lang="en-US">
+              <a:rPr lang="en-US" dirty="0">
                 <a:latin typeface="-apple-system"/>
                 <a:ea typeface="MS PGothic"/>
                 <a:cs typeface="+mn-lt"/>
               </a:rPr>
               <a:t>) between them.</a:t>
             </a:r>
-            <a:endParaRPr lang="en-US"/>
+            <a:endParaRPr lang="en-US" dirty="0"/>
           </a:p>
           <a:p>
             <a:pPr lvl="1">
@@ -22164,7 +21916,7 @@
               </a:spcAft>
             </a:pPr>
             <a:r>
-              <a:rPr lang="en-US">
+              <a:rPr lang="en-US" dirty="0">
                 <a:latin typeface="-apple-system"/>
                 <a:ea typeface="MS PGothic"/>
                 <a:cs typeface="+mn-lt"/>
@@ -22172,7 +21924,7 @@
               <a:t>This</a:t>
             </a:r>
             <a:r>
-              <a:rPr lang="en-US" b="0" i="0">
+              <a:rPr lang="en-US" b="0" i="0" dirty="0">
                 <a:effectLst/>
                 <a:latin typeface="-apple-system"/>
                 <a:ea typeface="MS PGothic"/>
@@ -22181,7 +21933,7 @@
               <a:t> </a:t>
             </a:r>
             <a:r>
-              <a:rPr lang="en-US">
+              <a:rPr lang="en-US" dirty="0">
                 <a:latin typeface="-apple-system"/>
                 <a:ea typeface="MS PGothic"/>
                 <a:cs typeface="+mn-lt"/>
@@ -22189,7 +21941,7 @@
               <a:t>involves checking the order </a:t>
             </a:r>
             <a:r>
-              <a:rPr lang="en-US" b="0" i="0">
+              <a:rPr lang="en-US" b="0" i="0" dirty="0">
                 <a:effectLst/>
                 <a:latin typeface="-apple-system"/>
                 <a:ea typeface="MS PGothic"/>
@@ -22198,7 +21950,7 @@
               <a:t>of </a:t>
             </a:r>
             <a:r>
-              <a:rPr lang="en-US">
+              <a:rPr lang="en-US" dirty="0">
                 <a:latin typeface="-apple-system"/>
                 <a:ea typeface="MS PGothic"/>
                 <a:cs typeface="+mn-lt"/>
@@ -22206,7 +21958,7 @@
               <a:t>events</a:t>
             </a:r>
             <a:r>
-              <a:rPr lang="en-US" b="0" i="0">
+              <a:rPr lang="en-US" b="0" i="0" dirty="0">
                 <a:effectLst/>
                 <a:latin typeface="-apple-system"/>
                 <a:ea typeface="MS PGothic"/>
@@ -22215,7 +21967,7 @@
               <a:t>, ruling out </a:t>
             </a:r>
             <a:r>
-              <a:rPr lang="en-US">
+              <a:rPr lang="en-US" dirty="0">
                 <a:latin typeface="-apple-system"/>
                 <a:ea typeface="MS PGothic"/>
                 <a:cs typeface="+mn-lt"/>
@@ -22223,7 +21975,7 @@
               <a:t>other reasons</a:t>
             </a:r>
             <a:r>
-              <a:rPr lang="en-US" b="0" i="0">
+              <a:rPr lang="en-US" b="0" i="0" dirty="0">
                 <a:effectLst/>
                 <a:latin typeface="-apple-system"/>
                 <a:ea typeface="MS PGothic"/>
@@ -22232,7 +21984,7 @@
               <a:t>, </a:t>
             </a:r>
             <a:r>
-              <a:rPr lang="en-US">
+              <a:rPr lang="en-US" dirty="0">
                 <a:latin typeface="-apple-system"/>
                 <a:ea typeface="MS PGothic"/>
                 <a:cs typeface="+mn-lt"/>
@@ -22240,7 +21992,7 @@
               <a:t>and making sure the connection holds up in </a:t>
             </a:r>
             <a:r>
-              <a:rPr lang="en-US" b="0" i="0">
+              <a:rPr lang="en-US" b="0" i="0" dirty="0">
                 <a:effectLst/>
                 <a:latin typeface="-apple-system"/>
                 <a:ea typeface="MS PGothic"/>
@@ -22249,7 +22001,7 @@
               <a:t>different </a:t>
             </a:r>
             <a:r>
-              <a:rPr lang="en-US">
+              <a:rPr lang="en-US" dirty="0">
                 <a:latin typeface="-apple-system"/>
                 <a:ea typeface="MS PGothic"/>
                 <a:cs typeface="+mn-lt"/>
@@ -22257,7 +22009,7 @@
               <a:t>situations</a:t>
             </a:r>
             <a:r>
-              <a:rPr lang="en-US" b="0" i="0">
+              <a:rPr lang="en-US" b="0" i="0" dirty="0">
                 <a:effectLst/>
                 <a:latin typeface="-apple-system"/>
                 <a:ea typeface="MS PGothic"/>
@@ -22265,7 +22017,7 @@
               </a:rPr>
               <a:t>.</a:t>
             </a:r>
-            <a:endParaRPr lang="en-US"/>
+            <a:endParaRPr lang="en-US" dirty="0"/>
           </a:p>
           <a:p>
             <a:pPr>
@@ -22277,14 +22029,14 @@
               </a:spcAft>
             </a:pPr>
             <a:r>
-              <a:rPr lang="en-US">
+              <a:rPr lang="en-US" dirty="0">
                 <a:latin typeface="-apple-system"/>
                 <a:ea typeface="MS PGothic"/>
                 <a:cs typeface="+mn-lt"/>
               </a:rPr>
               <a:t>What to Do After Finding Correlations:</a:t>
             </a:r>
-            <a:endParaRPr lang="en-US"/>
+            <a:endParaRPr lang="en-US" dirty="0"/>
           </a:p>
           <a:p>
             <a:pPr lvl="1">
@@ -22296,7 +22048,7 @@
               </a:spcAft>
             </a:pPr>
             <a:r>
-              <a:rPr lang="en-US" b="0" i="0">
+              <a:rPr lang="en-US" b="0" i="0" dirty="0">
                 <a:effectLst/>
                 <a:latin typeface="-apple-system"/>
                 <a:ea typeface="MS PGothic"/>
@@ -22305,7 +22057,7 @@
               <a:t>Discovering </a:t>
             </a:r>
             <a:r>
-              <a:rPr lang="en-US">
+              <a:rPr lang="en-US" dirty="0">
                 <a:latin typeface="-apple-system"/>
                 <a:ea typeface="MS PGothic"/>
                 <a:cs typeface="+mn-lt"/>
@@ -22313,7 +22065,7 @@
               <a:t>connections in data is like opening a door </a:t>
             </a:r>
             <a:r>
-              <a:rPr lang="en-US" b="0" i="0">
+              <a:rPr lang="en-US" b="0" i="0" dirty="0">
                 <a:effectLst/>
                 <a:latin typeface="-apple-system"/>
                 <a:ea typeface="MS PGothic"/>
@@ -22322,7 +22074,7 @@
               <a:t>to </a:t>
             </a:r>
             <a:r>
-              <a:rPr lang="en-US">
+              <a:rPr lang="en-US" dirty="0">
                 <a:latin typeface="-apple-system"/>
                 <a:ea typeface="MS PGothic"/>
                 <a:cs typeface="+mn-lt"/>
@@ -22330,7 +22082,7 @@
               <a:t>more insights, </a:t>
             </a:r>
             <a:r>
-              <a:rPr lang="en-US" b="0" i="0">
+              <a:rPr lang="en-US" b="0" i="0" dirty="0">
                 <a:effectLst/>
                 <a:latin typeface="-apple-system"/>
                 <a:ea typeface="MS PGothic"/>
@@ -22339,7 +22091,7 @@
               <a:t>but </a:t>
             </a:r>
             <a:r>
-              <a:rPr lang="en-US">
+              <a:rPr lang="en-US" dirty="0">
                 <a:latin typeface="-apple-system"/>
                 <a:ea typeface="MS PGothic"/>
                 <a:cs typeface="+mn-lt"/>
@@ -22347,7 +22099,7 @@
               <a:t>you need to keep asking questions to really understand why things happen</a:t>
             </a:r>
             <a:r>
-              <a:rPr lang="en-US" b="0" i="0">
+              <a:rPr lang="en-US" b="0" i="0" dirty="0">
                 <a:effectLst/>
                 <a:latin typeface="-apple-system"/>
                 <a:ea typeface="MS PGothic"/>
@@ -22355,7 +22107,7 @@
               </a:rPr>
               <a:t>.</a:t>
             </a:r>
-            <a:endParaRPr lang="en-US"/>
+            <a:endParaRPr lang="en-US" dirty="0"/>
           </a:p>
           <a:p>
             <a:pPr lvl="1">
@@ -22366,7 +22118,7 @@
                 <a:spcPts val="600"/>
               </a:spcAft>
             </a:pPr>
-            <a:endParaRPr lang="en-US">
+            <a:endParaRPr lang="en-US" dirty="0">
               <a:latin typeface="-apple-system"/>
               <a:ea typeface="MS PGothic"/>
               <a:cs typeface="Arial"/>
@@ -22674,13 +22426,13 @@
               </a:spcAft>
             </a:pPr>
             <a:r>
-              <a:rPr lang="en-US">
+              <a:rPr lang="en-US" dirty="0">
                 <a:latin typeface="-apple-system"/>
                 <a:ea typeface="MS PGothic"/>
               </a:rPr>
               <a:t>Using Correlation as a Starting Point:</a:t>
             </a:r>
-            <a:endParaRPr lang="en-US">
+            <a:endParaRPr lang="en-US" dirty="0">
               <a:ea typeface="MS PGothic"/>
             </a:endParaRPr>
           </a:p>
@@ -22694,13 +22446,13 @@
               </a:spcAft>
             </a:pPr>
             <a:r>
-              <a:rPr lang="en-US">
+              <a:rPr lang="en-US" dirty="0">
                 <a:latin typeface="-apple-system"/>
                 <a:ea typeface="MS PGothic"/>
               </a:rPr>
               <a:t>We can use correlation as a starting point to investigate causation. </a:t>
             </a:r>
-            <a:endParaRPr lang="en-US">
+            <a:endParaRPr lang="en-US" dirty="0">
               <a:latin typeface="Arial"/>
               <a:ea typeface="MS PGothic"/>
               <a:cs typeface="Arial"/>
@@ -22718,7 +22470,7 @@
               <a:buChar char="§"/>
             </a:pPr>
             <a:r>
-              <a:rPr lang="en-US" sz="1600" b="0" i="0">
+              <a:rPr lang="en-US" sz="1600" b="0" i="0" dirty="0">
                 <a:effectLst/>
                 <a:latin typeface="-apple-system"/>
                 <a:ea typeface="MS PGothic"/>
@@ -22726,14 +22478,14 @@
               <a:t>By </a:t>
             </a:r>
             <a:r>
-              <a:rPr lang="en-US" sz="1600">
+              <a:rPr lang="en-US" sz="1600" dirty="0">
                 <a:latin typeface="-apple-system"/>
                 <a:ea typeface="MS PGothic"/>
               </a:rPr>
               <a:t>doing </a:t>
             </a:r>
             <a:r>
-              <a:rPr lang="en-US" sz="1600" b="0" i="0">
+              <a:rPr lang="en-US" sz="1600" b="0" i="0" dirty="0">
                 <a:effectLst/>
                 <a:latin typeface="-apple-system"/>
                 <a:ea typeface="MS PGothic"/>
@@ -22741,14 +22493,14 @@
               <a:t>controlled experiments </a:t>
             </a:r>
             <a:r>
-              <a:rPr lang="en-US" sz="1600">
+              <a:rPr lang="en-US" sz="1600" dirty="0">
                 <a:latin typeface="-apple-system"/>
                 <a:ea typeface="MS PGothic"/>
               </a:rPr>
               <a:t>where we change A and see if B changes accordingly</a:t>
             </a:r>
             <a:r>
-              <a:rPr lang="en-US" sz="1600" b="0" i="0">
+              <a:rPr lang="en-US" sz="1600" b="0" i="0" dirty="0">
                 <a:effectLst/>
                 <a:latin typeface="-apple-system"/>
                 <a:ea typeface="MS PGothic"/>
@@ -22756,14 +22508,14 @@
               <a:t>, </a:t>
             </a:r>
             <a:r>
-              <a:rPr lang="en-US" sz="1600">
+              <a:rPr lang="en-US" sz="1600" dirty="0">
                 <a:latin typeface="-apple-system"/>
                 <a:ea typeface="MS PGothic"/>
               </a:rPr>
               <a:t>we </a:t>
             </a:r>
             <a:r>
-              <a:rPr lang="en-US" sz="1600" b="0" i="0">
+              <a:rPr lang="en-US" sz="1600" b="0" i="0" dirty="0">
                 <a:effectLst/>
                 <a:latin typeface="-apple-system"/>
                 <a:ea typeface="MS PGothic"/>
@@ -22771,21 +22523,21 @@
               <a:t>can </a:t>
             </a:r>
             <a:r>
-              <a:rPr lang="en-US" sz="1600">
+              <a:rPr lang="en-US" sz="1600" dirty="0">
                 <a:latin typeface="-apple-system"/>
                 <a:ea typeface="MS PGothic"/>
               </a:rPr>
               <a:t>start to prove causation over time</a:t>
             </a:r>
             <a:r>
-              <a:rPr lang="en-US" sz="1600" b="0" i="0">
+              <a:rPr lang="en-US" sz="1600" b="0" i="0" dirty="0">
                 <a:effectLst/>
                 <a:latin typeface="-apple-system"/>
                 <a:ea typeface="MS PGothic"/>
               </a:rPr>
               <a:t>.</a:t>
             </a:r>
-            <a:endParaRPr lang="en-US" sz="1600">
+            <a:endParaRPr lang="en-US" sz="1600" dirty="0">
               <a:ea typeface="MS PGothic"/>
               <a:cs typeface="Arial"/>
             </a:endParaRPr>
@@ -22800,13 +22552,13 @@
               </a:spcAft>
             </a:pPr>
             <a:r>
-              <a:rPr lang="en-US">
+              <a:rPr lang="en-US" dirty="0">
                 <a:latin typeface="-apple-system"/>
                 <a:ea typeface="MS PGothic"/>
               </a:rPr>
               <a:t>The Value of Correlation</a:t>
             </a:r>
-            <a:endParaRPr lang="en-US">
+            <a:endParaRPr lang="en-US" dirty="0">
               <a:latin typeface="Arial"/>
               <a:ea typeface="MS PGothic"/>
               <a:cs typeface="Arial"/>
@@ -22824,14 +22576,14 @@
               <a:buChar char="§"/>
             </a:pPr>
             <a:r>
-              <a:rPr lang="en-US" sz="1600">
+              <a:rPr lang="en-US" sz="1600" dirty="0">
                 <a:latin typeface="-apple-system"/>
                 <a:ea typeface="MS PGothic"/>
               </a:rPr>
               <a:t>Even if we haven't fully proven causation yet, finding correlations is </a:t>
             </a:r>
             <a:r>
-              <a:rPr lang="en-US" sz="1600" b="0" i="0">
+              <a:rPr lang="en-US" sz="1600" b="0" i="0" dirty="0">
                 <a:effectLst/>
                 <a:latin typeface="-apple-system"/>
                 <a:ea typeface="MS PGothic"/>
@@ -22839,14 +22591,14 @@
               <a:t>still </a:t>
             </a:r>
             <a:r>
-              <a:rPr lang="en-US" sz="1600">
+              <a:rPr lang="en-US" sz="1600" dirty="0">
                 <a:latin typeface="-apple-system"/>
                 <a:ea typeface="MS PGothic"/>
               </a:rPr>
               <a:t>valuable because it gives us a clue about potential connections </a:t>
             </a:r>
             <a:r>
-              <a:rPr lang="en-US" sz="1600" b="0" i="0">
+              <a:rPr lang="en-US" sz="1600" b="0" i="0" dirty="0">
                 <a:effectLst/>
                 <a:latin typeface="-apple-system"/>
                 <a:ea typeface="MS PGothic"/>
@@ -22854,21 +22606,21 @@
               <a:t>for </a:t>
             </a:r>
             <a:r>
-              <a:rPr lang="en-US" sz="1600">
+              <a:rPr lang="en-US" sz="1600" dirty="0">
                 <a:latin typeface="-apple-system"/>
                 <a:ea typeface="MS PGothic"/>
               </a:rPr>
               <a:t>further study</a:t>
             </a:r>
             <a:r>
-              <a:rPr lang="en-US" sz="1600" b="0" i="0">
+              <a:rPr lang="en-US" sz="1600" b="0" i="0" dirty="0">
                 <a:effectLst/>
                 <a:latin typeface="-apple-system"/>
                 <a:ea typeface="MS PGothic"/>
               </a:rPr>
               <a:t>.</a:t>
             </a:r>
-            <a:endParaRPr lang="en-US" sz="1600">
+            <a:endParaRPr lang="en-US" sz="1600" dirty="0">
               <a:latin typeface="Arial"/>
               <a:ea typeface="MS PGothic"/>
               <a:cs typeface="Arial"/>
@@ -22883,7 +22635,7 @@
                 <a:spcPts val="600"/>
               </a:spcAft>
             </a:pPr>
-            <a:endParaRPr lang="en-US" b="0" i="0">
+            <a:endParaRPr lang="en-US" b="0" i="0" dirty="0">
               <a:effectLst/>
               <a:latin typeface="-apple-system"/>
             </a:endParaRPr>
@@ -22908,13 +22660,7 @@
   <p:cSld>
     <p:spTree>
       <p:nvGrpSpPr>
-        <p:cNvPr id="1" name="">
-          <a:extLst>
-            <a:ext uri="{FF2B5EF4-FFF2-40B4-BE49-F238E27FC236}">
-              <a16:creationId xmlns:a16="http://schemas.microsoft.com/office/drawing/2014/main" id="{8074659B-3429-7702-6954-0F394DCF0BFE}"/>
-            </a:ext>
-          </a:extLst>
-        </p:cNvPr>
+        <p:cNvPr id="1" name=""/>
         <p:cNvGrpSpPr/>
         <p:nvPr/>
       </p:nvGrpSpPr>
@@ -22931,7 +22677,7 @@
           <p:cNvPr id="8" name="Subtitle 2">
             <a:extLst>
               <a:ext uri="{FF2B5EF4-FFF2-40B4-BE49-F238E27FC236}">
-                <a16:creationId xmlns:a16="http://schemas.microsoft.com/office/drawing/2014/main" id="{4419D9AE-169E-00B3-3739-9EBCF909AA81}"/>
+                <a16:creationId xmlns:a16="http://schemas.microsoft.com/office/drawing/2014/main" id="{090EFA5F-2C72-42AB-A069-51AFDC27C766}"/>
               </a:ext>
             </a:extLst>
           </p:cNvPr>
@@ -23133,7 +22879,7 @@
           <p:cNvPr id="5" name="Title 4">
             <a:extLst>
               <a:ext uri="{FF2B5EF4-FFF2-40B4-BE49-F238E27FC236}">
-                <a16:creationId xmlns:a16="http://schemas.microsoft.com/office/drawing/2014/main" id="{952E821D-EE17-59EB-56A7-B64D8C0EAA89}"/>
+                <a16:creationId xmlns:a16="http://schemas.microsoft.com/office/drawing/2014/main" id="{B7278418-EB2A-8766-EC92-613B2ACBA277}"/>
               </a:ext>
             </a:extLst>
           </p:cNvPr>
@@ -23166,7 +22912,7 @@
           <p:cNvPr id="7" name="Content Placeholder 6">
             <a:extLst>
               <a:ext uri="{FF2B5EF4-FFF2-40B4-BE49-F238E27FC236}">
-                <a16:creationId xmlns:a16="http://schemas.microsoft.com/office/drawing/2014/main" id="{63673D50-DD67-0519-195C-A598014CB77A}"/>
+                <a16:creationId xmlns:a16="http://schemas.microsoft.com/office/drawing/2014/main" id="{8103113D-3FA7-10C8-CFF6-CF0FA3CF28D4}"/>
               </a:ext>
             </a:extLst>
           </p:cNvPr>
@@ -23187,24 +22933,14 @@
           <a:bodyPr lIns="91440" tIns="45720" rIns="91440" bIns="45720" anchor="t"/>
           <a:lstStyle/>
           <a:p>
-            <a:pPr>
-              <a:spcBef>
-                <a:spcPts val="600"/>
-              </a:spcBef>
-              <a:spcAft>
-                <a:spcPts val="600"/>
-              </a:spcAft>
-            </a:pPr>
-            <a:r>
-              <a:rPr lang="en-US">
+            <a:r>
+              <a:rPr lang="en-US" dirty="0">
                 <a:latin typeface="-apple-system"/>
                 <a:ea typeface="MS PGothic"/>
               </a:rPr>
-              <a:t>Using Correlation as a Starting Point:</a:t>
-            </a:r>
-            <a:endParaRPr lang="en-US">
-              <a:ea typeface="MS PGothic"/>
-            </a:endParaRPr>
+              <a:t>To prove causation, we need:</a:t>
+            </a:r>
+            <a:endParaRPr lang="en-US" dirty="0"/>
           </a:p>
           <a:p>
             <a:pPr lvl="1">
@@ -23214,63 +22950,25 @@
               <a:spcAft>
                 <a:spcPts val="600"/>
               </a:spcAft>
-            </a:pPr>
-            <a:r>
-              <a:rPr lang="en-US">
+              <a:buFont typeface="Courier New" panose="020B0604020202020204" pitchFamily="34" charset="0"/>
+              <a:buChar char="o"/>
+            </a:pPr>
+            <a:r>
+              <a:rPr lang="en-US" b="1" dirty="0">
                 <a:latin typeface="-apple-system"/>
                 <a:ea typeface="MS PGothic"/>
               </a:rPr>
-              <a:t>We can use correlation as a starting point to investigate causation. </a:t>
-            </a:r>
-            <a:endParaRPr lang="en-US">
-              <a:latin typeface="Arial"/>
-              <a:ea typeface="MS PGothic"/>
-              <a:cs typeface="Arial"/>
-            </a:endParaRPr>
-          </a:p>
-          <a:p>
-            <a:pPr lvl="2">
-              <a:spcBef>
-                <a:spcPts val="600"/>
-              </a:spcBef>
-              <a:spcAft>
-                <a:spcPts val="600"/>
-              </a:spcAft>
-              <a:buFont typeface="Wingdings" panose="020B0604020202020204" pitchFamily="34" charset="0"/>
-              <a:buChar char="§"/>
-            </a:pPr>
-            <a:r>
-              <a:rPr lang="en-US" sz="1600" b="0" i="0">
-                <a:effectLst/>
+              <a:t>Strong Effects:</a:t>
+            </a:r>
+            <a:r>
+              <a:rPr lang="en-US" dirty="0">
                 <a:latin typeface="-apple-system"/>
                 <a:ea typeface="MS PGothic"/>
               </a:rPr>
-              <a:t>By </a:t>
-            </a:r>
-            <a:r>
-              <a:rPr lang="en-US" sz="1600">
-                <a:latin typeface="-apple-system"/>
-                <a:ea typeface="MS PGothic"/>
-              </a:rPr>
-              <a:t>doing </a:t>
-            </a:r>
-            <a:r>
-              <a:rPr lang="en-US" sz="1600" b="0" i="0">
-                <a:effectLst/>
-                <a:latin typeface="-apple-system"/>
-                <a:ea typeface="MS PGothic"/>
-              </a:rPr>
-              <a:t>controlled experiments </a:t>
-            </a:r>
-            <a:r>
-              <a:rPr lang="en-US" sz="1600">
-                <a:latin typeface="-apple-system"/>
-                <a:ea typeface="MS PGothic"/>
-              </a:rPr>
-              <a:t>where we change A and see if B changes accordingly</a:t>
-            </a:r>
-            <a:r>
-              <a:rPr lang="en-US" sz="1600" b="0" i="0">
+              <a:t> Changes in A should significantly impact B</a:t>
+            </a:r>
+            <a:r>
+              <a:rPr lang="en-US" b="0" i="0" dirty="0">
                 <a:effectLst/>
                 <a:latin typeface="-apple-system"/>
                 <a:ea typeface="MS PGothic"/>
@@ -23278,39 +22976,48 @@
               <a:t>, </a:t>
             </a:r>
             <a:r>
-              <a:rPr lang="en-US" sz="1600">
+              <a:rPr lang="en-US" dirty="0">
                 <a:latin typeface="-apple-system"/>
                 <a:ea typeface="MS PGothic"/>
               </a:rPr>
-              <a:t>we </a:t>
-            </a:r>
-            <a:r>
-              <a:rPr lang="en-US" sz="1600" b="0" i="0">
-                <a:effectLst/>
+              <a:t>not just weak correlations.</a:t>
+            </a:r>
+            <a:endParaRPr lang="en-US" dirty="0"/>
+          </a:p>
+          <a:p>
+            <a:pPr lvl="1">
+              <a:spcBef>
+                <a:spcPts val="600"/>
+              </a:spcBef>
+              <a:spcAft>
+                <a:spcPts val="600"/>
+              </a:spcAft>
+              <a:buFont typeface="Courier New" panose="020B0604020202020204" pitchFamily="34" charset="0"/>
+              <a:buChar char="o"/>
+            </a:pPr>
+            <a:r>
+              <a:rPr lang="en-US" b="1" dirty="0">
                 <a:latin typeface="-apple-system"/>
                 <a:ea typeface="MS PGothic"/>
               </a:rPr>
-              <a:t>can </a:t>
-            </a:r>
-            <a:r>
-              <a:rPr lang="en-US" sz="1600">
+              <a:t>Consistency: </a:t>
+            </a:r>
+            <a:r>
+              <a:rPr lang="en-US" dirty="0">
                 <a:latin typeface="-apple-system"/>
                 <a:ea typeface="MS PGothic"/>
               </a:rPr>
-              <a:t>start to prove causation over time</a:t>
-            </a:r>
-            <a:r>
-              <a:rPr lang="en-US" sz="1600" b="0" i="0">
+              <a:t>Causation should be consistent over repeated trials, not sporadic</a:t>
+            </a:r>
+            <a:r>
+              <a:rPr lang="en-US" b="0" i="0" dirty="0">
                 <a:effectLst/>
                 <a:latin typeface="-apple-system"/>
                 <a:ea typeface="MS PGothic"/>
               </a:rPr>
               <a:t>.</a:t>
             </a:r>
-            <a:endParaRPr lang="en-US" sz="1600">
-              <a:ea typeface="MS PGothic"/>
-              <a:cs typeface="Arial"/>
-            </a:endParaRPr>
+            <a:endParaRPr lang="en-US" dirty="0"/>
           </a:p>
           <a:p>
             <a:pPr lvl="1">
@@ -23320,78 +23027,62 @@
               <a:spcAft>
                 <a:spcPts val="600"/>
               </a:spcAft>
-            </a:pPr>
-            <a:r>
-              <a:rPr lang="en-US">
+              <a:buFont typeface="Courier New" panose="020B0604020202020204" pitchFamily="34" charset="0"/>
+              <a:buChar char="o"/>
+            </a:pPr>
+            <a:r>
+              <a:rPr lang="en-US" b="1" dirty="0">
                 <a:latin typeface="-apple-system"/>
                 <a:ea typeface="MS PGothic"/>
               </a:rPr>
-              <a:t>The Value of Correlation</a:t>
-            </a:r>
-            <a:endParaRPr lang="en-US">
-              <a:latin typeface="Arial"/>
-              <a:ea typeface="MS PGothic"/>
-              <a:cs typeface="Arial"/>
-            </a:endParaRPr>
-          </a:p>
-          <a:p>
-            <a:pPr lvl="2">
-              <a:spcBef>
-                <a:spcPts val="600"/>
-              </a:spcBef>
-              <a:spcAft>
-                <a:spcPts val="600"/>
-              </a:spcAft>
-              <a:buFont typeface="Wingdings" panose="020B0604020202020204" pitchFamily="34" charset="0"/>
-              <a:buChar char="§"/>
-            </a:pPr>
-            <a:r>
-              <a:rPr lang="en-US" sz="1600">
+              <a:t>Controlled Experiments: </a:t>
+            </a:r>
+            <a:r>
+              <a:rPr lang="en-US" dirty="0">
                 <a:latin typeface="-apple-system"/>
                 <a:ea typeface="MS PGothic"/>
               </a:rPr>
-              <a:t>Even if we haven't fully proven causation yet, finding correlations is </a:t>
-            </a:r>
-            <a:r>
-              <a:rPr lang="en-US" sz="1600" b="0" i="0">
-                <a:effectLst/>
+              <a:t>Use control groups, placebos, and control for other factors to directly test causal hypotheses.</a:t>
+            </a:r>
+            <a:endParaRPr lang="en-US" dirty="0"/>
+          </a:p>
+          <a:p>
+            <a:pPr>
+              <a:spcBef>
+                <a:spcPts val="600"/>
+              </a:spcBef>
+              <a:spcAft>
+                <a:spcPts val="600"/>
+              </a:spcAft>
+            </a:pPr>
+            <a:r>
+              <a:rPr lang="en-US" dirty="0">
                 <a:latin typeface="-apple-system"/>
                 <a:ea typeface="MS PGothic"/>
               </a:rPr>
-              <a:t>still </a:t>
-            </a:r>
-            <a:r>
-              <a:rPr lang="en-US" sz="1600">
-                <a:latin typeface="-apple-system"/>
-                <a:ea typeface="MS PGothic"/>
-              </a:rPr>
-              <a:t>valuable because it gives us a clue about potential connections </a:t>
-            </a:r>
-            <a:r>
-              <a:rPr lang="en-US" sz="1600" b="0" i="0">
-                <a:effectLst/>
-                <a:latin typeface="-apple-system"/>
-                <a:ea typeface="MS PGothic"/>
-              </a:rPr>
-              <a:t>for </a:t>
-            </a:r>
-            <a:r>
-              <a:rPr lang="en-US" sz="1600">
-                <a:latin typeface="-apple-system"/>
-                <a:ea typeface="MS PGothic"/>
-              </a:rPr>
-              <a:t>further study</a:t>
-            </a:r>
-            <a:r>
-              <a:rPr lang="en-US" sz="1600" b="0" i="0">
+              <a:t>In simpler terms, proving causation requires strong effects, consistency over time, and well-controlled experiments</a:t>
+            </a:r>
+            <a:r>
+              <a:rPr lang="en-US" b="0" i="0" dirty="0">
                 <a:effectLst/>
                 <a:latin typeface="-apple-system"/>
                 <a:ea typeface="MS PGothic"/>
               </a:rPr>
               <a:t>.</a:t>
             </a:r>
-            <a:endParaRPr lang="en-US" sz="1600">
-              <a:latin typeface="Arial"/>
+            <a:endParaRPr lang="en-US" dirty="0"/>
+          </a:p>
+          <a:p>
+            <a:pPr>
+              <a:spcBef>
+                <a:spcPts val="600"/>
+              </a:spcBef>
+              <a:spcAft>
+                <a:spcPts val="600"/>
+              </a:spcAft>
+            </a:pPr>
+            <a:endParaRPr lang="en-US" dirty="0">
+              <a:latin typeface="-apple-system"/>
               <a:ea typeface="MS PGothic"/>
               <a:cs typeface="Arial"/>
             </a:endParaRPr>
@@ -23405,7 +23096,7 @@
                 <a:spcPts val="600"/>
               </a:spcAft>
             </a:pPr>
-            <a:endParaRPr lang="en-US" b="0" i="0">
+            <a:endParaRPr lang="en-US" b="0" i="0" dirty="0">
               <a:effectLst/>
               <a:latin typeface="-apple-system"/>
             </a:endParaRPr>
@@ -23415,7 +23106,7 @@
     </p:spTree>
     <p:extLst>
       <p:ext uri="{BB962C8B-B14F-4D97-AF65-F5344CB8AC3E}">
-        <p14:creationId xmlns:p14="http://schemas.microsoft.com/office/powerpoint/2010/main" val="2915102559"/>
+        <p14:creationId xmlns:p14="http://schemas.microsoft.com/office/powerpoint/2010/main" val="1820709769"/>
       </p:ext>
     </p:extLst>
   </p:cSld>
@@ -23695,467 +23386,6 @@
         </p:nvSpPr>
         <p:spPr>
           <a:xfrm>
-            <a:off x="400050" y="1225062"/>
-            <a:ext cx="8229600" cy="5002701"/>
-          </a:xfrm>
-        </p:spPr>
-        <p:txBody>
-          <a:bodyPr lIns="91440" tIns="45720" rIns="91440" bIns="45720" anchor="t"/>
-          <a:lstStyle/>
-          <a:p>
-            <a:r>
-              <a:rPr lang="en-US">
-                <a:latin typeface="-apple-system"/>
-                <a:ea typeface="MS PGothic"/>
-              </a:rPr>
-              <a:t>To prove causation, we need:</a:t>
-            </a:r>
-            <a:endParaRPr lang="en-US"/>
-          </a:p>
-          <a:p>
-            <a:pPr lvl="1">
-              <a:spcBef>
-                <a:spcPts val="600"/>
-              </a:spcBef>
-              <a:spcAft>
-                <a:spcPts val="600"/>
-              </a:spcAft>
-              <a:buFont typeface="Courier New" panose="020B0604020202020204" pitchFamily="34" charset="0"/>
-              <a:buChar char="o"/>
-            </a:pPr>
-            <a:r>
-              <a:rPr lang="en-US" b="1">
-                <a:latin typeface="-apple-system"/>
-                <a:ea typeface="MS PGothic"/>
-              </a:rPr>
-              <a:t>Strong Effects:</a:t>
-            </a:r>
-            <a:r>
-              <a:rPr lang="en-US">
-                <a:latin typeface="-apple-system"/>
-                <a:ea typeface="MS PGothic"/>
-              </a:rPr>
-              <a:t> Changes in A should significantly impact B</a:t>
-            </a:r>
-            <a:r>
-              <a:rPr lang="en-US" b="0" i="0">
-                <a:effectLst/>
-                <a:latin typeface="-apple-system"/>
-                <a:ea typeface="MS PGothic"/>
-              </a:rPr>
-              <a:t>, </a:t>
-            </a:r>
-            <a:r>
-              <a:rPr lang="en-US">
-                <a:latin typeface="-apple-system"/>
-                <a:ea typeface="MS PGothic"/>
-              </a:rPr>
-              <a:t>not just weak correlations.</a:t>
-            </a:r>
-            <a:endParaRPr lang="en-US"/>
-          </a:p>
-          <a:p>
-            <a:pPr lvl="1">
-              <a:spcBef>
-                <a:spcPts val="600"/>
-              </a:spcBef>
-              <a:spcAft>
-                <a:spcPts val="600"/>
-              </a:spcAft>
-              <a:buFont typeface="Courier New" panose="020B0604020202020204" pitchFamily="34" charset="0"/>
-              <a:buChar char="o"/>
-            </a:pPr>
-            <a:r>
-              <a:rPr lang="en-US" b="1">
-                <a:latin typeface="-apple-system"/>
-                <a:ea typeface="MS PGothic"/>
-              </a:rPr>
-              <a:t>Consistency: </a:t>
-            </a:r>
-            <a:r>
-              <a:rPr lang="en-US">
-                <a:latin typeface="-apple-system"/>
-                <a:ea typeface="MS PGothic"/>
-              </a:rPr>
-              <a:t>Causation should be consistent over repeated trials, not sporadic</a:t>
-            </a:r>
-            <a:r>
-              <a:rPr lang="en-US" b="0" i="0">
-                <a:effectLst/>
-                <a:latin typeface="-apple-system"/>
-                <a:ea typeface="MS PGothic"/>
-              </a:rPr>
-              <a:t>.</a:t>
-            </a:r>
-            <a:endParaRPr lang="en-US"/>
-          </a:p>
-          <a:p>
-            <a:pPr lvl="1">
-              <a:spcBef>
-                <a:spcPts val="600"/>
-              </a:spcBef>
-              <a:spcAft>
-                <a:spcPts val="600"/>
-              </a:spcAft>
-              <a:buFont typeface="Courier New" panose="020B0604020202020204" pitchFamily="34" charset="0"/>
-              <a:buChar char="o"/>
-            </a:pPr>
-            <a:r>
-              <a:rPr lang="en-US" b="1">
-                <a:latin typeface="-apple-system"/>
-                <a:ea typeface="MS PGothic"/>
-              </a:rPr>
-              <a:t>Controlled Experiments: </a:t>
-            </a:r>
-            <a:r>
-              <a:rPr lang="en-US">
-                <a:latin typeface="-apple-system"/>
-                <a:ea typeface="MS PGothic"/>
-              </a:rPr>
-              <a:t>Use control groups, placebos, and control for other factors to directly test causal hypotheses.</a:t>
-            </a:r>
-            <a:endParaRPr lang="en-US"/>
-          </a:p>
-          <a:p>
-            <a:pPr>
-              <a:spcBef>
-                <a:spcPts val="600"/>
-              </a:spcBef>
-              <a:spcAft>
-                <a:spcPts val="600"/>
-              </a:spcAft>
-            </a:pPr>
-            <a:r>
-              <a:rPr lang="en-US">
-                <a:latin typeface="-apple-system"/>
-                <a:ea typeface="MS PGothic"/>
-              </a:rPr>
-              <a:t>In simpler terms, proving causation requires strong effects, consistency over time, and well-controlled experiments</a:t>
-            </a:r>
-            <a:r>
-              <a:rPr lang="en-US" b="0" i="0">
-                <a:effectLst/>
-                <a:latin typeface="-apple-system"/>
-                <a:ea typeface="MS PGothic"/>
-              </a:rPr>
-              <a:t>.</a:t>
-            </a:r>
-            <a:endParaRPr lang="en-US"/>
-          </a:p>
-          <a:p>
-            <a:pPr>
-              <a:spcBef>
-                <a:spcPts val="600"/>
-              </a:spcBef>
-              <a:spcAft>
-                <a:spcPts val="600"/>
-              </a:spcAft>
-            </a:pPr>
-            <a:endParaRPr lang="en-US">
-              <a:latin typeface="-apple-system"/>
-              <a:ea typeface="MS PGothic"/>
-              <a:cs typeface="Arial"/>
-            </a:endParaRPr>
-          </a:p>
-          <a:p>
-            <a:pPr>
-              <a:spcBef>
-                <a:spcPts val="600"/>
-              </a:spcBef>
-              <a:spcAft>
-                <a:spcPts val="600"/>
-              </a:spcAft>
-            </a:pPr>
-            <a:endParaRPr lang="en-US" b="0" i="0">
-              <a:effectLst/>
-              <a:latin typeface="-apple-system"/>
-            </a:endParaRPr>
-          </a:p>
-        </p:txBody>
-      </p:sp>
-    </p:spTree>
-    <p:extLst>
-      <p:ext uri="{BB962C8B-B14F-4D97-AF65-F5344CB8AC3E}">
-        <p14:creationId xmlns:p14="http://schemas.microsoft.com/office/powerpoint/2010/main" val="1820709769"/>
-      </p:ext>
-    </p:extLst>
-  </p:cSld>
-  <p:clrMapOvr>
-    <a:masterClrMapping/>
-  </p:clrMapOvr>
-</p:sld>
-</file>
-
-<file path=ppt/slides/slide26.xml><?xml version="1.0" encoding="utf-8"?>
-<p:sld xmlns:a="http://schemas.openxmlformats.org/drawingml/2006/main" xmlns:r="http://schemas.openxmlformats.org/officeDocument/2006/relationships" xmlns:p="http://schemas.openxmlformats.org/presentationml/2006/main">
-  <p:cSld>
-    <p:spTree>
-      <p:nvGrpSpPr>
-        <p:cNvPr id="1" name=""/>
-        <p:cNvGrpSpPr/>
-        <p:nvPr/>
-      </p:nvGrpSpPr>
-      <p:grpSpPr>
-        <a:xfrm>
-          <a:off x="0" y="0"/>
-          <a:ext cx="0" cy="0"/>
-          <a:chOff x="0" y="0"/>
-          <a:chExt cx="0" cy="0"/>
-        </a:xfrm>
-      </p:grpSpPr>
-      <p:sp>
-        <p:nvSpPr>
-          <p:cNvPr id="8" name="Subtitle 2">
-            <a:extLst>
-              <a:ext uri="{FF2B5EF4-FFF2-40B4-BE49-F238E27FC236}">
-                <a16:creationId xmlns:a16="http://schemas.microsoft.com/office/drawing/2014/main" id="{090EFA5F-2C72-42AB-A069-51AFDC27C766}"/>
-              </a:ext>
-            </a:extLst>
-          </p:cNvPr>
-          <p:cNvSpPr txBox="1">
-            <a:spLocks/>
-          </p:cNvSpPr>
-          <p:nvPr/>
-        </p:nvSpPr>
-        <p:spPr>
-          <a:xfrm>
-            <a:off x="778079" y="4099775"/>
-            <a:ext cx="6400800" cy="1237021"/>
-          </a:xfrm>
-        </p:spPr>
-        <p:txBody>
-          <a:bodyPr/>
-          <a:lstStyle>
-            <a:lvl1pPr marL="0" indent="0" algn="l" defTabSz="457200" rtl="0" eaLnBrk="0" fontAlgn="base" hangingPunct="0">
-              <a:spcBef>
-                <a:spcPct val="20000"/>
-              </a:spcBef>
-              <a:spcAft>
-                <a:spcPct val="0"/>
-              </a:spcAft>
-              <a:buFont typeface="Arial" panose="020B0604020202020204" pitchFamily="34" charset="0"/>
-              <a:buNone/>
-              <a:defRPr sz="1800" kern="1200">
-                <a:solidFill>
-                  <a:srgbClr val="0FA7B5"/>
-                </a:solidFill>
-                <a:latin typeface="+mn-lt"/>
-                <a:ea typeface="MS PGothic" panose="020B0600070205080204" pitchFamily="34" charset="-128"/>
-                <a:cs typeface="ＭＳ Ｐゴシック" charset="0"/>
-              </a:defRPr>
-            </a:lvl1pPr>
-            <a:lvl2pPr marL="342900" indent="0" algn="l" defTabSz="457200" rtl="0" eaLnBrk="0" fontAlgn="base" hangingPunct="0">
-              <a:spcBef>
-                <a:spcPct val="20000"/>
-              </a:spcBef>
-              <a:spcAft>
-                <a:spcPct val="0"/>
-              </a:spcAft>
-              <a:buFont typeface="Arial" panose="020B0604020202020204" pitchFamily="34" charset="0"/>
-              <a:buNone/>
-              <a:defRPr sz="1500" kern="1200">
-                <a:solidFill>
-                  <a:schemeClr val="tx1">
-                    <a:tint val="75000"/>
-                  </a:schemeClr>
-                </a:solidFill>
-                <a:latin typeface="+mn-lt"/>
-                <a:ea typeface="MS PGothic" panose="020B0600070205080204" pitchFamily="34" charset="-128"/>
-                <a:cs typeface="+mn-cs"/>
-              </a:defRPr>
-            </a:lvl2pPr>
-            <a:lvl3pPr marL="685800" indent="0" algn="l" defTabSz="457200" rtl="0" eaLnBrk="0" fontAlgn="base" hangingPunct="0">
-              <a:spcBef>
-                <a:spcPct val="20000"/>
-              </a:spcBef>
-              <a:spcAft>
-                <a:spcPct val="0"/>
-              </a:spcAft>
-              <a:buFont typeface="Arial" panose="020B0604020202020204" pitchFamily="34" charset="0"/>
-              <a:buNone/>
-              <a:defRPr sz="1350" kern="1200">
-                <a:solidFill>
-                  <a:schemeClr val="tx1">
-                    <a:tint val="75000"/>
-                  </a:schemeClr>
-                </a:solidFill>
-                <a:latin typeface="+mn-lt"/>
-                <a:ea typeface="MS PGothic" panose="020B0600070205080204" pitchFamily="34" charset="-128"/>
-                <a:cs typeface="+mn-cs"/>
-              </a:defRPr>
-            </a:lvl3pPr>
-            <a:lvl4pPr marL="1028700" indent="0" algn="l" defTabSz="457200" rtl="0" eaLnBrk="0" fontAlgn="base" hangingPunct="0">
-              <a:spcBef>
-                <a:spcPct val="20000"/>
-              </a:spcBef>
-              <a:spcAft>
-                <a:spcPct val="0"/>
-              </a:spcAft>
-              <a:buFont typeface="Arial" panose="020B0604020202020204" pitchFamily="34" charset="0"/>
-              <a:buNone/>
-              <a:defRPr sz="1200" kern="1200">
-                <a:solidFill>
-                  <a:schemeClr val="tx1">
-                    <a:tint val="75000"/>
-                  </a:schemeClr>
-                </a:solidFill>
-                <a:latin typeface="+mn-lt"/>
-                <a:ea typeface="MS PGothic" panose="020B0600070205080204" pitchFamily="34" charset="-128"/>
-                <a:cs typeface="+mn-cs"/>
-              </a:defRPr>
-            </a:lvl4pPr>
-            <a:lvl5pPr marL="1371600" indent="0" algn="l" defTabSz="457200" rtl="0" eaLnBrk="0" fontAlgn="base" hangingPunct="0">
-              <a:spcBef>
-                <a:spcPct val="20000"/>
-              </a:spcBef>
-              <a:spcAft>
-                <a:spcPct val="0"/>
-              </a:spcAft>
-              <a:buFont typeface="Arial" panose="020B0604020202020204" pitchFamily="34" charset="0"/>
-              <a:buNone/>
-              <a:defRPr sz="1200" kern="1200">
-                <a:solidFill>
-                  <a:schemeClr val="tx1">
-                    <a:tint val="75000"/>
-                  </a:schemeClr>
-                </a:solidFill>
-                <a:latin typeface="+mn-lt"/>
-                <a:ea typeface="MS PGothic" panose="020B0600070205080204" pitchFamily="34" charset="-128"/>
-                <a:cs typeface="+mn-cs"/>
-              </a:defRPr>
-            </a:lvl5pPr>
-            <a:lvl6pPr marL="1714500" indent="0" algn="l" defTabSz="457200" rtl="0" eaLnBrk="1" latinLnBrk="0" hangingPunct="1">
-              <a:spcBef>
-                <a:spcPct val="20000"/>
-              </a:spcBef>
-              <a:buFont typeface="Arial"/>
-              <a:buNone/>
-              <a:defRPr sz="1200" kern="1200">
-                <a:solidFill>
-                  <a:schemeClr val="tx1">
-                    <a:tint val="75000"/>
-                  </a:schemeClr>
-                </a:solidFill>
-                <a:latin typeface="+mn-lt"/>
-                <a:ea typeface="+mn-ea"/>
-                <a:cs typeface="+mn-cs"/>
-              </a:defRPr>
-            </a:lvl6pPr>
-            <a:lvl7pPr marL="2057400" indent="0" algn="l" defTabSz="457200" rtl="0" eaLnBrk="1" latinLnBrk="0" hangingPunct="1">
-              <a:spcBef>
-                <a:spcPct val="20000"/>
-              </a:spcBef>
-              <a:buFont typeface="Arial"/>
-              <a:buNone/>
-              <a:defRPr sz="1200" kern="1200">
-                <a:solidFill>
-                  <a:schemeClr val="tx1">
-                    <a:tint val="75000"/>
-                  </a:schemeClr>
-                </a:solidFill>
-                <a:latin typeface="+mn-lt"/>
-                <a:ea typeface="+mn-ea"/>
-                <a:cs typeface="+mn-cs"/>
-              </a:defRPr>
-            </a:lvl7pPr>
-            <a:lvl8pPr marL="2400300" indent="0" algn="l" defTabSz="457200" rtl="0" eaLnBrk="1" latinLnBrk="0" hangingPunct="1">
-              <a:spcBef>
-                <a:spcPct val="20000"/>
-              </a:spcBef>
-              <a:buFont typeface="Arial"/>
-              <a:buNone/>
-              <a:defRPr sz="1200" kern="1200">
-                <a:solidFill>
-                  <a:schemeClr val="tx1">
-                    <a:tint val="75000"/>
-                  </a:schemeClr>
-                </a:solidFill>
-                <a:latin typeface="+mn-lt"/>
-                <a:ea typeface="+mn-ea"/>
-                <a:cs typeface="+mn-cs"/>
-              </a:defRPr>
-            </a:lvl8pPr>
-            <a:lvl9pPr marL="2743200" indent="0" algn="l" defTabSz="457200" rtl="0" eaLnBrk="1" latinLnBrk="0" hangingPunct="1">
-              <a:spcBef>
-                <a:spcPct val="20000"/>
-              </a:spcBef>
-              <a:buFont typeface="Arial"/>
-              <a:buNone/>
-              <a:defRPr sz="1200" kern="1200">
-                <a:solidFill>
-                  <a:schemeClr val="tx1">
-                    <a:tint val="75000"/>
-                  </a:schemeClr>
-                </a:solidFill>
-                <a:latin typeface="+mn-lt"/>
-                <a:ea typeface="+mn-ea"/>
-                <a:cs typeface="+mn-cs"/>
-              </a:defRPr>
-            </a:lvl9pPr>
-          </a:lstStyle>
-          <a:p>
-            <a:pPr marL="285750" lvl="0" indent="-285750">
-              <a:spcAft>
-                <a:spcPts val="600"/>
-              </a:spcAft>
-              <a:buFont typeface="Arial" panose="020B0604020202020204" pitchFamily="34" charset="0"/>
-              <a:buChar char="•"/>
-            </a:pPr>
-            <a:endParaRPr lang="en-US" altLang="en-US"/>
-          </a:p>
-        </p:txBody>
-      </p:sp>
-      <p:sp>
-        <p:nvSpPr>
-          <p:cNvPr id="5" name="Title 4">
-            <a:extLst>
-              <a:ext uri="{FF2B5EF4-FFF2-40B4-BE49-F238E27FC236}">
-                <a16:creationId xmlns:a16="http://schemas.microsoft.com/office/drawing/2014/main" id="{B7278418-EB2A-8766-EC92-613B2ACBA277}"/>
-              </a:ext>
-            </a:extLst>
-          </p:cNvPr>
-          <p:cNvSpPr>
-            <a:spLocks noGrp="1"/>
-          </p:cNvSpPr>
-          <p:nvPr>
-            <p:ph type="title"/>
-          </p:nvPr>
-        </p:nvSpPr>
-        <p:spPr>
-          <a:xfrm>
-            <a:off x="400050" y="119939"/>
-            <a:ext cx="8229600" cy="428312"/>
-          </a:xfrm>
-        </p:spPr>
-        <p:txBody>
-          <a:bodyPr/>
-          <a:lstStyle/>
-          <a:p>
-            <a:r>
-              <a:rPr lang="en-US"/>
-              <a:t>Proving Causation</a:t>
-            </a:r>
-          </a:p>
-        </p:txBody>
-      </p:sp>
-      <p:sp>
-        <p:nvSpPr>
-          <p:cNvPr id="7" name="Content Placeholder 6">
-            <a:extLst>
-              <a:ext uri="{FF2B5EF4-FFF2-40B4-BE49-F238E27FC236}">
-                <a16:creationId xmlns:a16="http://schemas.microsoft.com/office/drawing/2014/main" id="{8103113D-3FA7-10C8-CFF6-CF0FA3CF28D4}"/>
-              </a:ext>
-            </a:extLst>
-          </p:cNvPr>
-          <p:cNvSpPr>
-            <a:spLocks noGrp="1"/>
-          </p:cNvSpPr>
-          <p:nvPr>
-            <p:ph idx="1"/>
-          </p:nvPr>
-        </p:nvSpPr>
-        <p:spPr>
-          <a:xfrm>
             <a:off x="183482" y="1222903"/>
             <a:ext cx="4171950" cy="5002701"/>
           </a:xfrm>
@@ -24165,13 +23395,13 @@
           <a:lstStyle/>
           <a:p>
             <a:r>
-              <a:rPr lang="en-US">
+              <a:rPr lang="en-US" dirty="0">
                 <a:latin typeface="-apple-system"/>
                 <a:ea typeface="MS PGothic"/>
               </a:rPr>
               <a:t>When we see a correlation, we can make educated guesses about causation, but proving causation requires more than just looking at the data.</a:t>
             </a:r>
-            <a:endParaRPr lang="en-US">
+            <a:endParaRPr lang="en-US" dirty="0">
               <a:ea typeface="MS PGothic"/>
             </a:endParaRPr>
           </a:p>
@@ -24184,7 +23414,7 @@
                 <a:spcPts val="600"/>
               </a:spcAft>
             </a:pPr>
-            <a:endParaRPr lang="en-US" b="0" i="0">
+            <a:endParaRPr lang="en-US" b="0" i="0" dirty="0">
               <a:effectLst/>
               <a:latin typeface="-apple-system"/>
             </a:endParaRPr>
@@ -24249,7 +23479,7 @@
 </p:sld>
 </file>
 
-<file path=ppt/slides/slide27.xml><?xml version="1.0" encoding="utf-8"?>
+<file path=ppt/slides/slide26.xml><?xml version="1.0" encoding="utf-8"?>
 <p:sld xmlns:a="http://schemas.openxmlformats.org/drawingml/2006/main" xmlns:r="http://schemas.openxmlformats.org/officeDocument/2006/relationships" xmlns:p="http://schemas.openxmlformats.org/presentationml/2006/main">
   <p:cSld>
     <p:spTree>
@@ -24362,7 +23592,7 @@
 </p:sld>
 </file>
 
-<file path=ppt/slides/slide28.xml><?xml version="1.0" encoding="utf-8"?>
+<file path=ppt/slides/slide27.xml><?xml version="1.0" encoding="utf-8"?>
 <p:sld xmlns:a="http://schemas.openxmlformats.org/drawingml/2006/main" xmlns:r="http://schemas.openxmlformats.org/officeDocument/2006/relationships" xmlns:p="http://schemas.openxmlformats.org/presentationml/2006/main">
   <p:cSld>
     <p:spTree>
@@ -24695,7 +23925,7 @@
 </p:sld>
 </file>
 
-<file path=ppt/slides/slide29.xml><?xml version="1.0" encoding="utf-8"?>
+<file path=ppt/slides/slide28.xml><?xml version="1.0" encoding="utf-8"?>
 <p:sld xmlns:a="http://schemas.openxmlformats.org/drawingml/2006/main" xmlns:r="http://schemas.openxmlformats.org/officeDocument/2006/relationships" xmlns:p="http://schemas.openxmlformats.org/presentationml/2006/main">
   <p:cSld>
     <p:spTree>
@@ -25063,6 +24293,377 @@
     <p:extLst>
       <p:ext uri="{BB962C8B-B14F-4D97-AF65-F5344CB8AC3E}">
         <p14:creationId xmlns:p14="http://schemas.microsoft.com/office/powerpoint/2010/main" val="2723147795"/>
+      </p:ext>
+    </p:extLst>
+  </p:cSld>
+  <p:clrMapOvr>
+    <a:masterClrMapping/>
+  </p:clrMapOvr>
+</p:sld>
+</file>
+
+<file path=ppt/slides/slide29.xml><?xml version="1.0" encoding="utf-8"?>
+<p:sld xmlns:a="http://schemas.openxmlformats.org/drawingml/2006/main" xmlns:r="http://schemas.openxmlformats.org/officeDocument/2006/relationships" xmlns:p="http://schemas.openxmlformats.org/presentationml/2006/main">
+  <p:cSld>
+    <p:spTree>
+      <p:nvGrpSpPr>
+        <p:cNvPr id="1" name="">
+          <a:extLst>
+            <a:ext uri="{FF2B5EF4-FFF2-40B4-BE49-F238E27FC236}">
+              <a16:creationId xmlns:a16="http://schemas.microsoft.com/office/drawing/2014/main" id="{A05B1952-F51B-4CC5-3071-A4AE8253F798}"/>
+            </a:ext>
+          </a:extLst>
+        </p:cNvPr>
+        <p:cNvGrpSpPr/>
+        <p:nvPr/>
+      </p:nvGrpSpPr>
+      <p:grpSpPr>
+        <a:xfrm>
+          <a:off x="0" y="0"/>
+          <a:ext cx="0" cy="0"/>
+          <a:chOff x="0" y="0"/>
+          <a:chExt cx="0" cy="0"/>
+        </a:xfrm>
+      </p:grpSpPr>
+      <p:sp>
+        <p:nvSpPr>
+          <p:cNvPr id="8" name="Subtitle 2">
+            <a:extLst>
+              <a:ext uri="{FF2B5EF4-FFF2-40B4-BE49-F238E27FC236}">
+                <a16:creationId xmlns:a16="http://schemas.microsoft.com/office/drawing/2014/main" id="{6CAC70F2-9661-BA75-ECF4-29D92A5635D3}"/>
+              </a:ext>
+            </a:extLst>
+          </p:cNvPr>
+          <p:cNvSpPr txBox="1">
+            <a:spLocks/>
+          </p:cNvSpPr>
+          <p:nvPr/>
+        </p:nvSpPr>
+        <p:spPr>
+          <a:xfrm>
+            <a:off x="778079" y="4099775"/>
+            <a:ext cx="6400800" cy="1237021"/>
+          </a:xfrm>
+        </p:spPr>
+        <p:txBody>
+          <a:bodyPr/>
+          <a:lstStyle>
+            <a:lvl1pPr marL="0" indent="0" algn="l" defTabSz="457200" rtl="0" eaLnBrk="0" fontAlgn="base" hangingPunct="0">
+              <a:spcBef>
+                <a:spcPct val="20000"/>
+              </a:spcBef>
+              <a:spcAft>
+                <a:spcPct val="0"/>
+              </a:spcAft>
+              <a:buFont typeface="Arial" panose="020B0604020202020204" pitchFamily="34" charset="0"/>
+              <a:buNone/>
+              <a:defRPr sz="1800" kern="1200">
+                <a:solidFill>
+                  <a:srgbClr val="0FA7B5"/>
+                </a:solidFill>
+                <a:latin typeface="+mn-lt"/>
+                <a:ea typeface="MS PGothic" panose="020B0600070205080204" pitchFamily="34" charset="-128"/>
+                <a:cs typeface="ＭＳ Ｐゴシック" charset="0"/>
+              </a:defRPr>
+            </a:lvl1pPr>
+            <a:lvl2pPr marL="342900" indent="0" algn="l" defTabSz="457200" rtl="0" eaLnBrk="0" fontAlgn="base" hangingPunct="0">
+              <a:spcBef>
+                <a:spcPct val="20000"/>
+              </a:spcBef>
+              <a:spcAft>
+                <a:spcPct val="0"/>
+              </a:spcAft>
+              <a:buFont typeface="Arial" panose="020B0604020202020204" pitchFamily="34" charset="0"/>
+              <a:buNone/>
+              <a:defRPr sz="1500" kern="1200">
+                <a:solidFill>
+                  <a:schemeClr val="tx1">
+                    <a:tint val="75000"/>
+                  </a:schemeClr>
+                </a:solidFill>
+                <a:latin typeface="+mn-lt"/>
+                <a:ea typeface="MS PGothic" panose="020B0600070205080204" pitchFamily="34" charset="-128"/>
+                <a:cs typeface="+mn-cs"/>
+              </a:defRPr>
+            </a:lvl2pPr>
+            <a:lvl3pPr marL="685800" indent="0" algn="l" defTabSz="457200" rtl="0" eaLnBrk="0" fontAlgn="base" hangingPunct="0">
+              <a:spcBef>
+                <a:spcPct val="20000"/>
+              </a:spcBef>
+              <a:spcAft>
+                <a:spcPct val="0"/>
+              </a:spcAft>
+              <a:buFont typeface="Arial" panose="020B0604020202020204" pitchFamily="34" charset="0"/>
+              <a:buNone/>
+              <a:defRPr sz="1350" kern="1200">
+                <a:solidFill>
+                  <a:schemeClr val="tx1">
+                    <a:tint val="75000"/>
+                  </a:schemeClr>
+                </a:solidFill>
+                <a:latin typeface="+mn-lt"/>
+                <a:ea typeface="MS PGothic" panose="020B0600070205080204" pitchFamily="34" charset="-128"/>
+                <a:cs typeface="+mn-cs"/>
+              </a:defRPr>
+            </a:lvl3pPr>
+            <a:lvl4pPr marL="1028700" indent="0" algn="l" defTabSz="457200" rtl="0" eaLnBrk="0" fontAlgn="base" hangingPunct="0">
+              <a:spcBef>
+                <a:spcPct val="20000"/>
+              </a:spcBef>
+              <a:spcAft>
+                <a:spcPct val="0"/>
+              </a:spcAft>
+              <a:buFont typeface="Arial" panose="020B0604020202020204" pitchFamily="34" charset="0"/>
+              <a:buNone/>
+              <a:defRPr sz="1200" kern="1200">
+                <a:solidFill>
+                  <a:schemeClr val="tx1">
+                    <a:tint val="75000"/>
+                  </a:schemeClr>
+                </a:solidFill>
+                <a:latin typeface="+mn-lt"/>
+                <a:ea typeface="MS PGothic" panose="020B0600070205080204" pitchFamily="34" charset="-128"/>
+                <a:cs typeface="+mn-cs"/>
+              </a:defRPr>
+            </a:lvl4pPr>
+            <a:lvl5pPr marL="1371600" indent="0" algn="l" defTabSz="457200" rtl="0" eaLnBrk="0" fontAlgn="base" hangingPunct="0">
+              <a:spcBef>
+                <a:spcPct val="20000"/>
+              </a:spcBef>
+              <a:spcAft>
+                <a:spcPct val="0"/>
+              </a:spcAft>
+              <a:buFont typeface="Arial" panose="020B0604020202020204" pitchFamily="34" charset="0"/>
+              <a:buNone/>
+              <a:defRPr sz="1200" kern="1200">
+                <a:solidFill>
+                  <a:schemeClr val="tx1">
+                    <a:tint val="75000"/>
+                  </a:schemeClr>
+                </a:solidFill>
+                <a:latin typeface="+mn-lt"/>
+                <a:ea typeface="MS PGothic" panose="020B0600070205080204" pitchFamily="34" charset="-128"/>
+                <a:cs typeface="+mn-cs"/>
+              </a:defRPr>
+            </a:lvl5pPr>
+            <a:lvl6pPr marL="1714500" indent="0" algn="l" defTabSz="457200" rtl="0" eaLnBrk="1" latinLnBrk="0" hangingPunct="1">
+              <a:spcBef>
+                <a:spcPct val="20000"/>
+              </a:spcBef>
+              <a:buFont typeface="Arial"/>
+              <a:buNone/>
+              <a:defRPr sz="1200" kern="1200">
+                <a:solidFill>
+                  <a:schemeClr val="tx1">
+                    <a:tint val="75000"/>
+                  </a:schemeClr>
+                </a:solidFill>
+                <a:latin typeface="+mn-lt"/>
+                <a:ea typeface="+mn-ea"/>
+                <a:cs typeface="+mn-cs"/>
+              </a:defRPr>
+            </a:lvl6pPr>
+            <a:lvl7pPr marL="2057400" indent="0" algn="l" defTabSz="457200" rtl="0" eaLnBrk="1" latinLnBrk="0" hangingPunct="1">
+              <a:spcBef>
+                <a:spcPct val="20000"/>
+              </a:spcBef>
+              <a:buFont typeface="Arial"/>
+              <a:buNone/>
+              <a:defRPr sz="1200" kern="1200">
+                <a:solidFill>
+                  <a:schemeClr val="tx1">
+                    <a:tint val="75000"/>
+                  </a:schemeClr>
+                </a:solidFill>
+                <a:latin typeface="+mn-lt"/>
+                <a:ea typeface="+mn-ea"/>
+                <a:cs typeface="+mn-cs"/>
+              </a:defRPr>
+            </a:lvl7pPr>
+            <a:lvl8pPr marL="2400300" indent="0" algn="l" defTabSz="457200" rtl="0" eaLnBrk="1" latinLnBrk="0" hangingPunct="1">
+              <a:spcBef>
+                <a:spcPct val="20000"/>
+              </a:spcBef>
+              <a:buFont typeface="Arial"/>
+              <a:buNone/>
+              <a:defRPr sz="1200" kern="1200">
+                <a:solidFill>
+                  <a:schemeClr val="tx1">
+                    <a:tint val="75000"/>
+                  </a:schemeClr>
+                </a:solidFill>
+                <a:latin typeface="+mn-lt"/>
+                <a:ea typeface="+mn-ea"/>
+                <a:cs typeface="+mn-cs"/>
+              </a:defRPr>
+            </a:lvl8pPr>
+            <a:lvl9pPr marL="2743200" indent="0" algn="l" defTabSz="457200" rtl="0" eaLnBrk="1" latinLnBrk="0" hangingPunct="1">
+              <a:spcBef>
+                <a:spcPct val="20000"/>
+              </a:spcBef>
+              <a:buFont typeface="Arial"/>
+              <a:buNone/>
+              <a:defRPr sz="1200" kern="1200">
+                <a:solidFill>
+                  <a:schemeClr val="tx1">
+                    <a:tint val="75000"/>
+                  </a:schemeClr>
+                </a:solidFill>
+                <a:latin typeface="+mn-lt"/>
+                <a:ea typeface="+mn-ea"/>
+                <a:cs typeface="+mn-cs"/>
+              </a:defRPr>
+            </a:lvl9pPr>
+          </a:lstStyle>
+          <a:p>
+            <a:pPr marL="285750" lvl="0" indent="-285750">
+              <a:spcAft>
+                <a:spcPts val="600"/>
+              </a:spcAft>
+              <a:buFont typeface="Arial" panose="020B0604020202020204" pitchFamily="34" charset="0"/>
+              <a:buChar char="•"/>
+            </a:pPr>
+            <a:endParaRPr lang="en-US" altLang="en-US"/>
+          </a:p>
+        </p:txBody>
+      </p:sp>
+      <p:sp>
+        <p:nvSpPr>
+          <p:cNvPr id="5" name="Title 4">
+            <a:extLst>
+              <a:ext uri="{FF2B5EF4-FFF2-40B4-BE49-F238E27FC236}">
+                <a16:creationId xmlns:a16="http://schemas.microsoft.com/office/drawing/2014/main" id="{3B720771-5079-D198-6EE1-E8F905573B04}"/>
+              </a:ext>
+            </a:extLst>
+          </p:cNvPr>
+          <p:cNvSpPr>
+            <a:spLocks noGrp="1"/>
+          </p:cNvSpPr>
+          <p:nvPr>
+            <p:ph type="title"/>
+          </p:nvPr>
+        </p:nvSpPr>
+        <p:spPr>
+          <a:xfrm>
+            <a:off x="400050" y="119939"/>
+            <a:ext cx="8229600" cy="428312"/>
+          </a:xfrm>
+        </p:spPr>
+        <p:txBody>
+          <a:bodyPr lIns="91440" tIns="45720" rIns="91440" bIns="45720" anchor="t"/>
+          <a:lstStyle/>
+          <a:p>
+            <a:r>
+              <a:rPr lang="en-US">
+                <a:solidFill>
+                  <a:srgbClr val="FFFFFF"/>
+                </a:solidFill>
+                <a:ea typeface="MS PGothic"/>
+                <a:cs typeface="+mj-lt"/>
+              </a:rPr>
+              <a:t>Questioning Data Exercise</a:t>
+            </a:r>
+          </a:p>
+          <a:p>
+            <a:endParaRPr lang="en-US">
+              <a:solidFill>
+                <a:srgbClr val="FFFFFF"/>
+              </a:solidFill>
+              <a:ea typeface="MS PGothic"/>
+              <a:cs typeface="+mj-lt"/>
+            </a:endParaRPr>
+          </a:p>
+          <a:p>
+            <a:endParaRPr lang="en-US">
+              <a:cs typeface="Arial"/>
+            </a:endParaRPr>
+          </a:p>
+        </p:txBody>
+      </p:sp>
+      <p:sp>
+        <p:nvSpPr>
+          <p:cNvPr id="3" name="Content Placeholder 2">
+            <a:extLst>
+              <a:ext uri="{FF2B5EF4-FFF2-40B4-BE49-F238E27FC236}">
+                <a16:creationId xmlns:a16="http://schemas.microsoft.com/office/drawing/2014/main" id="{B790E964-66C1-8511-4305-DBB304967650}"/>
+              </a:ext>
+            </a:extLst>
+          </p:cNvPr>
+          <p:cNvSpPr>
+            <a:spLocks noGrp="1"/>
+          </p:cNvSpPr>
+          <p:nvPr>
+            <p:ph idx="1"/>
+          </p:nvPr>
+        </p:nvSpPr>
+        <p:spPr/>
+        <p:txBody>
+          <a:bodyPr lIns="91440" tIns="45720" rIns="91440" bIns="45720" anchor="t"/>
+          <a:lstStyle/>
+          <a:p>
+            <a:r>
+              <a:rPr lang="en-US">
+                <a:ea typeface="MS PGothic"/>
+              </a:rPr>
+              <a:t>Dataset Selection</a:t>
+            </a:r>
+            <a:r>
+              <a:rPr lang="en-US">
+                <a:ea typeface="MS PGothic"/>
+                <a:cs typeface="+mn-lt"/>
+              </a:rPr>
+              <a:t> </a:t>
+            </a:r>
+            <a:r>
+              <a:rPr lang="en-US" b="1">
+                <a:solidFill>
+                  <a:srgbClr val="374151"/>
+                </a:solidFill>
+                <a:ea typeface="+mn-lt"/>
+                <a:cs typeface="+mn-lt"/>
+              </a:rPr>
+              <a:t>(10 minutes):</a:t>
+            </a:r>
+            <a:endParaRPr lang="en-US">
+              <a:cs typeface="Arial"/>
+            </a:endParaRPr>
+          </a:p>
+          <a:p>
+            <a:pPr lvl="1">
+              <a:buFont typeface="Courier New" panose="020B0604020202020204" pitchFamily="34" charset="0"/>
+              <a:buChar char="o"/>
+            </a:pPr>
+            <a:endParaRPr lang="en-US">
+              <a:cs typeface="Arial"/>
+            </a:endParaRPr>
+          </a:p>
+          <a:p>
+            <a:endParaRPr lang="en-US">
+              <a:cs typeface="Arial"/>
+            </a:endParaRPr>
+          </a:p>
+          <a:p>
+            <a:endParaRPr lang="en-US">
+              <a:cs typeface="Arial"/>
+            </a:endParaRPr>
+          </a:p>
+          <a:p>
+            <a:endParaRPr lang="en-US">
+              <a:cs typeface="Arial"/>
+            </a:endParaRPr>
+          </a:p>
+          <a:p>
+            <a:endParaRPr lang="en-US"/>
+          </a:p>
+          <a:p>
+            <a:endParaRPr lang="en-US"/>
+          </a:p>
+        </p:txBody>
+      </p:sp>
+    </p:spTree>
+    <p:extLst>
+      <p:ext uri="{BB962C8B-B14F-4D97-AF65-F5344CB8AC3E}">
+        <p14:creationId xmlns:p14="http://schemas.microsoft.com/office/powerpoint/2010/main" val="260417058"/>
       </p:ext>
     </p:extLst>
   </p:cSld>
@@ -25542,377 +25143,6 @@
         <p:cNvPr id="1" name="">
           <a:extLst>
             <a:ext uri="{FF2B5EF4-FFF2-40B4-BE49-F238E27FC236}">
-              <a16:creationId xmlns:a16="http://schemas.microsoft.com/office/drawing/2014/main" id="{A05B1952-F51B-4CC5-3071-A4AE8253F798}"/>
-            </a:ext>
-          </a:extLst>
-        </p:cNvPr>
-        <p:cNvGrpSpPr/>
-        <p:nvPr/>
-      </p:nvGrpSpPr>
-      <p:grpSpPr>
-        <a:xfrm>
-          <a:off x="0" y="0"/>
-          <a:ext cx="0" cy="0"/>
-          <a:chOff x="0" y="0"/>
-          <a:chExt cx="0" cy="0"/>
-        </a:xfrm>
-      </p:grpSpPr>
-      <p:sp>
-        <p:nvSpPr>
-          <p:cNvPr id="8" name="Subtitle 2">
-            <a:extLst>
-              <a:ext uri="{FF2B5EF4-FFF2-40B4-BE49-F238E27FC236}">
-                <a16:creationId xmlns:a16="http://schemas.microsoft.com/office/drawing/2014/main" id="{6CAC70F2-9661-BA75-ECF4-29D92A5635D3}"/>
-              </a:ext>
-            </a:extLst>
-          </p:cNvPr>
-          <p:cNvSpPr txBox="1">
-            <a:spLocks/>
-          </p:cNvSpPr>
-          <p:nvPr/>
-        </p:nvSpPr>
-        <p:spPr>
-          <a:xfrm>
-            <a:off x="778079" y="4099775"/>
-            <a:ext cx="6400800" cy="1237021"/>
-          </a:xfrm>
-        </p:spPr>
-        <p:txBody>
-          <a:bodyPr/>
-          <a:lstStyle>
-            <a:lvl1pPr marL="0" indent="0" algn="l" defTabSz="457200" rtl="0" eaLnBrk="0" fontAlgn="base" hangingPunct="0">
-              <a:spcBef>
-                <a:spcPct val="20000"/>
-              </a:spcBef>
-              <a:spcAft>
-                <a:spcPct val="0"/>
-              </a:spcAft>
-              <a:buFont typeface="Arial" panose="020B0604020202020204" pitchFamily="34" charset="0"/>
-              <a:buNone/>
-              <a:defRPr sz="1800" kern="1200">
-                <a:solidFill>
-                  <a:srgbClr val="0FA7B5"/>
-                </a:solidFill>
-                <a:latin typeface="+mn-lt"/>
-                <a:ea typeface="MS PGothic" panose="020B0600070205080204" pitchFamily="34" charset="-128"/>
-                <a:cs typeface="ＭＳ Ｐゴシック" charset="0"/>
-              </a:defRPr>
-            </a:lvl1pPr>
-            <a:lvl2pPr marL="342900" indent="0" algn="l" defTabSz="457200" rtl="0" eaLnBrk="0" fontAlgn="base" hangingPunct="0">
-              <a:spcBef>
-                <a:spcPct val="20000"/>
-              </a:spcBef>
-              <a:spcAft>
-                <a:spcPct val="0"/>
-              </a:spcAft>
-              <a:buFont typeface="Arial" panose="020B0604020202020204" pitchFamily="34" charset="0"/>
-              <a:buNone/>
-              <a:defRPr sz="1500" kern="1200">
-                <a:solidFill>
-                  <a:schemeClr val="tx1">
-                    <a:tint val="75000"/>
-                  </a:schemeClr>
-                </a:solidFill>
-                <a:latin typeface="+mn-lt"/>
-                <a:ea typeface="MS PGothic" panose="020B0600070205080204" pitchFamily="34" charset="-128"/>
-                <a:cs typeface="+mn-cs"/>
-              </a:defRPr>
-            </a:lvl2pPr>
-            <a:lvl3pPr marL="685800" indent="0" algn="l" defTabSz="457200" rtl="0" eaLnBrk="0" fontAlgn="base" hangingPunct="0">
-              <a:spcBef>
-                <a:spcPct val="20000"/>
-              </a:spcBef>
-              <a:spcAft>
-                <a:spcPct val="0"/>
-              </a:spcAft>
-              <a:buFont typeface="Arial" panose="020B0604020202020204" pitchFamily="34" charset="0"/>
-              <a:buNone/>
-              <a:defRPr sz="1350" kern="1200">
-                <a:solidFill>
-                  <a:schemeClr val="tx1">
-                    <a:tint val="75000"/>
-                  </a:schemeClr>
-                </a:solidFill>
-                <a:latin typeface="+mn-lt"/>
-                <a:ea typeface="MS PGothic" panose="020B0600070205080204" pitchFamily="34" charset="-128"/>
-                <a:cs typeface="+mn-cs"/>
-              </a:defRPr>
-            </a:lvl3pPr>
-            <a:lvl4pPr marL="1028700" indent="0" algn="l" defTabSz="457200" rtl="0" eaLnBrk="0" fontAlgn="base" hangingPunct="0">
-              <a:spcBef>
-                <a:spcPct val="20000"/>
-              </a:spcBef>
-              <a:spcAft>
-                <a:spcPct val="0"/>
-              </a:spcAft>
-              <a:buFont typeface="Arial" panose="020B0604020202020204" pitchFamily="34" charset="0"/>
-              <a:buNone/>
-              <a:defRPr sz="1200" kern="1200">
-                <a:solidFill>
-                  <a:schemeClr val="tx1">
-                    <a:tint val="75000"/>
-                  </a:schemeClr>
-                </a:solidFill>
-                <a:latin typeface="+mn-lt"/>
-                <a:ea typeface="MS PGothic" panose="020B0600070205080204" pitchFamily="34" charset="-128"/>
-                <a:cs typeface="+mn-cs"/>
-              </a:defRPr>
-            </a:lvl4pPr>
-            <a:lvl5pPr marL="1371600" indent="0" algn="l" defTabSz="457200" rtl="0" eaLnBrk="0" fontAlgn="base" hangingPunct="0">
-              <a:spcBef>
-                <a:spcPct val="20000"/>
-              </a:spcBef>
-              <a:spcAft>
-                <a:spcPct val="0"/>
-              </a:spcAft>
-              <a:buFont typeface="Arial" panose="020B0604020202020204" pitchFamily="34" charset="0"/>
-              <a:buNone/>
-              <a:defRPr sz="1200" kern="1200">
-                <a:solidFill>
-                  <a:schemeClr val="tx1">
-                    <a:tint val="75000"/>
-                  </a:schemeClr>
-                </a:solidFill>
-                <a:latin typeface="+mn-lt"/>
-                <a:ea typeface="MS PGothic" panose="020B0600070205080204" pitchFamily="34" charset="-128"/>
-                <a:cs typeface="+mn-cs"/>
-              </a:defRPr>
-            </a:lvl5pPr>
-            <a:lvl6pPr marL="1714500" indent="0" algn="l" defTabSz="457200" rtl="0" eaLnBrk="1" latinLnBrk="0" hangingPunct="1">
-              <a:spcBef>
-                <a:spcPct val="20000"/>
-              </a:spcBef>
-              <a:buFont typeface="Arial"/>
-              <a:buNone/>
-              <a:defRPr sz="1200" kern="1200">
-                <a:solidFill>
-                  <a:schemeClr val="tx1">
-                    <a:tint val="75000"/>
-                  </a:schemeClr>
-                </a:solidFill>
-                <a:latin typeface="+mn-lt"/>
-                <a:ea typeface="+mn-ea"/>
-                <a:cs typeface="+mn-cs"/>
-              </a:defRPr>
-            </a:lvl6pPr>
-            <a:lvl7pPr marL="2057400" indent="0" algn="l" defTabSz="457200" rtl="0" eaLnBrk="1" latinLnBrk="0" hangingPunct="1">
-              <a:spcBef>
-                <a:spcPct val="20000"/>
-              </a:spcBef>
-              <a:buFont typeface="Arial"/>
-              <a:buNone/>
-              <a:defRPr sz="1200" kern="1200">
-                <a:solidFill>
-                  <a:schemeClr val="tx1">
-                    <a:tint val="75000"/>
-                  </a:schemeClr>
-                </a:solidFill>
-                <a:latin typeface="+mn-lt"/>
-                <a:ea typeface="+mn-ea"/>
-                <a:cs typeface="+mn-cs"/>
-              </a:defRPr>
-            </a:lvl7pPr>
-            <a:lvl8pPr marL="2400300" indent="0" algn="l" defTabSz="457200" rtl="0" eaLnBrk="1" latinLnBrk="0" hangingPunct="1">
-              <a:spcBef>
-                <a:spcPct val="20000"/>
-              </a:spcBef>
-              <a:buFont typeface="Arial"/>
-              <a:buNone/>
-              <a:defRPr sz="1200" kern="1200">
-                <a:solidFill>
-                  <a:schemeClr val="tx1">
-                    <a:tint val="75000"/>
-                  </a:schemeClr>
-                </a:solidFill>
-                <a:latin typeface="+mn-lt"/>
-                <a:ea typeface="+mn-ea"/>
-                <a:cs typeface="+mn-cs"/>
-              </a:defRPr>
-            </a:lvl8pPr>
-            <a:lvl9pPr marL="2743200" indent="0" algn="l" defTabSz="457200" rtl="0" eaLnBrk="1" latinLnBrk="0" hangingPunct="1">
-              <a:spcBef>
-                <a:spcPct val="20000"/>
-              </a:spcBef>
-              <a:buFont typeface="Arial"/>
-              <a:buNone/>
-              <a:defRPr sz="1200" kern="1200">
-                <a:solidFill>
-                  <a:schemeClr val="tx1">
-                    <a:tint val="75000"/>
-                  </a:schemeClr>
-                </a:solidFill>
-                <a:latin typeface="+mn-lt"/>
-                <a:ea typeface="+mn-ea"/>
-                <a:cs typeface="+mn-cs"/>
-              </a:defRPr>
-            </a:lvl9pPr>
-          </a:lstStyle>
-          <a:p>
-            <a:pPr marL="285750" lvl="0" indent="-285750">
-              <a:spcAft>
-                <a:spcPts val="600"/>
-              </a:spcAft>
-              <a:buFont typeface="Arial" panose="020B0604020202020204" pitchFamily="34" charset="0"/>
-              <a:buChar char="•"/>
-            </a:pPr>
-            <a:endParaRPr lang="en-US" altLang="en-US"/>
-          </a:p>
-        </p:txBody>
-      </p:sp>
-      <p:sp>
-        <p:nvSpPr>
-          <p:cNvPr id="5" name="Title 4">
-            <a:extLst>
-              <a:ext uri="{FF2B5EF4-FFF2-40B4-BE49-F238E27FC236}">
-                <a16:creationId xmlns:a16="http://schemas.microsoft.com/office/drawing/2014/main" id="{3B720771-5079-D198-6EE1-E8F905573B04}"/>
-              </a:ext>
-            </a:extLst>
-          </p:cNvPr>
-          <p:cNvSpPr>
-            <a:spLocks noGrp="1"/>
-          </p:cNvSpPr>
-          <p:nvPr>
-            <p:ph type="title"/>
-          </p:nvPr>
-        </p:nvSpPr>
-        <p:spPr>
-          <a:xfrm>
-            <a:off x="400050" y="119939"/>
-            <a:ext cx="8229600" cy="428312"/>
-          </a:xfrm>
-        </p:spPr>
-        <p:txBody>
-          <a:bodyPr lIns="91440" tIns="45720" rIns="91440" bIns="45720" anchor="t"/>
-          <a:lstStyle/>
-          <a:p>
-            <a:r>
-              <a:rPr lang="en-US">
-                <a:solidFill>
-                  <a:srgbClr val="FFFFFF"/>
-                </a:solidFill>
-                <a:ea typeface="MS PGothic"/>
-                <a:cs typeface="+mj-lt"/>
-              </a:rPr>
-              <a:t>Questioning Data Exercise</a:t>
-            </a:r>
-          </a:p>
-          <a:p>
-            <a:endParaRPr lang="en-US">
-              <a:solidFill>
-                <a:srgbClr val="FFFFFF"/>
-              </a:solidFill>
-              <a:ea typeface="MS PGothic"/>
-              <a:cs typeface="+mj-lt"/>
-            </a:endParaRPr>
-          </a:p>
-          <a:p>
-            <a:endParaRPr lang="en-US">
-              <a:cs typeface="Arial"/>
-            </a:endParaRPr>
-          </a:p>
-        </p:txBody>
-      </p:sp>
-      <p:sp>
-        <p:nvSpPr>
-          <p:cNvPr id="3" name="Content Placeholder 2">
-            <a:extLst>
-              <a:ext uri="{FF2B5EF4-FFF2-40B4-BE49-F238E27FC236}">
-                <a16:creationId xmlns:a16="http://schemas.microsoft.com/office/drawing/2014/main" id="{B790E964-66C1-8511-4305-DBB304967650}"/>
-              </a:ext>
-            </a:extLst>
-          </p:cNvPr>
-          <p:cNvSpPr>
-            <a:spLocks noGrp="1"/>
-          </p:cNvSpPr>
-          <p:nvPr>
-            <p:ph idx="1"/>
-          </p:nvPr>
-        </p:nvSpPr>
-        <p:spPr/>
-        <p:txBody>
-          <a:bodyPr lIns="91440" tIns="45720" rIns="91440" bIns="45720" anchor="t"/>
-          <a:lstStyle/>
-          <a:p>
-            <a:r>
-              <a:rPr lang="en-US">
-                <a:ea typeface="MS PGothic"/>
-              </a:rPr>
-              <a:t>Dataset Selection</a:t>
-            </a:r>
-            <a:r>
-              <a:rPr lang="en-US">
-                <a:ea typeface="MS PGothic"/>
-                <a:cs typeface="+mn-lt"/>
-              </a:rPr>
-              <a:t> </a:t>
-            </a:r>
-            <a:r>
-              <a:rPr lang="en-US" b="1">
-                <a:solidFill>
-                  <a:srgbClr val="374151"/>
-                </a:solidFill>
-                <a:ea typeface="+mn-lt"/>
-                <a:cs typeface="+mn-lt"/>
-              </a:rPr>
-              <a:t>(10 minutes):</a:t>
-            </a:r>
-            <a:endParaRPr lang="en-US">
-              <a:cs typeface="Arial"/>
-            </a:endParaRPr>
-          </a:p>
-          <a:p>
-            <a:pPr lvl="1">
-              <a:buFont typeface="Courier New" panose="020B0604020202020204" pitchFamily="34" charset="0"/>
-              <a:buChar char="o"/>
-            </a:pPr>
-            <a:endParaRPr lang="en-US">
-              <a:cs typeface="Arial"/>
-            </a:endParaRPr>
-          </a:p>
-          <a:p>
-            <a:endParaRPr lang="en-US">
-              <a:cs typeface="Arial"/>
-            </a:endParaRPr>
-          </a:p>
-          <a:p>
-            <a:endParaRPr lang="en-US">
-              <a:cs typeface="Arial"/>
-            </a:endParaRPr>
-          </a:p>
-          <a:p>
-            <a:endParaRPr lang="en-US">
-              <a:cs typeface="Arial"/>
-            </a:endParaRPr>
-          </a:p>
-          <a:p>
-            <a:endParaRPr lang="en-US"/>
-          </a:p>
-          <a:p>
-            <a:endParaRPr lang="en-US"/>
-          </a:p>
-        </p:txBody>
-      </p:sp>
-    </p:spTree>
-    <p:extLst>
-      <p:ext uri="{BB962C8B-B14F-4D97-AF65-F5344CB8AC3E}">
-        <p14:creationId xmlns:p14="http://schemas.microsoft.com/office/powerpoint/2010/main" val="260417058"/>
-      </p:ext>
-    </p:extLst>
-  </p:cSld>
-  <p:clrMapOvr>
-    <a:masterClrMapping/>
-  </p:clrMapOvr>
-</p:sld>
-</file>
-
-<file path=ppt/slides/slide31.xml><?xml version="1.0" encoding="utf-8"?>
-<p:sld xmlns:a="http://schemas.openxmlformats.org/drawingml/2006/main" xmlns:r="http://schemas.openxmlformats.org/officeDocument/2006/relationships" xmlns:p="http://schemas.openxmlformats.org/presentationml/2006/main">
-  <p:cSld>
-    <p:spTree>
-      <p:nvGrpSpPr>
-        <p:cNvPr id="1" name="">
-          <a:extLst>
-            <a:ext uri="{FF2B5EF4-FFF2-40B4-BE49-F238E27FC236}">
               <a16:creationId xmlns:a16="http://schemas.microsoft.com/office/drawing/2014/main" id="{FEA224A0-C05E-EA0A-011A-14E06AAE6C86}"/>
             </a:ext>
           </a:extLst>
@@ -26279,7 +25509,7 @@
 </p:sld>
 </file>
 
-<file path=ppt/slides/slide32.xml><?xml version="1.0" encoding="utf-8"?>
+<file path=ppt/slides/slide31.xml><?xml version="1.0" encoding="utf-8"?>
 <p:sld xmlns:a="http://schemas.openxmlformats.org/drawingml/2006/main" xmlns:r="http://schemas.openxmlformats.org/officeDocument/2006/relationships" xmlns:p="http://schemas.openxmlformats.org/presentationml/2006/main">
   <p:cSld>
     <p:spTree>
@@ -26637,7 +25867,7 @@
 </p:sld>
 </file>
 
-<file path=ppt/slides/slide33.xml><?xml version="1.0" encoding="utf-8"?>
+<file path=ppt/slides/slide32.xml><?xml version="1.0" encoding="utf-8"?>
 <p:sld xmlns:a="http://schemas.openxmlformats.org/drawingml/2006/main" xmlns:r="http://schemas.openxmlformats.org/officeDocument/2006/relationships" xmlns:p="http://schemas.openxmlformats.org/presentationml/2006/main">
   <p:cSld>
     <p:spTree>
@@ -26999,7 +26229,7 @@
 </p:sld>
 </file>
 
-<file path=ppt/slides/slide34.xml><?xml version="1.0" encoding="utf-8"?>
+<file path=ppt/slides/slide33.xml><?xml version="1.0" encoding="utf-8"?>
 <p:sld xmlns:a="http://schemas.openxmlformats.org/drawingml/2006/main" xmlns:r="http://schemas.openxmlformats.org/officeDocument/2006/relationships" xmlns:p="http://schemas.openxmlformats.org/presentationml/2006/main">
   <p:cSld>
     <p:spTree>
@@ -31749,15 +30979,6 @@
 </file>
 
 <file path=customXml/item1.xml><?xml version="1.0" encoding="utf-8"?>
-<?mso-contentType ?>
-<FormTemplates xmlns="http://schemas.microsoft.com/sharepoint/v3/contenttype/forms">
-  <Display>DocumentLibraryForm</Display>
-  <Edit>DocumentLibraryForm</Edit>
-  <New>DocumentLibraryForm</New>
-</FormTemplates>
-</file>
-
-<file path=customXml/item2.xml><?xml version="1.0" encoding="utf-8"?>
 <ct:contentTypeSchema xmlns:ct="http://schemas.microsoft.com/office/2006/metadata/contentType" xmlns:ma="http://schemas.microsoft.com/office/2006/metadata/properties/metaAttributes" ct:_="" ma:_="" ma:contentTypeName="Document" ma:contentTypeID="0x01010078FC82D30FF8D84CBEB82DCBA9A15C0A" ma:contentTypeVersion="22" ma:contentTypeDescription="Create a new document." ma:contentTypeScope="" ma:versionID="3013f6de0dd108bbc8dc41a030196cd3">
   <xsd:schema xmlns:xsd="http://www.w3.org/2001/XMLSchema" xmlns:xs="http://www.w3.org/2001/XMLSchema" xmlns:p="http://schemas.microsoft.com/office/2006/metadata/properties" xmlns:ns2="5ec6e143-408a-4839-9bcf-61adb1c13e3f" xmlns:ns3="959d53c8-292b-4aa8-bb70-f9900682e6de" targetNamespace="http://schemas.microsoft.com/office/2006/metadata/properties" ma:root="true" ma:fieldsID="ca06851f1f55f2987bbbb0f6d6a32f46" ns2:_="" ns3:_="">
     <xsd:import namespace="5ec6e143-408a-4839-9bcf-61adb1c13e3f"/>
@@ -32014,7 +31235,7 @@
 </ct:contentTypeSchema>
 </file>
 
-<file path=customXml/item3.xml><?xml version="1.0" encoding="utf-8"?>
+<file path=customXml/item2.xml><?xml version="1.0" encoding="utf-8"?>
 <p:properties xmlns:p="http://schemas.microsoft.com/office/2006/metadata/properties" xmlns:xsi="http://www.w3.org/2001/XMLSchema-instance" xmlns:pc="http://schemas.microsoft.com/office/infopath/2007/PartnerControls">
   <documentManagement>
     <Notes xmlns="5ec6e143-408a-4839-9bcf-61adb1c13e3f" xsi:nil="true"/>
@@ -32026,15 +31247,16 @@
 </p:properties>
 </file>
 
-<file path=customXml/itemProps1.xml><?xml version="1.0" encoding="utf-8"?>
-<ds:datastoreItem xmlns:ds="http://schemas.openxmlformats.org/officeDocument/2006/customXml" ds:itemID="{E49E43F2-009D-4FD5-9629-B1B9A3DF71DA}">
-  <ds:schemaRefs>
-    <ds:schemaRef ds:uri="http://schemas.microsoft.com/sharepoint/v3/contenttype/forms"/>
-  </ds:schemaRefs>
-</ds:datastoreItem>
+<file path=customXml/item3.xml><?xml version="1.0" encoding="utf-8"?>
+<?mso-contentType ?>
+<FormTemplates xmlns="http://schemas.microsoft.com/sharepoint/v3/contenttype/forms">
+  <Display>DocumentLibraryForm</Display>
+  <Edit>DocumentLibraryForm</Edit>
+  <New>DocumentLibraryForm</New>
+</FormTemplates>
 </file>
 
-<file path=customXml/itemProps2.xml><?xml version="1.0" encoding="utf-8"?>
+<file path=customXml/itemProps1.xml><?xml version="1.0" encoding="utf-8"?>
 <ds:datastoreItem xmlns:ds="http://schemas.openxmlformats.org/officeDocument/2006/customXml" ds:itemID="{2EE85F03-4453-4CBB-8E0A-4C4A957A1AB3}">
   <ds:schemaRefs>
     <ds:schemaRef ds:uri="5ec6e143-408a-4839-9bcf-61adb1c13e3f"/>
@@ -32053,7 +31275,7 @@
 </ds:datastoreItem>
 </file>
 
-<file path=customXml/itemProps3.xml><?xml version="1.0" encoding="utf-8"?>
+<file path=customXml/itemProps2.xml><?xml version="1.0" encoding="utf-8"?>
 <ds:datastoreItem xmlns:ds="http://schemas.openxmlformats.org/officeDocument/2006/customXml" ds:itemID="{C530F82F-BEB8-4CE5-BAAE-EC5C7B644B7C}">
   <ds:schemaRefs>
     <ds:schemaRef ds:uri="http://www.w3.org/XML/1998/namespace"/>
@@ -32068,4 +31290,12 @@
     <ds:schemaRef ds:uri="http://purl.org/dc/dcmitype/"/>
   </ds:schemaRefs>
 </ds:datastoreItem>
+</file>
+
+<file path=customXml/itemProps3.xml><?xml version="1.0" encoding="utf-8"?>
+<ds:datastoreItem xmlns:ds="http://schemas.openxmlformats.org/officeDocument/2006/customXml" ds:itemID="{E49E43F2-009D-4FD5-9629-B1B9A3DF71DA}">
+  <ds:schemaRefs>
+    <ds:schemaRef ds:uri="http://schemas.microsoft.com/sharepoint/v3/contenttype/forms"/>
+  </ds:schemaRefs>
+</ds:datastoreItem>
 </file>